--- a/docs/presentations/final/Présentation_projet_ECU.pptx
+++ b/docs/presentations/final/Présentation_projet_ECU.pptx
@@ -123,6 +123,11 @@
       </a:defRPr>
     </a:lvl9pPr>
   </p:defaultTextStyle>
+  <p:extLst>
+    <p:ext uri="{EFAFB233-063F-42B5-8137-9DF3F51BA10A}">
+      <p15:sldGuideLst xmlns:p15="http://schemas.microsoft.com/office/powerpoint/2012/main"/>
+    </p:ext>
+  </p:extLst>
 </p:presentation>
 </file>
 
@@ -20164,8 +20169,8 @@
         </p:nvSpPr>
         <p:spPr>
           <a:xfrm>
-            <a:off x="4801338" y="1686721"/>
-            <a:ext cx="2039382" cy="644877"/>
+            <a:off x="4872543" y="1686721"/>
+            <a:ext cx="1896971" cy="367878"/>
           </a:xfrm>
           <a:prstGeom prst="rect">
             <a:avLst/>
@@ -20206,24 +20211,7 @@
                 </a:solidFill>
                 <a:latin typeface="Calibri"/>
               </a:rPr>
-              <a:t>Liaison série UART /</a:t>
-            </a:r>
-          </a:p>
-          <a:p>
-            <a:pPr algn="ctr">
-              <a:lnSpc>
-                <a:spcPct val="100000"/>
-              </a:lnSpc>
-              <a:buNone/>
-            </a:pPr>
-            <a:r>
-              <a:rPr lang="fr-FR" spc="-1" dirty="0">
-                <a:solidFill>
-                  <a:srgbClr val="005E6A"/>
-                </a:solidFill>
-                <a:latin typeface="Calibri"/>
-              </a:rPr>
-              <a:t>USB OTG</a:t>
+              <a:t>Liaison série UART</a:t>
             </a:r>
             <a:endParaRPr lang="fr-FR" sz="1800" b="0" strike="noStrike" spc="-1" dirty="0">
               <a:latin typeface="Arial"/>
@@ -20808,64 +20796,42 @@
           </a:p>
         </p:txBody>
       </p:sp>
-      <p:sp>
-        <p:nvSpPr>
-          <p:cNvPr id="276" name="ZoneTexte 28"/>
-          <p:cNvSpPr/>
+      <p:pic>
+        <p:nvPicPr>
+          <p:cNvPr id="3" name="Image 2" descr="Une image contenant texte, capture d’écran, Police, nombre&#10;&#10;Description générée automatiquement">
+            <a:extLst>
+              <a:ext uri="{FF2B5EF4-FFF2-40B4-BE49-F238E27FC236}">
+                <a16:creationId xmlns:a16="http://schemas.microsoft.com/office/drawing/2014/main" id="{AB49E4C2-05C2-3341-A92C-C3F7B285AE1A}"/>
+              </a:ext>
+            </a:extLst>
+          </p:cNvPr>
+          <p:cNvPicPr>
+            <a:picLocks noChangeAspect="1"/>
+          </p:cNvPicPr>
           <p:nvPr/>
-        </p:nvSpPr>
+        </p:nvPicPr>
+        <p:blipFill>
+          <a:blip r:embed="rId2">
+            <a:extLst>
+              <a:ext uri="{28A0092B-C50C-407E-A947-70E740481C1C}">
+                <a14:useLocalDpi xmlns:a14="http://schemas.microsoft.com/office/drawing/2010/main" val="0"/>
+              </a:ext>
+            </a:extLst>
+          </a:blip>
+          <a:stretch>
+            <a:fillRect/>
+          </a:stretch>
+        </p:blipFill>
         <p:spPr>
           <a:xfrm>
-            <a:off x="3785220" y="4134960"/>
-            <a:ext cx="4955657" cy="367878"/>
+            <a:off x="4482678" y="3468870"/>
+            <a:ext cx="2505075" cy="2686050"/>
           </a:xfrm>
           <a:prstGeom prst="rect">
             <a:avLst/>
           </a:prstGeom>
-          <a:noFill/>
-          <a:ln w="0">
-            <a:noFill/>
-          </a:ln>
         </p:spPr>
-        <p:style>
-          <a:lnRef idx="0">
-            <a:scrgbClr r="0" g="0" b="0"/>
-          </a:lnRef>
-          <a:fillRef idx="0">
-            <a:scrgbClr r="0" g="0" b="0"/>
-          </a:fillRef>
-          <a:effectRef idx="0">
-            <a:scrgbClr r="0" g="0" b="0"/>
-          </a:effectRef>
-          <a:fontRef idx="minor"/>
-        </p:style>
-        <p:txBody>
-          <a:bodyPr wrap="square" lIns="90000" tIns="45000" rIns="90000" bIns="45000" anchor="t">
-            <a:spAutoFit/>
-          </a:bodyPr>
-          <a:lstStyle/>
-          <a:p>
-            <a:pPr>
-              <a:lnSpc>
-                <a:spcPct val="100000"/>
-              </a:lnSpc>
-              <a:buNone/>
-            </a:pPr>
-            <a:r>
-              <a:rPr lang="fr-FR" b="1" spc="-1" dirty="0">
-                <a:solidFill>
-                  <a:srgbClr val="005E6A"/>
-                </a:solidFill>
-                <a:latin typeface="Calibri"/>
-              </a:rPr>
-              <a:t>Photo de l’interface connexion communication</a:t>
-            </a:r>
-            <a:endParaRPr lang="fr-FR" sz="1800" b="0" strike="noStrike" spc="-1" dirty="0">
-              <a:latin typeface="Arial"/>
-            </a:endParaRPr>
-          </a:p>
-        </p:txBody>
-      </p:sp>
+      </p:pic>
     </p:spTree>
   </p:cSld>
   <p:clrMapOvr>
@@ -21199,70 +21165,42 @@
           </a:p>
         </p:txBody>
       </p:sp>
-      <p:sp>
-        <p:nvSpPr>
-          <p:cNvPr id="2" name="ZoneTexte 9">
+      <p:pic>
+        <p:nvPicPr>
+          <p:cNvPr id="6" name="Image 5" descr="Une image contenant texte, capture d’écran, Instrument de mesure, cercle&#10;&#10;Description générée automatiquement">
             <a:extLst>
               <a:ext uri="{FF2B5EF4-FFF2-40B4-BE49-F238E27FC236}">
-                <a16:creationId xmlns:a16="http://schemas.microsoft.com/office/drawing/2014/main" id="{D0E490B3-8D33-970E-8724-ABFE94A401F6}"/>
+                <a16:creationId xmlns:a16="http://schemas.microsoft.com/office/drawing/2014/main" id="{8727674B-923B-BB4A-5F67-857B04AB5C7E}"/>
               </a:ext>
             </a:extLst>
           </p:cNvPr>
-          <p:cNvSpPr/>
+          <p:cNvPicPr>
+            <a:picLocks noChangeAspect="1"/>
+          </p:cNvPicPr>
           <p:nvPr/>
-        </p:nvSpPr>
+        </p:nvPicPr>
+        <p:blipFill>
+          <a:blip r:embed="rId2">
+            <a:extLst>
+              <a:ext uri="{28A0092B-C50C-407E-A947-70E740481C1C}">
+                <a14:useLocalDpi xmlns:a14="http://schemas.microsoft.com/office/drawing/2010/main" val="0"/>
+              </a:ext>
+            </a:extLst>
+          </a:blip>
+          <a:stretch>
+            <a:fillRect/>
+          </a:stretch>
+        </p:blipFill>
         <p:spPr>
           <a:xfrm>
-            <a:off x="4161539" y="3137339"/>
-            <a:ext cx="3832052" cy="583321"/>
+            <a:off x="2915912" y="766080"/>
+            <a:ext cx="7754402" cy="5388840"/>
           </a:xfrm>
           <a:prstGeom prst="rect">
             <a:avLst/>
           </a:prstGeom>
-          <a:noFill/>
-          <a:ln w="0">
-            <a:noFill/>
-          </a:ln>
         </p:spPr>
-        <p:style>
-          <a:lnRef idx="0">
-            <a:scrgbClr r="0" g="0" b="0"/>
-          </a:lnRef>
-          <a:fillRef idx="0">
-            <a:scrgbClr r="0" g="0" b="0"/>
-          </a:fillRef>
-          <a:effectRef idx="0">
-            <a:scrgbClr r="0" g="0" b="0"/>
-          </a:effectRef>
-          <a:fontRef idx="minor"/>
-        </p:style>
-        <p:txBody>
-          <a:bodyPr wrap="none" lIns="90000" tIns="45000" rIns="90000" bIns="45000" anchor="t">
-            <a:spAutoFit/>
-          </a:bodyPr>
-          <a:lstStyle/>
-          <a:p>
-            <a:pPr>
-              <a:lnSpc>
-                <a:spcPct val="100000"/>
-              </a:lnSpc>
-              <a:buNone/>
-            </a:pPr>
-            <a:r>
-              <a:rPr lang="fr-FR" sz="3200" spc="-1" dirty="0">
-                <a:solidFill>
-                  <a:srgbClr val="005E6A"/>
-                </a:solidFill>
-                <a:latin typeface="Calibri"/>
-              </a:rPr>
-              <a:t>Image interface démo</a:t>
-            </a:r>
-            <a:endParaRPr lang="fr-FR" sz="3200" b="0" strike="noStrike" spc="-1" dirty="0">
-              <a:latin typeface="Arial"/>
-            </a:endParaRPr>
-          </a:p>
-        </p:txBody>
-      </p:sp>
+      </p:pic>
     </p:spTree>
     <p:extLst>
       <p:ext uri="{BB962C8B-B14F-4D97-AF65-F5344CB8AC3E}">

--- a/docs/presentations/final/Présentation_projet_ECU.pptx
+++ b/docs/presentations/final/Présentation_projet_ECU.pptx
@@ -6,7 +6,7 @@
     <p:sldMasterId id="2147483661" r:id="rId2"/>
   </p:sldMasterIdLst>
   <p:notesMasterIdLst>
-    <p:notesMasterId r:id="rId19"/>
+    <p:notesMasterId r:id="rId20"/>
   </p:notesMasterIdLst>
   <p:sldIdLst>
     <p:sldId id="256" r:id="rId3"/>
@@ -23,8 +23,9 @@
     <p:sldId id="270" r:id="rId14"/>
     <p:sldId id="271" r:id="rId15"/>
     <p:sldId id="266" r:id="rId16"/>
-    <p:sldId id="267" r:id="rId17"/>
-    <p:sldId id="268" r:id="rId18"/>
+    <p:sldId id="274" r:id="rId17"/>
+    <p:sldId id="267" r:id="rId18"/>
+    <p:sldId id="268" r:id="rId19"/>
   </p:sldIdLst>
   <p:sldSz cx="12192000" cy="6858000"/>
   <p:notesSz cx="6858000" cy="9144000"/>
@@ -1346,160 +1347,40 @@
               <a:buNone/>
             </a:pPr>
             <a:r>
-              <a:rPr lang="fr-FR" sz="2000" b="0" strike="noStrike" spc="-1">
+              <a:rPr lang="fr-FR" sz="2000" b="0" strike="noStrike" spc="-1" dirty="0" err="1">
                 <a:latin typeface="Arial"/>
               </a:rPr>
-              <a:t>Description de l'interface utilisateur (GUI) programmée :</a:t>
+              <a:t>TunerStudio</a:t>
             </a:r>
-          </a:p>
-          <a:p>
-            <a:pPr marL="216000" indent="-216000">
-              <a:lnSpc>
-                <a:spcPct val="100000"/>
-              </a:lnSpc>
-              <a:buNone/>
-            </a:pPr>
-            <a:endParaRPr lang="fr-FR" sz="2000" b="0" strike="noStrike" spc="-1">
-              <a:latin typeface="Arial"/>
-            </a:endParaRPr>
-          </a:p>
-          <a:p>
-            <a:pPr marL="216000" indent="-216000">
-              <a:lnSpc>
-                <a:spcPct val="100000"/>
-              </a:lnSpc>
-              <a:buNone/>
-            </a:pPr>
             <a:r>
-              <a:rPr lang="fr-FR" sz="2000" b="0" strike="noStrike" spc="-1">
+              <a:rPr lang="fr-FR" sz="2000" b="0" strike="noStrike" spc="-1" dirty="0">
                 <a:latin typeface="Arial"/>
               </a:rPr>
-              <a:t>1. **Langage de Programmation :** L'interface a été développée en utilisant Python, tirant parti de sa flexibilité et de sa simplicité de mise en œuvre.</a:t>
+              <a:t> est un logiciel utilisé pour la configuration et le réglage des systèmes de gestion moteur (ECU) sur les véhicules équipés de moteurs programmables. Il est particulièrement populaire parmi les amateurs de voitures personnalisées et les passionnés de performances automobiles. </a:t>
             </a:r>
-          </a:p>
-          <a:p>
-            <a:pPr marL="216000" indent="-216000">
-              <a:lnSpc>
-                <a:spcPct val="100000"/>
-              </a:lnSpc>
-              <a:buNone/>
-            </a:pPr>
-            <a:endParaRPr lang="fr-FR" sz="2000" b="0" strike="noStrike" spc="-1">
-              <a:latin typeface="Arial"/>
-            </a:endParaRPr>
-          </a:p>
-          <a:p>
-            <a:pPr marL="216000" indent="-216000">
-              <a:lnSpc>
-                <a:spcPct val="100000"/>
-              </a:lnSpc>
-              <a:buNone/>
-            </a:pPr>
             <a:r>
-              <a:rPr lang="fr-FR" sz="2000" b="0" strike="noStrike" spc="-1">
+              <a:rPr lang="fr-FR" sz="2000" b="0" strike="noStrike" spc="-1" dirty="0" err="1">
                 <a:latin typeface="Arial"/>
               </a:rPr>
-              <a:t>2. **Bibliothèque Graphique :** Pour la création de l'interface graphique, nous avons opté pour tkinter, une bibliothèque intégrée à Python, reconnue pour sa facilité d'utilisation et son efficacité dans la conception d'interfaces utilisateur.</a:t>
+              <a:t>TunerStudio</a:t>
             </a:r>
-          </a:p>
-          <a:p>
-            <a:pPr marL="216000" indent="-216000">
-              <a:lnSpc>
-                <a:spcPct val="100000"/>
-              </a:lnSpc>
-              <a:buNone/>
-            </a:pPr>
-            <a:endParaRPr lang="fr-FR" sz="2000" b="0" strike="noStrike" spc="-1">
-              <a:latin typeface="Arial"/>
-            </a:endParaRPr>
-          </a:p>
-          <a:p>
-            <a:pPr marL="216000" indent="-216000">
-              <a:lnSpc>
-                <a:spcPct val="100000"/>
-              </a:lnSpc>
-              <a:buNone/>
-            </a:pPr>
             <a:r>
-              <a:rPr lang="fr-FR" sz="2000" b="0" strike="noStrike" spc="-1">
+              <a:rPr lang="fr-FR" sz="2000" b="0" strike="noStrike" spc="-1" dirty="0">
                 <a:latin typeface="Arial"/>
               </a:rPr>
-              <a:t>3. **Architecture Modèle-Contrôleur-Vue (MCV) :** La structure de l'interface suit le modèle MCV, séparant clairement la logique métier (Modèle), le traitement des données (Contrôleur) et la représentation graphique (Vue). Cette approche favorise la maintenabilité et l'évolutivité du code.</a:t>
+              <a:t> permet aux utilisateurs de modifier les paramètres du moteur tels que l'avance à l'allumage, le temps d'injection de carburant, le rapport air-carburant, etc., afin d'optimiser les performances du moteur en fonction de diverses conditions de conduite. Ce logiciel est souvent utilisé en conjonction avec des interfaces matérielles telles que </a:t>
             </a:r>
-          </a:p>
-          <a:p>
-            <a:pPr marL="216000" indent="-216000">
-              <a:lnSpc>
-                <a:spcPct val="100000"/>
-              </a:lnSpc>
-              <a:buNone/>
-            </a:pPr>
-            <a:endParaRPr lang="fr-FR" sz="2000" b="0" strike="noStrike" spc="-1">
-              <a:latin typeface="Arial"/>
-            </a:endParaRPr>
-          </a:p>
-          <a:p>
-            <a:pPr marL="216000" indent="-216000">
-              <a:lnSpc>
-                <a:spcPct val="100000"/>
-              </a:lnSpc>
-              <a:buNone/>
-            </a:pPr>
             <a:r>
-              <a:rPr lang="fr-FR" sz="2000" b="0" strike="noStrike" spc="-1">
+              <a:rPr lang="fr-FR" sz="2000" b="0" strike="noStrike" spc="-1" dirty="0" err="1">
                 <a:latin typeface="Arial"/>
               </a:rPr>
-              <a:t>4. **Utilisation de Design Patterns :** Dans le cadre du développement, nous avons intégré des motifs de conception (design patterns) afin d'optimiser la réutilisabilité du code, d'améliorer la lisibilité et de simplifier la maintenance.</a:t>
+              <a:t>MegaSquirt</a:t>
             </a:r>
-          </a:p>
-          <a:p>
-            <a:pPr marL="216000" indent="-216000">
-              <a:lnSpc>
-                <a:spcPct val="100000"/>
-              </a:lnSpc>
-              <a:buNone/>
-            </a:pPr>
-            <a:endParaRPr lang="fr-FR" sz="2000" b="0" strike="noStrike" spc="-1">
-              <a:latin typeface="Arial"/>
-            </a:endParaRPr>
-          </a:p>
-          <a:p>
-            <a:pPr marL="216000" indent="-216000">
-              <a:lnSpc>
-                <a:spcPct val="100000"/>
-              </a:lnSpc>
-              <a:buNone/>
-            </a:pPr>
             <a:r>
-              <a:rPr lang="fr-FR" sz="2000" b="0" strike="noStrike" spc="-1">
+              <a:rPr lang="fr-FR" sz="2000" b="0" strike="noStrike" spc="-1" dirty="0">
                 <a:latin typeface="Arial"/>
               </a:rPr>
-              <a:t>5. **Démonstration :** Pour illustrer les fonctionnalités de l'interface, une démonstration sera présentée, mettant en avant la convivialité de la conception, la fluidité des interactions et la clarté des informations affichées.</a:t>
-            </a:r>
-          </a:p>
-          <a:p>
-            <a:pPr marL="216000" indent="-216000">
-              <a:lnSpc>
-                <a:spcPct val="100000"/>
-              </a:lnSpc>
-              <a:buNone/>
-            </a:pPr>
-            <a:endParaRPr lang="fr-FR" sz="2000" b="0" strike="noStrike" spc="-1">
-              <a:latin typeface="Arial"/>
-            </a:endParaRPr>
-          </a:p>
-          <a:p>
-            <a:pPr marL="216000" indent="-216000">
-              <a:lnSpc>
-                <a:spcPct val="100000"/>
-              </a:lnSpc>
-              <a:buNone/>
-            </a:pPr>
-            <a:r>
-              <a:rPr lang="fr-FR" sz="2000" b="0" strike="noStrike" spc="-1">
-                <a:latin typeface="Arial"/>
-              </a:rPr>
-              <a:t>Ces choix techniques et conceptuels visent à garantir une expérience utilisateur optimale tout en assurant la robustesse et la flexibilité du système.</a:t>
+              <a:t> ou d'autres systèmes de gestion moteur programmables.</a:t>
             </a:r>
           </a:p>
         </p:txBody>
@@ -21549,70 +21430,6 @@
           </a:p>
         </p:txBody>
       </p:sp>
-      <p:sp>
-        <p:nvSpPr>
-          <p:cNvPr id="2" name="ZoneTexte 9">
-            <a:extLst>
-              <a:ext uri="{FF2B5EF4-FFF2-40B4-BE49-F238E27FC236}">
-                <a16:creationId xmlns:a16="http://schemas.microsoft.com/office/drawing/2014/main" id="{A32E4649-CDA9-3B36-0FF8-3AB52047C3FA}"/>
-              </a:ext>
-            </a:extLst>
-          </p:cNvPr>
-          <p:cNvSpPr/>
-          <p:nvPr/>
-        </p:nvSpPr>
-        <p:spPr>
-          <a:xfrm>
-            <a:off x="4161539" y="3137339"/>
-            <a:ext cx="1953525" cy="583321"/>
-          </a:xfrm>
-          <a:prstGeom prst="rect">
-            <a:avLst/>
-          </a:prstGeom>
-          <a:noFill/>
-          <a:ln w="0">
-            <a:noFill/>
-          </a:ln>
-        </p:spPr>
-        <p:style>
-          <a:lnRef idx="0">
-            <a:scrgbClr r="0" g="0" b="0"/>
-          </a:lnRef>
-          <a:fillRef idx="0">
-            <a:scrgbClr r="0" g="0" b="0"/>
-          </a:fillRef>
-          <a:effectRef idx="0">
-            <a:scrgbClr r="0" g="0" b="0"/>
-          </a:effectRef>
-          <a:fontRef idx="minor"/>
-        </p:style>
-        <p:txBody>
-          <a:bodyPr wrap="none" lIns="90000" tIns="45000" rIns="90000" bIns="45000" anchor="t">
-            <a:spAutoFit/>
-          </a:bodyPr>
-          <a:lstStyle/>
-          <a:p>
-            <a:pPr>
-              <a:lnSpc>
-                <a:spcPct val="100000"/>
-              </a:lnSpc>
-              <a:buNone/>
-            </a:pPr>
-            <a:r>
-              <a:rPr lang="fr-FR" sz="3200" spc="-1" dirty="0" err="1">
-                <a:solidFill>
-                  <a:srgbClr val="005E6A"/>
-                </a:solidFill>
-                <a:latin typeface="Calibri"/>
-              </a:rPr>
-              <a:t>Speeduino</a:t>
-            </a:r>
-            <a:endParaRPr lang="fr-FR" sz="3200" b="0" strike="noStrike" spc="-1" dirty="0">
-              <a:latin typeface="Arial"/>
-            </a:endParaRPr>
-          </a:p>
-        </p:txBody>
-      </p:sp>
       <p:pic>
         <p:nvPicPr>
           <p:cNvPr id="3" name="Image 2" descr="Une image contenant Police, logo, Graphique, symbole&#10;&#10;Description générée automatiquement">
@@ -21641,8 +21458,330 @@
         </p:blipFill>
         <p:spPr>
           <a:xfrm>
-            <a:off x="8716918" y="1980302"/>
+            <a:off x="7427785" y="1215210"/>
             <a:ext cx="3091439" cy="1068246"/>
+          </a:xfrm>
+          <a:prstGeom prst="rect">
+            <a:avLst/>
+          </a:prstGeom>
+        </p:spPr>
+      </p:pic>
+      <p:pic>
+        <p:nvPicPr>
+          <p:cNvPr id="4" name="Image 3" descr="Une image contenant Police, logo, Graphique, blanc&#10;&#10;Description générée automatiquement">
+            <a:extLst>
+              <a:ext uri="{FF2B5EF4-FFF2-40B4-BE49-F238E27FC236}">
+                <a16:creationId xmlns:a16="http://schemas.microsoft.com/office/drawing/2014/main" id="{B42BBC69-07E1-7533-228D-2FE94B5CEE60}"/>
+              </a:ext>
+            </a:extLst>
+          </p:cNvPr>
+          <p:cNvPicPr>
+            <a:picLocks noChangeAspect="1"/>
+          </p:cNvPicPr>
+          <p:nvPr/>
+        </p:nvPicPr>
+        <p:blipFill rotWithShape="1">
+          <a:blip r:embed="rId3">
+            <a:extLst>
+              <a:ext uri="{28A0092B-C50C-407E-A947-70E740481C1C}">
+                <a14:useLocalDpi xmlns:a14="http://schemas.microsoft.com/office/drawing/2010/main" val="0"/>
+              </a:ext>
+            </a:extLst>
+          </a:blip>
+          <a:srcRect t="35434" b="36228"/>
+          <a:stretch/>
+        </p:blipFill>
+        <p:spPr>
+          <a:xfrm>
+            <a:off x="1007750" y="1646922"/>
+            <a:ext cx="3366374" cy="715475"/>
+          </a:xfrm>
+          <a:prstGeom prst="rect">
+            <a:avLst/>
+          </a:prstGeom>
+        </p:spPr>
+      </p:pic>
+      <p:pic>
+        <p:nvPicPr>
+          <p:cNvPr id="6" name="Image 5" descr="Une image contenant texte, capture d’écran, Police, document&#10;&#10;Description générée automatiquement">
+            <a:extLst>
+              <a:ext uri="{FF2B5EF4-FFF2-40B4-BE49-F238E27FC236}">
+                <a16:creationId xmlns:a16="http://schemas.microsoft.com/office/drawing/2014/main" id="{23601040-F9D4-E4A8-C9B6-C1ED9BDDA0EA}"/>
+              </a:ext>
+            </a:extLst>
+          </p:cNvPr>
+          <p:cNvPicPr>
+            <a:picLocks noChangeAspect="1"/>
+          </p:cNvPicPr>
+          <p:nvPr/>
+        </p:nvPicPr>
+        <p:blipFill rotWithShape="1">
+          <a:blip r:embed="rId4">
+            <a:extLst>
+              <a:ext uri="{28A0092B-C50C-407E-A947-70E740481C1C}">
+                <a14:useLocalDpi xmlns:a14="http://schemas.microsoft.com/office/drawing/2010/main" val="0"/>
+              </a:ext>
+            </a:extLst>
+          </a:blip>
+          <a:srcRect t="-1" b="53716"/>
+          <a:stretch/>
+        </p:blipFill>
+        <p:spPr>
+          <a:xfrm>
+            <a:off x="326617" y="3026782"/>
+            <a:ext cx="1362265" cy="2892484"/>
+          </a:xfrm>
+          <a:prstGeom prst="rect">
+            <a:avLst/>
+          </a:prstGeom>
+        </p:spPr>
+      </p:pic>
+      <p:pic>
+        <p:nvPicPr>
+          <p:cNvPr id="8" name="Image 7" descr="Une image contenant texte, ligne, capture d’écran&#10;&#10;Description générée automatiquement">
+            <a:extLst>
+              <a:ext uri="{FF2B5EF4-FFF2-40B4-BE49-F238E27FC236}">
+                <a16:creationId xmlns:a16="http://schemas.microsoft.com/office/drawing/2014/main" id="{3E489915-5305-A90E-6428-06F09CE03087}"/>
+              </a:ext>
+            </a:extLst>
+          </p:cNvPr>
+          <p:cNvPicPr>
+            <a:picLocks noChangeAspect="1"/>
+          </p:cNvPicPr>
+          <p:nvPr/>
+        </p:nvPicPr>
+        <p:blipFill rotWithShape="1">
+          <a:blip r:embed="rId5">
+            <a:extLst>
+              <a:ext uri="{28A0092B-C50C-407E-A947-70E740481C1C}">
+                <a14:useLocalDpi xmlns:a14="http://schemas.microsoft.com/office/drawing/2010/main" val="0"/>
+              </a:ext>
+            </a:extLst>
+          </a:blip>
+          <a:srcRect t="1" b="57824"/>
+          <a:stretch/>
+        </p:blipFill>
+        <p:spPr>
+          <a:xfrm>
+            <a:off x="6839018" y="2846218"/>
+            <a:ext cx="1370039" cy="3073048"/>
+          </a:xfrm>
+          <a:prstGeom prst="rect">
+            <a:avLst/>
+          </a:prstGeom>
+        </p:spPr>
+      </p:pic>
+      <p:sp>
+        <p:nvSpPr>
+          <p:cNvPr id="9" name="ZoneTexte 22">
+            <a:extLst>
+              <a:ext uri="{FF2B5EF4-FFF2-40B4-BE49-F238E27FC236}">
+                <a16:creationId xmlns:a16="http://schemas.microsoft.com/office/drawing/2014/main" id="{570C15FD-5F17-01AC-4B2B-951F169F1D73}"/>
+              </a:ext>
+            </a:extLst>
+          </p:cNvPr>
+          <p:cNvSpPr/>
+          <p:nvPr/>
+        </p:nvSpPr>
+        <p:spPr>
+          <a:xfrm>
+            <a:off x="1416060" y="2517977"/>
+            <a:ext cx="2676894" cy="367878"/>
+          </a:xfrm>
+          <a:prstGeom prst="rect">
+            <a:avLst/>
+          </a:prstGeom>
+          <a:noFill/>
+          <a:ln w="0">
+            <a:noFill/>
+          </a:ln>
+        </p:spPr>
+        <p:style>
+          <a:lnRef idx="0">
+            <a:scrgbClr r="0" g="0" b="0"/>
+          </a:lnRef>
+          <a:fillRef idx="0">
+            <a:scrgbClr r="0" g="0" b="0"/>
+          </a:fillRef>
+          <a:effectRef idx="0">
+            <a:scrgbClr r="0" g="0" b="0"/>
+          </a:effectRef>
+          <a:fontRef idx="minor"/>
+        </p:style>
+        <p:txBody>
+          <a:bodyPr wrap="square" lIns="90000" tIns="45000" rIns="90000" bIns="45000" anchor="t">
+            <a:spAutoFit/>
+          </a:bodyPr>
+          <a:lstStyle/>
+          <a:p>
+            <a:pPr marL="285840" indent="-285840">
+              <a:lnSpc>
+                <a:spcPct val="100000"/>
+              </a:lnSpc>
+              <a:buClr>
+                <a:srgbClr val="005E6A"/>
+              </a:buClr>
+              <a:buFont typeface="Arial"/>
+              <a:buChar char="•"/>
+            </a:pPr>
+            <a:r>
+              <a:rPr lang="fr-FR" sz="1800" b="1" strike="noStrike" spc="-1" dirty="0">
+                <a:solidFill>
+                  <a:srgbClr val="005E6A"/>
+                </a:solidFill>
+                <a:latin typeface="Calibri"/>
+              </a:rPr>
+              <a:t>26 fichiers de codes</a:t>
+            </a:r>
+            <a:endParaRPr lang="fr-FR" sz="1800" b="0" strike="noStrike" spc="-1" dirty="0">
+              <a:latin typeface="Arial"/>
+            </a:endParaRPr>
+          </a:p>
+        </p:txBody>
+      </p:sp>
+      <p:sp>
+        <p:nvSpPr>
+          <p:cNvPr id="10" name="ZoneTexte 22">
+            <a:extLst>
+              <a:ext uri="{FF2B5EF4-FFF2-40B4-BE49-F238E27FC236}">
+                <a16:creationId xmlns:a16="http://schemas.microsoft.com/office/drawing/2014/main" id="{503356A4-708F-9EC2-BA7F-E7E5F6934CA3}"/>
+              </a:ext>
+            </a:extLst>
+          </p:cNvPr>
+          <p:cNvSpPr/>
+          <p:nvPr/>
+        </p:nvSpPr>
+        <p:spPr>
+          <a:xfrm>
+            <a:off x="7850953" y="2334038"/>
+            <a:ext cx="2437607" cy="367878"/>
+          </a:xfrm>
+          <a:prstGeom prst="rect">
+            <a:avLst/>
+          </a:prstGeom>
+          <a:noFill/>
+          <a:ln w="0">
+            <a:noFill/>
+          </a:ln>
+        </p:spPr>
+        <p:style>
+          <a:lnRef idx="0">
+            <a:scrgbClr r="0" g="0" b="0"/>
+          </a:lnRef>
+          <a:fillRef idx="0">
+            <a:scrgbClr r="0" g="0" b="0"/>
+          </a:fillRef>
+          <a:effectRef idx="0">
+            <a:scrgbClr r="0" g="0" b="0"/>
+          </a:effectRef>
+          <a:fontRef idx="minor"/>
+        </p:style>
+        <p:txBody>
+          <a:bodyPr wrap="square" lIns="90000" tIns="45000" rIns="90000" bIns="45000" anchor="t">
+            <a:spAutoFit/>
+          </a:bodyPr>
+          <a:lstStyle/>
+          <a:p>
+            <a:pPr marL="285840" indent="-285840">
+              <a:lnSpc>
+                <a:spcPct val="100000"/>
+              </a:lnSpc>
+              <a:buClr>
+                <a:srgbClr val="005E6A"/>
+              </a:buClr>
+              <a:buFont typeface="Arial"/>
+              <a:buChar char="•"/>
+            </a:pPr>
+            <a:r>
+              <a:rPr lang="fr-FR" b="1" spc="-1" dirty="0">
+                <a:solidFill>
+                  <a:srgbClr val="005E6A"/>
+                </a:solidFill>
+                <a:latin typeface="Calibri"/>
+              </a:rPr>
+              <a:t>88 fichiers de</a:t>
+            </a:r>
+            <a:r>
+              <a:rPr lang="fr-FR" sz="1800" b="1" strike="noStrike" spc="-1" dirty="0">
+                <a:solidFill>
+                  <a:srgbClr val="005E6A"/>
+                </a:solidFill>
+                <a:latin typeface="Calibri"/>
+              </a:rPr>
+              <a:t> codes</a:t>
+            </a:r>
+            <a:endParaRPr lang="fr-FR" sz="1800" b="0" strike="noStrike" spc="-1" dirty="0">
+              <a:latin typeface="Arial"/>
+            </a:endParaRPr>
+          </a:p>
+        </p:txBody>
+      </p:sp>
+      <p:pic>
+        <p:nvPicPr>
+          <p:cNvPr id="13" name="Image 12" descr="Une image contenant Appareils électroniques, Ingénierie électronique, Composant de circuit, Composant électronique&#10;&#10;Description générée automatiquement">
+            <a:extLst>
+              <a:ext uri="{FF2B5EF4-FFF2-40B4-BE49-F238E27FC236}">
+                <a16:creationId xmlns:a16="http://schemas.microsoft.com/office/drawing/2014/main" id="{F77C386A-636B-7776-1C60-AB4F17DEB1CA}"/>
+              </a:ext>
+            </a:extLst>
+          </p:cNvPr>
+          <p:cNvPicPr>
+            <a:picLocks noChangeAspect="1"/>
+          </p:cNvPicPr>
+          <p:nvPr/>
+        </p:nvPicPr>
+        <p:blipFill>
+          <a:blip r:embed="rId6">
+            <a:extLst>
+              <a:ext uri="{28A0092B-C50C-407E-A947-70E740481C1C}">
+                <a14:useLocalDpi xmlns:a14="http://schemas.microsoft.com/office/drawing/2010/main" val="0"/>
+              </a:ext>
+            </a:extLst>
+          </a:blip>
+          <a:stretch>
+            <a:fillRect/>
+          </a:stretch>
+        </p:blipFill>
+        <p:spPr>
+          <a:xfrm>
+            <a:off x="1821231" y="3110322"/>
+            <a:ext cx="4297800" cy="2544839"/>
+          </a:xfrm>
+          <a:prstGeom prst="rect">
+            <a:avLst/>
+          </a:prstGeom>
+        </p:spPr>
+      </p:pic>
+      <p:pic>
+        <p:nvPicPr>
+          <p:cNvPr id="15" name="Image 14" descr="Une image contenant Appareils électroniques, circuit, Composant électronique, Composant de circuit&#10;&#10;Description générée automatiquement">
+            <a:extLst>
+              <a:ext uri="{FF2B5EF4-FFF2-40B4-BE49-F238E27FC236}">
+                <a16:creationId xmlns:a16="http://schemas.microsoft.com/office/drawing/2014/main" id="{71D0644A-424B-EDF0-4F3C-A131CF68D095}"/>
+              </a:ext>
+            </a:extLst>
+          </p:cNvPr>
+          <p:cNvPicPr>
+            <a:picLocks noChangeAspect="1"/>
+          </p:cNvPicPr>
+          <p:nvPr/>
+        </p:nvPicPr>
+        <p:blipFill>
+          <a:blip r:embed="rId7">
+            <a:extLst>
+              <a:ext uri="{28A0092B-C50C-407E-A947-70E740481C1C}">
+                <a14:useLocalDpi xmlns:a14="http://schemas.microsoft.com/office/drawing/2010/main" val="0"/>
+              </a:ext>
+            </a:extLst>
+          </a:blip>
+          <a:stretch>
+            <a:fillRect/>
+          </a:stretch>
+        </p:blipFill>
+        <p:spPr>
+          <a:xfrm>
+            <a:off x="8326804" y="2718086"/>
+            <a:ext cx="3329312" cy="3329312"/>
           </a:xfrm>
           <a:prstGeom prst="rect">
             <a:avLst/>
@@ -21999,10 +22138,10 @@
       </p:sp>
       <p:sp>
         <p:nvSpPr>
-          <p:cNvPr id="2" name="ZoneTexte 9">
+          <p:cNvPr id="4" name="Rectangle 14">
             <a:extLst>
               <a:ext uri="{FF2B5EF4-FFF2-40B4-BE49-F238E27FC236}">
-                <a16:creationId xmlns:a16="http://schemas.microsoft.com/office/drawing/2014/main" id="{5B8B280F-460C-6DE5-3BEF-713C30386B8A}"/>
+                <a16:creationId xmlns:a16="http://schemas.microsoft.com/office/drawing/2014/main" id="{DB13606E-9026-960F-67D7-8E7E61FB7F30}"/>
               </a:ext>
             </a:extLst>
           </p:cNvPr>
@@ -22011,32 +22150,36 @@
         </p:nvSpPr>
         <p:spPr>
           <a:xfrm>
-            <a:off x="4161539" y="3137339"/>
-            <a:ext cx="4190676" cy="583321"/>
+            <a:off x="313199" y="1405260"/>
+            <a:ext cx="11610095" cy="4249582"/>
           </a:xfrm>
           <a:prstGeom prst="rect">
             <a:avLst/>
           </a:prstGeom>
           <a:noFill/>
-          <a:ln w="0">
-            <a:noFill/>
+          <a:ln>
+            <a:solidFill>
+              <a:srgbClr val="005E6A"/>
+            </a:solidFill>
           </a:ln>
         </p:spPr>
         <p:style>
-          <a:lnRef idx="0">
-            <a:scrgbClr r="0" g="0" b="0"/>
+          <a:lnRef idx="2">
+            <a:schemeClr val="accent1">
+              <a:shade val="15000"/>
+            </a:schemeClr>
           </a:lnRef>
-          <a:fillRef idx="0">
-            <a:scrgbClr r="0" g="0" b="0"/>
+          <a:fillRef idx="1">
+            <a:schemeClr val="accent1"/>
           </a:fillRef>
           <a:effectRef idx="0">
-            <a:scrgbClr r="0" g="0" b="0"/>
+            <a:schemeClr val="accent1"/>
           </a:effectRef>
           <a:fontRef idx="minor"/>
         </p:style>
         <p:txBody>
-          <a:bodyPr wrap="none" lIns="90000" tIns="45000" rIns="90000" bIns="45000" anchor="t">
-            <a:spAutoFit/>
+          <a:bodyPr lIns="90000" tIns="45000" rIns="90000" bIns="45000" anchor="ctr">
+            <a:noAutofit/>
           </a:bodyPr>
           <a:lstStyle/>
           <a:p>
@@ -22047,17 +22190,475 @@
               <a:buNone/>
             </a:pPr>
             <a:r>
-              <a:rPr lang="fr-FR" sz="3200" spc="-1" dirty="0">
+              <a:rPr lang="fr-FR" spc="-1" dirty="0">
                 <a:solidFill>
                   <a:srgbClr val="005E6A"/>
                 </a:solidFill>
                 <a:latin typeface="Calibri"/>
               </a:rPr>
-              <a:t>Structure du code, fct(s)</a:t>
+              <a:t>Main</a:t>
             </a:r>
-            <a:endParaRPr lang="fr-FR" sz="3200" b="0" strike="noStrike" spc="-1" dirty="0">
+          </a:p>
+          <a:p>
+            <a:pPr>
+              <a:lnSpc>
+                <a:spcPct val="100000"/>
+              </a:lnSpc>
+              <a:buNone/>
+            </a:pPr>
+            <a:endParaRPr lang="fr-FR" sz="1800" b="0" strike="noStrike" spc="-1" dirty="0">
+              <a:solidFill>
+                <a:srgbClr val="005E6A"/>
+              </a:solidFill>
+              <a:latin typeface="Calibri"/>
+            </a:endParaRPr>
+          </a:p>
+          <a:p>
+            <a:pPr>
+              <a:lnSpc>
+                <a:spcPct val="100000"/>
+              </a:lnSpc>
+              <a:buNone/>
+            </a:pPr>
+            <a:endParaRPr lang="fr-FR" spc="-1" dirty="0">
+              <a:solidFill>
+                <a:srgbClr val="005E6A"/>
+              </a:solidFill>
+              <a:latin typeface="Calibri"/>
+            </a:endParaRPr>
+          </a:p>
+          <a:p>
+            <a:pPr>
+              <a:lnSpc>
+                <a:spcPct val="100000"/>
+              </a:lnSpc>
+              <a:buNone/>
+            </a:pPr>
+            <a:endParaRPr lang="fr-FR" sz="1800" b="0" strike="noStrike" spc="-1" dirty="0">
+              <a:solidFill>
+                <a:srgbClr val="005E6A"/>
+              </a:solidFill>
+              <a:latin typeface="Calibri"/>
+            </a:endParaRPr>
+          </a:p>
+          <a:p>
+            <a:pPr>
+              <a:lnSpc>
+                <a:spcPct val="100000"/>
+              </a:lnSpc>
+              <a:buNone/>
+            </a:pPr>
+            <a:endParaRPr lang="fr-FR" spc="-1" dirty="0">
+              <a:solidFill>
+                <a:srgbClr val="005E6A"/>
+              </a:solidFill>
+              <a:latin typeface="Calibri"/>
+            </a:endParaRPr>
+          </a:p>
+          <a:p>
+            <a:pPr>
+              <a:lnSpc>
+                <a:spcPct val="100000"/>
+              </a:lnSpc>
+              <a:buNone/>
+            </a:pPr>
+            <a:endParaRPr lang="fr-FR" sz="1800" b="0" strike="noStrike" spc="-1" dirty="0">
+              <a:solidFill>
+                <a:srgbClr val="005E6A"/>
+              </a:solidFill>
+              <a:latin typeface="Calibri"/>
+            </a:endParaRPr>
+          </a:p>
+          <a:p>
+            <a:pPr>
+              <a:lnSpc>
+                <a:spcPct val="100000"/>
+              </a:lnSpc>
+              <a:buNone/>
+            </a:pPr>
+            <a:endParaRPr lang="fr-FR" spc="-1" dirty="0">
+              <a:solidFill>
+                <a:srgbClr val="005E6A"/>
+              </a:solidFill>
+              <a:latin typeface="Calibri"/>
+            </a:endParaRPr>
+          </a:p>
+          <a:p>
+            <a:pPr>
+              <a:lnSpc>
+                <a:spcPct val="100000"/>
+              </a:lnSpc>
+              <a:buNone/>
+            </a:pPr>
+            <a:endParaRPr lang="fr-FR" sz="1800" b="0" strike="noStrike" spc="-1" dirty="0">
+              <a:solidFill>
+                <a:srgbClr val="005E6A"/>
+              </a:solidFill>
+              <a:latin typeface="Calibri"/>
+            </a:endParaRPr>
+          </a:p>
+          <a:p>
+            <a:pPr>
+              <a:lnSpc>
+                <a:spcPct val="100000"/>
+              </a:lnSpc>
+              <a:buNone/>
+            </a:pPr>
+            <a:endParaRPr lang="fr-FR" spc="-1" dirty="0">
+              <a:solidFill>
+                <a:srgbClr val="005E6A"/>
+              </a:solidFill>
+              <a:latin typeface="Calibri"/>
+            </a:endParaRPr>
+          </a:p>
+          <a:p>
+            <a:pPr>
+              <a:lnSpc>
+                <a:spcPct val="100000"/>
+              </a:lnSpc>
+              <a:buNone/>
+            </a:pPr>
+            <a:endParaRPr lang="fr-FR" sz="1800" b="0" strike="noStrike" spc="-1" dirty="0">
+              <a:solidFill>
+                <a:srgbClr val="005E6A"/>
+              </a:solidFill>
+              <a:latin typeface="Calibri"/>
+            </a:endParaRPr>
+          </a:p>
+          <a:p>
+            <a:pPr>
+              <a:lnSpc>
+                <a:spcPct val="100000"/>
+              </a:lnSpc>
+              <a:buNone/>
+            </a:pPr>
+            <a:endParaRPr lang="fr-FR" spc="-1" dirty="0">
+              <a:solidFill>
+                <a:srgbClr val="005E6A"/>
+              </a:solidFill>
+              <a:latin typeface="Calibri"/>
+            </a:endParaRPr>
+          </a:p>
+          <a:p>
+            <a:pPr>
+              <a:lnSpc>
+                <a:spcPct val="100000"/>
+              </a:lnSpc>
+              <a:buNone/>
+            </a:pPr>
+            <a:endParaRPr lang="fr-FR" sz="1800" b="0" strike="noStrike" spc="-1" dirty="0">
+              <a:solidFill>
+                <a:srgbClr val="005E6A"/>
+              </a:solidFill>
+              <a:latin typeface="Calibri"/>
+            </a:endParaRPr>
+          </a:p>
+          <a:p>
+            <a:pPr>
+              <a:lnSpc>
+                <a:spcPct val="100000"/>
+              </a:lnSpc>
+              <a:buNone/>
+            </a:pPr>
+            <a:endParaRPr lang="fr-FR" spc="-1" dirty="0">
+              <a:solidFill>
+                <a:srgbClr val="005E6A"/>
+              </a:solidFill>
+              <a:latin typeface="Calibri"/>
+            </a:endParaRPr>
+          </a:p>
+          <a:p>
+            <a:pPr>
+              <a:lnSpc>
+                <a:spcPct val="100000"/>
+              </a:lnSpc>
+              <a:buNone/>
+            </a:pPr>
+            <a:endParaRPr lang="fr-FR" sz="1800" b="0" strike="noStrike" spc="-1" dirty="0">
+              <a:solidFill>
+                <a:srgbClr val="005E6A"/>
+              </a:solidFill>
+              <a:latin typeface="Calibri"/>
+            </a:endParaRPr>
+          </a:p>
+          <a:p>
+            <a:pPr>
+              <a:lnSpc>
+                <a:spcPct val="100000"/>
+              </a:lnSpc>
+              <a:buNone/>
+            </a:pPr>
+            <a:endParaRPr lang="fr-FR" sz="1800" b="0" strike="noStrike" spc="-1" dirty="0">
               <a:latin typeface="Arial"/>
             </a:endParaRPr>
+          </a:p>
+        </p:txBody>
+      </p:sp>
+      <p:sp>
+        <p:nvSpPr>
+          <p:cNvPr id="6" name="Rectangle 14">
+            <a:extLst>
+              <a:ext uri="{FF2B5EF4-FFF2-40B4-BE49-F238E27FC236}">
+                <a16:creationId xmlns:a16="http://schemas.microsoft.com/office/drawing/2014/main" id="{A66258FF-432C-51EA-2A82-FB99C13528C8}"/>
+              </a:ext>
+            </a:extLst>
+          </p:cNvPr>
+          <p:cNvSpPr/>
+          <p:nvPr/>
+        </p:nvSpPr>
+        <p:spPr>
+          <a:xfrm>
+            <a:off x="3411641" y="2175097"/>
+            <a:ext cx="1676056" cy="709863"/>
+          </a:xfrm>
+          <a:prstGeom prst="rect">
+            <a:avLst/>
+          </a:prstGeom>
+          <a:solidFill>
+            <a:schemeClr val="accent5"/>
+          </a:solidFill>
+          <a:ln>
+            <a:solidFill>
+              <a:srgbClr val="005E6A"/>
+            </a:solidFill>
+          </a:ln>
+        </p:spPr>
+        <p:style>
+          <a:lnRef idx="2">
+            <a:schemeClr val="accent1">
+              <a:shade val="15000"/>
+            </a:schemeClr>
+          </a:lnRef>
+          <a:fillRef idx="1">
+            <a:schemeClr val="accent1"/>
+          </a:fillRef>
+          <a:effectRef idx="0">
+            <a:schemeClr val="accent1"/>
+          </a:effectRef>
+          <a:fontRef idx="minor"/>
+        </p:style>
+        <p:txBody>
+          <a:bodyPr lIns="90000" tIns="45000" rIns="90000" bIns="45000" anchor="ctr">
+            <a:noAutofit/>
+          </a:bodyPr>
+          <a:lstStyle/>
+          <a:p>
+            <a:pPr>
+              <a:lnSpc>
+                <a:spcPct val="100000"/>
+              </a:lnSpc>
+              <a:buNone/>
+            </a:pPr>
+            <a:r>
+              <a:rPr lang="fr-FR" spc="-1" dirty="0">
+                <a:solidFill>
+                  <a:srgbClr val="005E6A"/>
+                </a:solidFill>
+                <a:latin typeface="Calibri"/>
+              </a:rPr>
+              <a:t>Communication</a:t>
+            </a:r>
+          </a:p>
+        </p:txBody>
+      </p:sp>
+      <p:sp>
+        <p:nvSpPr>
+          <p:cNvPr id="7" name="Rectangle 14">
+            <a:extLst>
+              <a:ext uri="{FF2B5EF4-FFF2-40B4-BE49-F238E27FC236}">
+                <a16:creationId xmlns:a16="http://schemas.microsoft.com/office/drawing/2014/main" id="{4683E651-3546-0CD3-C622-D981BCC9879E}"/>
+              </a:ext>
+            </a:extLst>
+          </p:cNvPr>
+          <p:cNvSpPr/>
+          <p:nvPr/>
+        </p:nvSpPr>
+        <p:spPr>
+          <a:xfrm>
+            <a:off x="592073" y="2175097"/>
+            <a:ext cx="1676056" cy="709863"/>
+          </a:xfrm>
+          <a:prstGeom prst="rect">
+            <a:avLst/>
+          </a:prstGeom>
+          <a:solidFill>
+            <a:schemeClr val="accent5"/>
+          </a:solidFill>
+          <a:ln>
+            <a:solidFill>
+              <a:srgbClr val="005E6A"/>
+            </a:solidFill>
+          </a:ln>
+        </p:spPr>
+        <p:style>
+          <a:lnRef idx="2">
+            <a:schemeClr val="accent1">
+              <a:shade val="15000"/>
+            </a:schemeClr>
+          </a:lnRef>
+          <a:fillRef idx="1">
+            <a:schemeClr val="accent1"/>
+          </a:fillRef>
+          <a:effectRef idx="0">
+            <a:schemeClr val="accent1"/>
+          </a:effectRef>
+          <a:fontRef idx="minor"/>
+        </p:style>
+        <p:txBody>
+          <a:bodyPr lIns="90000" tIns="45000" rIns="90000" bIns="45000" anchor="ctr">
+            <a:noAutofit/>
+          </a:bodyPr>
+          <a:lstStyle/>
+          <a:p>
+            <a:pPr>
+              <a:lnSpc>
+                <a:spcPct val="100000"/>
+              </a:lnSpc>
+              <a:buNone/>
+            </a:pPr>
+            <a:r>
+              <a:rPr lang="fr-FR" spc="-1" dirty="0">
+                <a:solidFill>
+                  <a:srgbClr val="005E6A"/>
+                </a:solidFill>
+                <a:latin typeface="Calibri"/>
+              </a:rPr>
+              <a:t>Inits</a:t>
+            </a:r>
+          </a:p>
+        </p:txBody>
+      </p:sp>
+      <p:sp>
+        <p:nvSpPr>
+          <p:cNvPr id="8" name="Rectangle 14">
+            <a:extLst>
+              <a:ext uri="{FF2B5EF4-FFF2-40B4-BE49-F238E27FC236}">
+                <a16:creationId xmlns:a16="http://schemas.microsoft.com/office/drawing/2014/main" id="{75F3842D-F6D8-778F-2415-4F2FD226172A}"/>
+              </a:ext>
+            </a:extLst>
+          </p:cNvPr>
+          <p:cNvSpPr/>
+          <p:nvPr/>
+        </p:nvSpPr>
+        <p:spPr>
+          <a:xfrm>
+            <a:off x="7178190" y="2175094"/>
+            <a:ext cx="1676056" cy="709863"/>
+          </a:xfrm>
+          <a:prstGeom prst="rect">
+            <a:avLst/>
+          </a:prstGeom>
+          <a:solidFill>
+            <a:schemeClr val="accent5"/>
+          </a:solidFill>
+          <a:ln>
+            <a:solidFill>
+              <a:srgbClr val="005E6A"/>
+            </a:solidFill>
+          </a:ln>
+        </p:spPr>
+        <p:style>
+          <a:lnRef idx="2">
+            <a:schemeClr val="accent1">
+              <a:shade val="15000"/>
+            </a:schemeClr>
+          </a:lnRef>
+          <a:fillRef idx="1">
+            <a:schemeClr val="accent1"/>
+          </a:fillRef>
+          <a:effectRef idx="0">
+            <a:schemeClr val="accent1"/>
+          </a:effectRef>
+          <a:fontRef idx="minor"/>
+        </p:style>
+        <p:txBody>
+          <a:bodyPr lIns="90000" tIns="45000" rIns="90000" bIns="45000" anchor="ctr">
+            <a:noAutofit/>
+          </a:bodyPr>
+          <a:lstStyle/>
+          <a:p>
+            <a:pPr>
+              <a:lnSpc>
+                <a:spcPct val="100000"/>
+              </a:lnSpc>
+              <a:buNone/>
+            </a:pPr>
+            <a:r>
+              <a:rPr lang="fr-FR" spc="-1" dirty="0">
+                <a:solidFill>
+                  <a:srgbClr val="005E6A"/>
+                </a:solidFill>
+                <a:latin typeface="Calibri"/>
+              </a:rPr>
+              <a:t>Lecture capteurs</a:t>
+            </a:r>
+          </a:p>
+        </p:txBody>
+      </p:sp>
+      <p:sp>
+        <p:nvSpPr>
+          <p:cNvPr id="9" name="Rectangle 14">
+            <a:extLst>
+              <a:ext uri="{FF2B5EF4-FFF2-40B4-BE49-F238E27FC236}">
+                <a16:creationId xmlns:a16="http://schemas.microsoft.com/office/drawing/2014/main" id="{2997DEA4-8ACE-B391-2B9A-9408B438B24C}"/>
+              </a:ext>
+            </a:extLst>
+          </p:cNvPr>
+          <p:cNvSpPr/>
+          <p:nvPr/>
+        </p:nvSpPr>
+        <p:spPr>
+          <a:xfrm>
+            <a:off x="5223260" y="2175095"/>
+            <a:ext cx="1676056" cy="709863"/>
+          </a:xfrm>
+          <a:prstGeom prst="rect">
+            <a:avLst/>
+          </a:prstGeom>
+          <a:solidFill>
+            <a:schemeClr val="accent5"/>
+          </a:solidFill>
+          <a:ln>
+            <a:solidFill>
+              <a:srgbClr val="005E6A"/>
+            </a:solidFill>
+          </a:ln>
+        </p:spPr>
+        <p:style>
+          <a:lnRef idx="2">
+            <a:schemeClr val="accent1">
+              <a:shade val="15000"/>
+            </a:schemeClr>
+          </a:lnRef>
+          <a:fillRef idx="1">
+            <a:schemeClr val="accent1"/>
+          </a:fillRef>
+          <a:effectRef idx="0">
+            <a:schemeClr val="accent1"/>
+          </a:effectRef>
+          <a:fontRef idx="minor"/>
+        </p:style>
+        <p:txBody>
+          <a:bodyPr lIns="90000" tIns="45000" rIns="90000" bIns="45000" anchor="ctr">
+            <a:noAutofit/>
+          </a:bodyPr>
+          <a:lstStyle/>
+          <a:p>
+            <a:pPr>
+              <a:lnSpc>
+                <a:spcPct val="100000"/>
+              </a:lnSpc>
+              <a:buNone/>
+            </a:pPr>
+            <a:r>
+              <a:rPr lang="fr-FR" spc="-1" dirty="0">
+                <a:solidFill>
+                  <a:srgbClr val="005E6A"/>
+                </a:solidFill>
+                <a:latin typeface="Calibri"/>
+              </a:rPr>
+              <a:t>Vérif moteur tourne</a:t>
+            </a:r>
           </a:p>
         </p:txBody>
       </p:sp>
@@ -22686,6 +23287,505 @@
   <p:cSld>
     <p:spTree>
       <p:nvGrpSpPr>
+        <p:cNvPr id="1" name="">
+          <a:extLst>
+            <a:ext uri="{FF2B5EF4-FFF2-40B4-BE49-F238E27FC236}">
+              <a16:creationId xmlns:a16="http://schemas.microsoft.com/office/drawing/2014/main" id="{D40F57E5-AE30-3033-9A0F-BC0C5F26E16E}"/>
+            </a:ext>
+          </a:extLst>
+        </p:cNvPr>
+        <p:cNvGrpSpPr/>
+        <p:nvPr/>
+      </p:nvGrpSpPr>
+      <p:grpSpPr>
+        <a:xfrm>
+          <a:off x="0" y="0"/>
+          <a:ext cx="0" cy="0"/>
+          <a:chOff x="0" y="0"/>
+          <a:chExt cx="0" cy="0"/>
+        </a:xfrm>
+      </p:grpSpPr>
+      <p:sp>
+        <p:nvSpPr>
+          <p:cNvPr id="305" name="PlaceHolder 1">
+            <a:extLst>
+              <a:ext uri="{FF2B5EF4-FFF2-40B4-BE49-F238E27FC236}">
+                <a16:creationId xmlns:a16="http://schemas.microsoft.com/office/drawing/2014/main" id="{1F2822BB-8FBA-8AB3-87B1-7AD46DBB6E3D}"/>
+              </a:ext>
+            </a:extLst>
+          </p:cNvPr>
+          <p:cNvSpPr>
+            <a:spLocks noGrp="1"/>
+          </p:cNvSpPr>
+          <p:nvPr>
+            <p:ph type="title"/>
+          </p:nvPr>
+        </p:nvSpPr>
+        <p:spPr>
+          <a:xfrm>
+            <a:off x="241200" y="225360"/>
+            <a:ext cx="11707560" cy="637920"/>
+          </a:xfrm>
+          <a:prstGeom prst="rect">
+            <a:avLst/>
+          </a:prstGeom>
+          <a:noFill/>
+          <a:ln w="9360">
+            <a:noFill/>
+          </a:ln>
+        </p:spPr>
+        <p:txBody>
+          <a:bodyPr numCol="1" spcCol="0" anchor="t">
+            <a:noAutofit/>
+          </a:bodyPr>
+          <a:lstStyle/>
+          <a:p>
+            <a:pPr>
+              <a:lnSpc>
+                <a:spcPct val="90000"/>
+              </a:lnSpc>
+              <a:buNone/>
+            </a:pPr>
+            <a:r>
+              <a:rPr lang="fr-FR" sz="3200" b="1" strike="noStrike" spc="-1">
+                <a:solidFill>
+                  <a:srgbClr val="005E6A"/>
+                </a:solidFill>
+                <a:latin typeface="Calibri"/>
+                <a:ea typeface="Calibri"/>
+              </a:rPr>
+              <a:t>3 – Orientations à mener pour la finalisation du projet</a:t>
+            </a:r>
+            <a:endParaRPr lang="fr-FR" sz="3200" b="0" strike="noStrike" spc="-1">
+              <a:solidFill>
+                <a:srgbClr val="2B3238"/>
+              </a:solidFill>
+              <a:latin typeface="Calibri"/>
+            </a:endParaRPr>
+          </a:p>
+        </p:txBody>
+      </p:sp>
+      <p:sp>
+        <p:nvSpPr>
+          <p:cNvPr id="306" name="Espace réservé du numéro de diapositive 4">
+            <a:extLst>
+              <a:ext uri="{FF2B5EF4-FFF2-40B4-BE49-F238E27FC236}">
+                <a16:creationId xmlns:a16="http://schemas.microsoft.com/office/drawing/2014/main" id="{B19DCC65-8A61-E3EB-FA21-518830D39A94}"/>
+              </a:ext>
+            </a:extLst>
+          </p:cNvPr>
+          <p:cNvSpPr/>
+          <p:nvPr/>
+        </p:nvSpPr>
+        <p:spPr>
+          <a:xfrm>
+            <a:off x="220680" y="6334200"/>
+            <a:ext cx="374400" cy="374400"/>
+          </a:xfrm>
+          <a:prstGeom prst="ellipse">
+            <a:avLst/>
+          </a:prstGeom>
+          <a:noFill/>
+          <a:ln w="0">
+            <a:solidFill>
+              <a:srgbClr val="005E6A"/>
+            </a:solidFill>
+          </a:ln>
+        </p:spPr>
+        <p:style>
+          <a:lnRef idx="0">
+            <a:scrgbClr r="0" g="0" b="0"/>
+          </a:lnRef>
+          <a:fillRef idx="0">
+            <a:scrgbClr r="0" g="0" b="0"/>
+          </a:fillRef>
+          <a:effectRef idx="0">
+            <a:scrgbClr r="0" g="0" b="0"/>
+          </a:effectRef>
+          <a:fontRef idx="minor"/>
+        </p:style>
+        <p:txBody>
+          <a:bodyPr numCol="1" spcCol="0" anchor="t">
+            <a:noAutofit/>
+          </a:bodyPr>
+          <a:lstStyle/>
+          <a:p>
+            <a:pPr algn="ctr">
+              <a:lnSpc>
+                <a:spcPct val="100000"/>
+              </a:lnSpc>
+              <a:buNone/>
+            </a:pPr>
+            <a:fld id="{84C4C227-C5A9-42A2-A5AD-AD432B0D3890}" type="slidenum">
+              <a:rPr lang="fr-FR" sz="900" b="0" strike="noStrike" spc="-1">
+                <a:solidFill>
+                  <a:srgbClr val="005E6A"/>
+                </a:solidFill>
+                <a:latin typeface="Segoe UI"/>
+              </a:rPr>
+              <a:t>15</a:t>
+            </a:fld>
+            <a:endParaRPr lang="fr-FR" sz="900" b="0" strike="noStrike" spc="-1">
+              <a:latin typeface="Arial"/>
+            </a:endParaRPr>
+          </a:p>
+        </p:txBody>
+      </p:sp>
+      <p:sp>
+        <p:nvSpPr>
+          <p:cNvPr id="307" name="PlaceHolder 2">
+            <a:extLst>
+              <a:ext uri="{FF2B5EF4-FFF2-40B4-BE49-F238E27FC236}">
+                <a16:creationId xmlns:a16="http://schemas.microsoft.com/office/drawing/2014/main" id="{0877882D-9FA6-F38F-8127-946028FA320C}"/>
+              </a:ext>
+            </a:extLst>
+          </p:cNvPr>
+          <p:cNvSpPr>
+            <a:spLocks noGrp="1"/>
+          </p:cNvSpPr>
+          <p:nvPr>
+            <p:ph type="dt" idx="23"/>
+          </p:nvPr>
+        </p:nvSpPr>
+        <p:spPr>
+          <a:xfrm>
+            <a:off x="939960" y="6334200"/>
+            <a:ext cx="952200" cy="364680"/>
+          </a:xfrm>
+          <a:prstGeom prst="rect">
+            <a:avLst/>
+          </a:prstGeom>
+          <a:noFill/>
+          <a:ln w="0">
+            <a:noFill/>
+          </a:ln>
+        </p:spPr>
+        <p:txBody>
+          <a:bodyPr anchor="ctr">
+            <a:noAutofit/>
+          </a:bodyPr>
+          <a:lstStyle>
+            <a:lvl1pPr>
+              <a:lnSpc>
+                <a:spcPct val="100000"/>
+              </a:lnSpc>
+              <a:buNone/>
+              <a:defRPr lang="fr-FR" sz="1200" b="0" strike="noStrike" spc="-1">
+                <a:solidFill>
+                  <a:srgbClr val="F4F4F4"/>
+                </a:solidFill>
+                <a:latin typeface="Calibri"/>
+              </a:defRPr>
+            </a:lvl1pPr>
+          </a:lstStyle>
+          <a:p>
+            <a:pPr>
+              <a:lnSpc>
+                <a:spcPct val="100000"/>
+              </a:lnSpc>
+              <a:buNone/>
+            </a:pPr>
+            <a:r>
+              <a:rPr lang="fr-FR" sz="1200" b="0" strike="noStrike" spc="-1">
+                <a:solidFill>
+                  <a:srgbClr val="F4F4F4"/>
+                </a:solidFill>
+                <a:latin typeface="Calibri"/>
+              </a:rPr>
+              <a:t>14/12/2023</a:t>
+            </a:r>
+            <a:endParaRPr lang="fr-FR" sz="1200" b="0" strike="noStrike" spc="-1">
+              <a:latin typeface="Times New Roman"/>
+            </a:endParaRPr>
+          </a:p>
+        </p:txBody>
+      </p:sp>
+      <p:sp>
+        <p:nvSpPr>
+          <p:cNvPr id="308" name="Titre 1">
+            <a:extLst>
+              <a:ext uri="{FF2B5EF4-FFF2-40B4-BE49-F238E27FC236}">
+                <a16:creationId xmlns:a16="http://schemas.microsoft.com/office/drawing/2014/main" id="{3F2967EB-1613-CDCC-C7A3-745DE8462724}"/>
+              </a:ext>
+            </a:extLst>
+          </p:cNvPr>
+          <p:cNvSpPr/>
+          <p:nvPr/>
+        </p:nvSpPr>
+        <p:spPr>
+          <a:xfrm>
+            <a:off x="484200" y="673560"/>
+            <a:ext cx="6215760" cy="607320"/>
+          </a:xfrm>
+          <a:prstGeom prst="rect">
+            <a:avLst/>
+          </a:prstGeom>
+          <a:noFill/>
+          <a:ln w="9525">
+            <a:noFill/>
+          </a:ln>
+        </p:spPr>
+        <p:style>
+          <a:lnRef idx="0">
+            <a:scrgbClr r="0" g="0" b="0"/>
+          </a:lnRef>
+          <a:fillRef idx="0">
+            <a:scrgbClr r="0" g="0" b="0"/>
+          </a:fillRef>
+          <a:effectRef idx="0">
+            <a:scrgbClr r="0" g="0" b="0"/>
+          </a:effectRef>
+          <a:fontRef idx="minor"/>
+        </p:style>
+        <p:txBody>
+          <a:bodyPr numCol="1" spcCol="0" anchor="t">
+            <a:noAutofit/>
+          </a:bodyPr>
+          <a:lstStyle/>
+          <a:p>
+            <a:pPr marL="343080" indent="-343080">
+              <a:lnSpc>
+                <a:spcPct val="107000"/>
+              </a:lnSpc>
+              <a:buClr>
+                <a:srgbClr val="005E6A"/>
+              </a:buClr>
+              <a:buFont typeface="Wingdings" charset="2"/>
+              <a:buChar char=""/>
+            </a:pPr>
+            <a:r>
+              <a:rPr lang="fr-FR" sz="2000" b="1" strike="noStrike" spc="-1">
+                <a:solidFill>
+                  <a:srgbClr val="005E6A"/>
+                </a:solidFill>
+                <a:latin typeface="Calibri"/>
+                <a:ea typeface="Calibri"/>
+              </a:rPr>
+              <a:t>Etude de l’architecture ARM du STM32</a:t>
+            </a:r>
+            <a:endParaRPr lang="fr-FR" sz="2000" b="0" strike="noStrike" spc="-1">
+              <a:latin typeface="Arial"/>
+            </a:endParaRPr>
+          </a:p>
+        </p:txBody>
+      </p:sp>
+      <p:sp>
+        <p:nvSpPr>
+          <p:cNvPr id="310" name="ZoneTexte 10">
+            <a:extLst>
+              <a:ext uri="{FF2B5EF4-FFF2-40B4-BE49-F238E27FC236}">
+                <a16:creationId xmlns:a16="http://schemas.microsoft.com/office/drawing/2014/main" id="{F6E87C7D-5001-BC0F-57C2-27BD8A114293}"/>
+              </a:ext>
+            </a:extLst>
+          </p:cNvPr>
+          <p:cNvSpPr/>
+          <p:nvPr/>
+        </p:nvSpPr>
+        <p:spPr>
+          <a:xfrm>
+            <a:off x="2196508" y="2242566"/>
+            <a:ext cx="5727240" cy="2154329"/>
+          </a:xfrm>
+          <a:prstGeom prst="rect">
+            <a:avLst/>
+          </a:prstGeom>
+          <a:noFill/>
+          <a:ln w="0">
+            <a:noFill/>
+          </a:ln>
+        </p:spPr>
+        <p:style>
+          <a:lnRef idx="0">
+            <a:scrgbClr r="0" g="0" b="0"/>
+          </a:lnRef>
+          <a:fillRef idx="0">
+            <a:scrgbClr r="0" g="0" b="0"/>
+          </a:fillRef>
+          <a:effectRef idx="0">
+            <a:scrgbClr r="0" g="0" b="0"/>
+          </a:effectRef>
+          <a:fontRef idx="minor"/>
+        </p:style>
+        <p:txBody>
+          <a:bodyPr lIns="90000" tIns="45000" rIns="90000" bIns="45000" anchor="t">
+            <a:spAutoFit/>
+          </a:bodyPr>
+          <a:lstStyle/>
+          <a:p>
+            <a:pPr>
+              <a:lnSpc>
+                <a:spcPct val="107000"/>
+              </a:lnSpc>
+              <a:spcAft>
+                <a:spcPts val="799"/>
+              </a:spcAft>
+              <a:buNone/>
+            </a:pPr>
+            <a:r>
+              <a:rPr lang="fr-FR" sz="2400" b="1" strike="noStrike" spc="-1" dirty="0">
+                <a:solidFill>
+                  <a:srgbClr val="005E6A"/>
+                </a:solidFill>
+                <a:latin typeface="Calibri"/>
+                <a:ea typeface="Calibri"/>
+              </a:rPr>
+              <a:t>3 – Orientations à mener pour la finalisation du projet</a:t>
+            </a:r>
+            <a:endParaRPr lang="fr-FR" sz="2400" b="0" strike="noStrike" spc="-1" dirty="0">
+              <a:latin typeface="Arial"/>
+            </a:endParaRPr>
+          </a:p>
+          <a:p>
+            <a:pPr marL="343080" indent="-343080">
+              <a:lnSpc>
+                <a:spcPct val="107000"/>
+              </a:lnSpc>
+              <a:buClr>
+                <a:srgbClr val="005E6A"/>
+              </a:buClr>
+              <a:buFont typeface="Symbol"/>
+              <a:buChar char=""/>
+            </a:pPr>
+            <a:r>
+              <a:rPr lang="fr-FR" sz="1800" b="0" strike="noStrike" spc="-1" dirty="0">
+                <a:solidFill>
+                  <a:srgbClr val="005E6A"/>
+                </a:solidFill>
+                <a:latin typeface="Calibri"/>
+                <a:ea typeface="Calibri"/>
+              </a:rPr>
+              <a:t>Programmation(s)</a:t>
+            </a:r>
+          </a:p>
+          <a:p>
+            <a:pPr marL="343080" indent="-343080">
+              <a:lnSpc>
+                <a:spcPct val="107000"/>
+              </a:lnSpc>
+              <a:buClr>
+                <a:srgbClr val="005E6A"/>
+              </a:buClr>
+              <a:buFont typeface="Symbol"/>
+              <a:buChar char=""/>
+            </a:pPr>
+            <a:r>
+              <a:rPr lang="fr-FR" sz="1800" spc="-1" dirty="0">
+                <a:solidFill>
+                  <a:srgbClr val="005E6A"/>
+                </a:solidFill>
+                <a:latin typeface="Calibri"/>
+                <a:ea typeface="Calibri"/>
+              </a:rPr>
+              <a:t>Essais sur maquette</a:t>
+            </a:r>
+          </a:p>
+          <a:p>
+            <a:pPr marL="343080" indent="-343080">
+              <a:lnSpc>
+                <a:spcPct val="107000"/>
+              </a:lnSpc>
+              <a:buClr>
+                <a:srgbClr val="005E6A"/>
+              </a:buClr>
+              <a:buFont typeface="Symbol"/>
+              <a:buChar char=""/>
+            </a:pPr>
+            <a:r>
+              <a:rPr lang="fr-FR" sz="1800" b="0" strike="noStrike" spc="-1" dirty="0">
+                <a:solidFill>
+                  <a:srgbClr val="005E6A"/>
+                </a:solidFill>
+                <a:latin typeface="Calibri"/>
+                <a:ea typeface="Calibri"/>
+              </a:rPr>
+              <a:t>Essais réels (parler données réel </a:t>
+            </a:r>
+            <a:r>
+              <a:rPr lang="fr-FR" sz="1800" b="0" strike="noStrike" spc="-1" dirty="0" err="1">
+                <a:solidFill>
+                  <a:srgbClr val="005E6A"/>
+                </a:solidFill>
+                <a:latin typeface="Calibri"/>
+                <a:ea typeface="Calibri"/>
+              </a:rPr>
+              <a:t>recup</a:t>
+            </a:r>
+            <a:r>
+              <a:rPr lang="fr-FR" sz="1800" b="0" strike="noStrike" spc="-1" dirty="0">
+                <a:solidFill>
+                  <a:srgbClr val="005E6A"/>
+                </a:solidFill>
+                <a:latin typeface="Calibri"/>
+                <a:ea typeface="Calibri"/>
+              </a:rPr>
+              <a:t> sur </a:t>
+            </a:r>
+            <a:r>
+              <a:rPr lang="fr-FR" sz="1800" b="0" strike="noStrike" spc="-1" dirty="0" err="1">
+                <a:solidFill>
+                  <a:srgbClr val="005E6A"/>
+                </a:solidFill>
+                <a:latin typeface="Calibri"/>
+                <a:ea typeface="Calibri"/>
+              </a:rPr>
+              <a:t>vehicule</a:t>
+            </a:r>
+            <a:r>
+              <a:rPr lang="fr-FR" sz="1800" b="0" strike="noStrike" spc="-1" dirty="0">
+                <a:solidFill>
+                  <a:srgbClr val="005E6A"/>
+                </a:solidFill>
+                <a:latin typeface="Calibri"/>
+                <a:ea typeface="Calibri"/>
+              </a:rPr>
+              <a:t>)</a:t>
+            </a:r>
+          </a:p>
+          <a:p>
+            <a:pPr marL="343080" indent="-343080">
+              <a:lnSpc>
+                <a:spcPct val="107000"/>
+              </a:lnSpc>
+              <a:buClr>
+                <a:srgbClr val="005E6A"/>
+              </a:buClr>
+              <a:buFont typeface="Symbol"/>
+              <a:buChar char=""/>
+            </a:pPr>
+            <a:r>
+              <a:rPr lang="fr-FR" sz="1800" spc="-1" dirty="0">
+                <a:solidFill>
+                  <a:srgbClr val="005E6A"/>
+                </a:solidFill>
+                <a:latin typeface="Calibri"/>
+                <a:ea typeface="Calibri"/>
+              </a:rPr>
+              <a:t>Optimisation(s)</a:t>
+            </a:r>
+            <a:endParaRPr lang="fr-FR" sz="1800" b="0" strike="noStrike" spc="-1" dirty="0">
+              <a:latin typeface="Arial"/>
+            </a:endParaRPr>
+          </a:p>
+        </p:txBody>
+      </p:sp>
+    </p:spTree>
+    <p:extLst>
+      <p:ext uri="{BB962C8B-B14F-4D97-AF65-F5344CB8AC3E}">
+        <p14:creationId xmlns:p14="http://schemas.microsoft.com/office/powerpoint/2010/main" val="1179297282"/>
+      </p:ext>
+    </p:extLst>
+  </p:cSld>
+  <p:clrMapOvr>
+    <a:masterClrMapping/>
+  </p:clrMapOvr>
+</p:sld>
+</file>
+
+<file path=ppt/slides/slide16.xml><?xml version="1.0" encoding="utf-8"?>
+<p:sld xmlns:a="http://schemas.openxmlformats.org/drawingml/2006/main" xmlns:r="http://schemas.openxmlformats.org/officeDocument/2006/relationships" xmlns:p="http://schemas.openxmlformats.org/presentationml/2006/main">
+  <p:cSld>
+    <p:spTree>
+      <p:nvGrpSpPr>
         <p:cNvPr id="1" name=""/>
         <p:cNvGrpSpPr/>
         <p:nvPr/>
@@ -22804,7 +23904,7 @@
                 </a:solidFill>
                 <a:latin typeface="Segoe UI"/>
               </a:rPr>
-              <a:t>15</a:t>
+              <a:t>16</a:t>
             </a:fld>
             <a:endParaRPr lang="fr-FR" sz="900" b="0" strike="noStrike" spc="-1">
               <a:latin typeface="Arial"/>
@@ -22906,7 +24006,7 @@
 </p:sld>
 </file>
 
-<file path=ppt/slides/slide16.xml><?xml version="1.0" encoding="utf-8"?>
+<file path=ppt/slides/slide17.xml><?xml version="1.0" encoding="utf-8"?>
 <p:sld xmlns:a="http://schemas.openxmlformats.org/drawingml/2006/main" xmlns:r="http://schemas.openxmlformats.org/officeDocument/2006/relationships" xmlns:p="http://schemas.openxmlformats.org/presentationml/2006/main">
   <p:cSld>
     <p:spTree>
@@ -23028,7 +24128,7 @@
                 </a:solidFill>
                 <a:latin typeface="Segoe UI"/>
               </a:rPr>
-              <a:t>16</a:t>
+              <a:t>17</a:t>
             </a:fld>
             <a:endParaRPr lang="fr-FR" sz="900" b="0" strike="noStrike" spc="-1">
               <a:latin typeface="Arial"/>
@@ -24032,7 +25132,7 @@
               <a:buChar char=""/>
             </a:pPr>
             <a:r>
-              <a:rPr lang="fr-FR" sz="2000" b="1" strike="noStrike" spc="-1">
+              <a:rPr lang="fr-FR" sz="2000" b="1" strike="noStrike" spc="-1" dirty="0">
                 <a:solidFill>
                   <a:srgbClr val="005E6A"/>
                 </a:solidFill>
@@ -24040,7 +25140,7 @@
               </a:rPr>
               <a:t>Concevoir et Assembler un Calculateur Moteur :</a:t>
             </a:r>
-            <a:endParaRPr lang="fr-FR" sz="2000" b="0" strike="noStrike" spc="-1">
+            <a:endParaRPr lang="fr-FR" sz="2000" b="0" strike="noStrike" spc="-1" dirty="0">
               <a:latin typeface="Arial"/>
             </a:endParaRPr>
           </a:p>
@@ -24056,7 +25156,7 @@
               <a:buChar char="•"/>
             </a:pPr>
             <a:r>
-              <a:rPr lang="fr-FR" sz="2000" b="0" strike="noStrike" spc="-1">
+              <a:rPr lang="fr-FR" sz="2000" b="0" strike="noStrike" spc="-1" dirty="0">
                 <a:solidFill>
                   <a:srgbClr val="005E6A"/>
                 </a:solidFill>
@@ -24064,7 +25164,7 @@
               </a:rPr>
               <a:t>Acquérir une compréhension approfondie du moteur thermique essence.</a:t>
             </a:r>
-            <a:endParaRPr lang="fr-FR" sz="2000" b="0" strike="noStrike" spc="-1">
+            <a:endParaRPr lang="fr-FR" sz="2000" b="0" strike="noStrike" spc="-1" dirty="0">
               <a:latin typeface="Arial"/>
             </a:endParaRPr>
           </a:p>
@@ -24080,7 +25180,7 @@
               <a:buChar char="•"/>
             </a:pPr>
             <a:r>
-              <a:rPr lang="fr-FR" sz="2000" b="0" strike="noStrike" spc="-1">
+              <a:rPr lang="fr-FR" sz="2000" b="0" strike="noStrike" spc="-1" dirty="0">
                 <a:solidFill>
                   <a:srgbClr val="005E6A"/>
                 </a:solidFill>
@@ -24088,7 +25188,7 @@
               </a:rPr>
               <a:t>Concevoir et assembler un calculateur moteur utilisant un microcontrôleur STM32.</a:t>
             </a:r>
-            <a:endParaRPr lang="fr-FR" sz="2000" b="0" strike="noStrike" spc="-1">
+            <a:endParaRPr lang="fr-FR" sz="2000" b="0" strike="noStrike" spc="-1" dirty="0">
               <a:latin typeface="Arial"/>
             </a:endParaRPr>
           </a:p>
@@ -24099,7 +25199,7 @@
               </a:lnSpc>
               <a:buNone/>
             </a:pPr>
-            <a:endParaRPr lang="fr-FR" sz="2000" b="0" strike="noStrike" spc="-1">
+            <a:endParaRPr lang="fr-FR" sz="2000" b="0" strike="noStrike" spc="-1" dirty="0">
               <a:latin typeface="Arial"/>
             </a:endParaRPr>
           </a:p>
@@ -24115,7 +25215,7 @@
               <a:buChar char=""/>
             </a:pPr>
             <a:r>
-              <a:rPr lang="fr-FR" sz="2000" b="1" strike="noStrike" spc="-1">
+              <a:rPr lang="fr-FR" sz="2000" b="1" strike="noStrike" spc="-1" dirty="0">
                 <a:solidFill>
                   <a:srgbClr val="005E6A"/>
                 </a:solidFill>
@@ -24123,7 +25223,7 @@
               </a:rPr>
               <a:t>Développer et Tester le Programme de Gestion Moteur :</a:t>
             </a:r>
-            <a:endParaRPr lang="fr-FR" sz="2000" b="0" strike="noStrike" spc="-1">
+            <a:endParaRPr lang="fr-FR" sz="2000" b="0" strike="noStrike" spc="-1" dirty="0">
               <a:latin typeface="Arial"/>
             </a:endParaRPr>
           </a:p>
@@ -24139,7 +25239,7 @@
               <a:buChar char="•"/>
             </a:pPr>
             <a:r>
-              <a:rPr lang="fr-FR" sz="2000" b="0" strike="noStrike" spc="-1">
+              <a:rPr lang="fr-FR" sz="2000" b="0" strike="noStrike" spc="-1" dirty="0">
                 <a:solidFill>
                   <a:srgbClr val="005E6A"/>
                 </a:solidFill>
@@ -24147,7 +25247,7 @@
               </a:rPr>
               <a:t>Élaborer le programme de gestion moteur pour le calculateur.</a:t>
             </a:r>
-            <a:endParaRPr lang="fr-FR" sz="2000" b="0" strike="noStrike" spc="-1">
+            <a:endParaRPr lang="fr-FR" sz="2000" b="0" strike="noStrike" spc="-1" dirty="0">
               <a:latin typeface="Arial"/>
             </a:endParaRPr>
           </a:p>
@@ -24163,7 +25263,7 @@
               <a:buChar char="•"/>
             </a:pPr>
             <a:r>
-              <a:rPr lang="fr-FR" sz="2000" b="0" strike="noStrike" spc="-1">
+              <a:rPr lang="fr-FR" sz="2000" b="0" strike="noStrike" spc="-1" dirty="0">
                 <a:solidFill>
                   <a:srgbClr val="005E6A"/>
                 </a:solidFill>
@@ -24171,7 +25271,7 @@
               </a:rPr>
               <a:t>Effectuer des tests approfondis pour garantir le bon fonctionnement et l'adaptation aux besoins du projet.</a:t>
             </a:r>
-            <a:endParaRPr lang="fr-FR" sz="2000" b="0" strike="noStrike" spc="-1">
+            <a:endParaRPr lang="fr-FR" sz="2000" b="0" strike="noStrike" spc="-1" dirty="0">
               <a:latin typeface="Arial"/>
             </a:endParaRPr>
           </a:p>
@@ -24187,7 +25287,7 @@
               <a:buChar char="•"/>
             </a:pPr>
             <a:r>
-              <a:rPr lang="fr-FR" sz="2000" b="0" strike="noStrike" spc="-1">
+              <a:rPr lang="fr-FR" sz="2000" b="0" strike="noStrike" spc="-1" dirty="0">
                 <a:solidFill>
                   <a:srgbClr val="005E6A"/>
                 </a:solidFill>
@@ -24195,7 +25295,7 @@
               </a:rPr>
               <a:t>Développer un logiciel PC permettant le suivi en temps réel et la modification des données du calculateur.</a:t>
             </a:r>
-            <a:endParaRPr lang="fr-FR" sz="2000" b="0" strike="noStrike" spc="-1">
+            <a:endParaRPr lang="fr-FR" sz="2000" b="0" strike="noStrike" spc="-1" dirty="0">
               <a:latin typeface="Arial"/>
             </a:endParaRPr>
           </a:p>
@@ -24206,7 +25306,7 @@
               </a:lnSpc>
               <a:buNone/>
             </a:pPr>
-            <a:endParaRPr lang="fr-FR" sz="2000" b="0" strike="noStrike" spc="-1">
+            <a:endParaRPr lang="fr-FR" sz="2000" b="0" strike="noStrike" spc="-1" dirty="0">
               <a:latin typeface="Arial"/>
             </a:endParaRPr>
           </a:p>
@@ -24222,7 +25322,7 @@
               <a:buChar char=""/>
             </a:pPr>
             <a:r>
-              <a:rPr lang="fr-FR" sz="2000" b="1" strike="noStrike" spc="-1">
+              <a:rPr lang="fr-FR" sz="2000" b="1" strike="noStrike" spc="-1" dirty="0">
                 <a:solidFill>
                   <a:srgbClr val="005E6A"/>
                 </a:solidFill>
@@ -24230,7 +25330,7 @@
               </a:rPr>
               <a:t>Intégration et Suivi avec GitHub :</a:t>
             </a:r>
-            <a:endParaRPr lang="fr-FR" sz="2000" b="0" strike="noStrike" spc="-1">
+            <a:endParaRPr lang="fr-FR" sz="2000" b="0" strike="noStrike" spc="-1" dirty="0">
               <a:latin typeface="Arial"/>
             </a:endParaRPr>
           </a:p>
@@ -24246,7 +25346,7 @@
               <a:buChar char="•"/>
             </a:pPr>
             <a:r>
-              <a:rPr lang="fr-FR" sz="2000" b="0" strike="noStrike" spc="-1">
+              <a:rPr lang="fr-FR" sz="2000" b="0" strike="noStrike" spc="-1" dirty="0">
                 <a:solidFill>
                   <a:srgbClr val="005E6A"/>
                 </a:solidFill>
@@ -24254,7 +25354,7 @@
               </a:rPr>
               <a:t>Utiliser GitHub comme plateforme de gestion de projet pour favoriser la collaboration, la traçabilité et la gestion des versions.</a:t>
             </a:r>
-            <a:endParaRPr lang="fr-FR" sz="2000" b="0" strike="noStrike" spc="-1">
+            <a:endParaRPr lang="fr-FR" sz="2000" b="0" strike="noStrike" spc="-1" dirty="0">
               <a:latin typeface="Arial"/>
             </a:endParaRPr>
           </a:p>

--- a/docs/presentations/final/Présentation_projet_ECU.pptx
+++ b/docs/presentations/final/Présentation_projet_ECU.pptx
@@ -22408,8 +22408,8 @@
         </p:nvSpPr>
         <p:spPr>
           <a:xfrm>
-            <a:off x="3411641" y="2175097"/>
-            <a:ext cx="1676056" cy="709863"/>
+            <a:off x="3387365" y="1854720"/>
+            <a:ext cx="1826463" cy="709863"/>
           </a:xfrm>
           <a:prstGeom prst="rect">
             <a:avLst/>
@@ -22456,7 +22456,7 @@
                 </a:solidFill>
                 <a:latin typeface="Calibri"/>
               </a:rPr>
-              <a:t>Communication</a:t>
+              <a:t>Gestion des communications</a:t>
             </a:r>
           </a:p>
         </p:txBody>
@@ -22475,8 +22475,8 @@
         </p:nvSpPr>
         <p:spPr>
           <a:xfrm>
-            <a:off x="592073" y="2175097"/>
-            <a:ext cx="1676056" cy="709863"/>
+            <a:off x="521726" y="1985756"/>
+            <a:ext cx="1407960" cy="447787"/>
           </a:xfrm>
           <a:prstGeom prst="rect">
             <a:avLst/>
@@ -22523,7 +22523,7 @@
                 </a:solidFill>
                 <a:latin typeface="Calibri"/>
               </a:rPr>
-              <a:t>Inits</a:t>
+              <a:t>Initialisations</a:t>
             </a:r>
           </a:p>
         </p:txBody>
@@ -22542,8 +22542,8 @@
         </p:nvSpPr>
         <p:spPr>
           <a:xfrm>
-            <a:off x="7178190" y="2175094"/>
-            <a:ext cx="1676056" cy="709863"/>
+            <a:off x="7374692" y="1836771"/>
+            <a:ext cx="1331889" cy="745762"/>
           </a:xfrm>
           <a:prstGeom prst="rect">
             <a:avLst/>
@@ -22590,17 +22590,17 @@
                 </a:solidFill>
                 <a:latin typeface="Calibri"/>
               </a:rPr>
-              <a:t>Lecture capteurs</a:t>
+              <a:t>Lecture des capteurs</a:t>
             </a:r>
           </a:p>
         </p:txBody>
       </p:sp>
       <p:sp>
         <p:nvSpPr>
-          <p:cNvPr id="9" name="Rectangle 14">
+          <p:cNvPr id="2" name="Rectangle 14">
             <a:extLst>
               <a:ext uri="{FF2B5EF4-FFF2-40B4-BE49-F238E27FC236}">
-                <a16:creationId xmlns:a16="http://schemas.microsoft.com/office/drawing/2014/main" id="{2997DEA4-8ACE-B391-2B9A-9408B438B24C}"/>
+                <a16:creationId xmlns:a16="http://schemas.microsoft.com/office/drawing/2014/main" id="{BDC64527-A399-CF42-D867-FBC0B8D6A1A8}"/>
               </a:ext>
             </a:extLst>
           </p:cNvPr>
@@ -22609,8 +22609,8 @@
         </p:nvSpPr>
         <p:spPr>
           <a:xfrm>
-            <a:off x="5223260" y="2175095"/>
-            <a:ext cx="1676056" cy="709863"/>
+            <a:off x="5643118" y="1733592"/>
+            <a:ext cx="1331889" cy="953118"/>
           </a:xfrm>
           <a:prstGeom prst="rect">
             <a:avLst/>
@@ -22657,11 +22657,654 @@
                 </a:solidFill>
                 <a:latin typeface="Calibri"/>
               </a:rPr>
-              <a:t>Vérif moteur tourne</a:t>
+              <a:t>Vérification angle du vilebrequin</a:t>
             </a:r>
           </a:p>
         </p:txBody>
       </p:sp>
+      <p:sp>
+        <p:nvSpPr>
+          <p:cNvPr id="3" name="Rectangle 14">
+            <a:extLst>
+              <a:ext uri="{FF2B5EF4-FFF2-40B4-BE49-F238E27FC236}">
+                <a16:creationId xmlns:a16="http://schemas.microsoft.com/office/drawing/2014/main" id="{481FE0C4-744D-C9F9-A957-93E62353820A}"/>
+              </a:ext>
+            </a:extLst>
+          </p:cNvPr>
+          <p:cNvSpPr/>
+          <p:nvPr/>
+        </p:nvSpPr>
+        <p:spPr>
+          <a:xfrm>
+            <a:off x="9117996" y="1766265"/>
+            <a:ext cx="1954930" cy="886771"/>
+          </a:xfrm>
+          <a:prstGeom prst="rect">
+            <a:avLst/>
+          </a:prstGeom>
+          <a:solidFill>
+            <a:schemeClr val="accent5"/>
+          </a:solidFill>
+          <a:ln>
+            <a:solidFill>
+              <a:srgbClr val="005E6A"/>
+            </a:solidFill>
+          </a:ln>
+        </p:spPr>
+        <p:style>
+          <a:lnRef idx="2">
+            <a:schemeClr val="accent1">
+              <a:shade val="15000"/>
+            </a:schemeClr>
+          </a:lnRef>
+          <a:fillRef idx="1">
+            <a:schemeClr val="accent1"/>
+          </a:fillRef>
+          <a:effectRef idx="0">
+            <a:schemeClr val="accent1"/>
+          </a:effectRef>
+          <a:fontRef idx="minor"/>
+        </p:style>
+        <p:txBody>
+          <a:bodyPr lIns="90000" tIns="45000" rIns="90000" bIns="45000" anchor="ctr">
+            <a:noAutofit/>
+          </a:bodyPr>
+          <a:lstStyle/>
+          <a:p>
+            <a:pPr>
+              <a:lnSpc>
+                <a:spcPct val="100000"/>
+              </a:lnSpc>
+              <a:buNone/>
+            </a:pPr>
+            <a:r>
+              <a:rPr lang="fr-FR" spc="-1" dirty="0">
+                <a:solidFill>
+                  <a:srgbClr val="005E6A"/>
+                </a:solidFill>
+                <a:latin typeface="Calibri"/>
+              </a:rPr>
+              <a:t>Récupération de la valeur de volume efficace</a:t>
+            </a:r>
+          </a:p>
+        </p:txBody>
+      </p:sp>
+      <p:sp>
+        <p:nvSpPr>
+          <p:cNvPr id="5" name="Rectangle 14">
+            <a:extLst>
+              <a:ext uri="{FF2B5EF4-FFF2-40B4-BE49-F238E27FC236}">
+                <a16:creationId xmlns:a16="http://schemas.microsoft.com/office/drawing/2014/main" id="{70FDF52B-B116-7AC2-88F1-E003CC3ED6EC}"/>
+              </a:ext>
+            </a:extLst>
+          </p:cNvPr>
+          <p:cNvSpPr/>
+          <p:nvPr/>
+        </p:nvSpPr>
+        <p:spPr>
+          <a:xfrm>
+            <a:off x="3537772" y="3404761"/>
+            <a:ext cx="1954930" cy="953118"/>
+          </a:xfrm>
+          <a:prstGeom prst="rect">
+            <a:avLst/>
+          </a:prstGeom>
+          <a:solidFill>
+            <a:schemeClr val="accent5"/>
+          </a:solidFill>
+          <a:ln>
+            <a:solidFill>
+              <a:srgbClr val="005E6A"/>
+            </a:solidFill>
+          </a:ln>
+        </p:spPr>
+        <p:style>
+          <a:lnRef idx="2">
+            <a:schemeClr val="accent1">
+              <a:shade val="15000"/>
+            </a:schemeClr>
+          </a:lnRef>
+          <a:fillRef idx="1">
+            <a:schemeClr val="accent1"/>
+          </a:fillRef>
+          <a:effectRef idx="0">
+            <a:schemeClr val="accent1"/>
+          </a:effectRef>
+          <a:fontRef idx="minor"/>
+        </p:style>
+        <p:txBody>
+          <a:bodyPr lIns="90000" tIns="45000" rIns="90000" bIns="45000" anchor="ctr">
+            <a:noAutofit/>
+          </a:bodyPr>
+          <a:lstStyle/>
+          <a:p>
+            <a:pPr>
+              <a:lnSpc>
+                <a:spcPct val="100000"/>
+              </a:lnSpc>
+              <a:buNone/>
+            </a:pPr>
+            <a:r>
+              <a:rPr lang="fr-FR" spc="-1" dirty="0">
+                <a:solidFill>
+                  <a:srgbClr val="005E6A"/>
+                </a:solidFill>
+                <a:latin typeface="Calibri"/>
+              </a:rPr>
+              <a:t>Vérification de synchronisation du vilebrequin</a:t>
+            </a:r>
+          </a:p>
+        </p:txBody>
+      </p:sp>
+      <p:sp>
+        <p:nvSpPr>
+          <p:cNvPr id="10" name="Rectangle 14">
+            <a:extLst>
+              <a:ext uri="{FF2B5EF4-FFF2-40B4-BE49-F238E27FC236}">
+                <a16:creationId xmlns:a16="http://schemas.microsoft.com/office/drawing/2014/main" id="{72771155-14EC-F1B0-9C40-A56F46359117}"/>
+              </a:ext>
+            </a:extLst>
+          </p:cNvPr>
+          <p:cNvSpPr/>
+          <p:nvPr/>
+        </p:nvSpPr>
+        <p:spPr>
+          <a:xfrm>
+            <a:off x="6046976" y="3508438"/>
+            <a:ext cx="2255745" cy="745762"/>
+          </a:xfrm>
+          <a:prstGeom prst="rect">
+            <a:avLst/>
+          </a:prstGeom>
+          <a:solidFill>
+            <a:schemeClr val="accent5"/>
+          </a:solidFill>
+          <a:ln>
+            <a:solidFill>
+              <a:srgbClr val="005E6A"/>
+            </a:solidFill>
+          </a:ln>
+        </p:spPr>
+        <p:style>
+          <a:lnRef idx="2">
+            <a:schemeClr val="accent1">
+              <a:shade val="15000"/>
+            </a:schemeClr>
+          </a:lnRef>
+          <a:fillRef idx="1">
+            <a:schemeClr val="accent1"/>
+          </a:fillRef>
+          <a:effectRef idx="0">
+            <a:schemeClr val="accent1"/>
+          </a:effectRef>
+          <a:fontRef idx="minor"/>
+        </p:style>
+        <p:txBody>
+          <a:bodyPr lIns="90000" tIns="45000" rIns="90000" bIns="45000" anchor="ctr">
+            <a:noAutofit/>
+          </a:bodyPr>
+          <a:lstStyle/>
+          <a:p>
+            <a:pPr>
+              <a:lnSpc>
+                <a:spcPct val="100000"/>
+              </a:lnSpc>
+              <a:buNone/>
+            </a:pPr>
+            <a:r>
+              <a:rPr lang="fr-FR" spc="-1" dirty="0">
+                <a:solidFill>
+                  <a:srgbClr val="005E6A"/>
+                </a:solidFill>
+                <a:latin typeface="Calibri"/>
+              </a:rPr>
+              <a:t>Programmation durée + avance de l’injection</a:t>
+            </a:r>
+          </a:p>
+        </p:txBody>
+      </p:sp>
+      <p:sp>
+        <p:nvSpPr>
+          <p:cNvPr id="12" name="Rectangle 14">
+            <a:extLst>
+              <a:ext uri="{FF2B5EF4-FFF2-40B4-BE49-F238E27FC236}">
+                <a16:creationId xmlns:a16="http://schemas.microsoft.com/office/drawing/2014/main" id="{9F424674-9F11-E617-4ECC-1FDF0B64D4CA}"/>
+              </a:ext>
+            </a:extLst>
+          </p:cNvPr>
+          <p:cNvSpPr/>
+          <p:nvPr/>
+        </p:nvSpPr>
+        <p:spPr>
+          <a:xfrm>
+            <a:off x="8967588" y="3508438"/>
+            <a:ext cx="2255745" cy="745762"/>
+          </a:xfrm>
+          <a:prstGeom prst="rect">
+            <a:avLst/>
+          </a:prstGeom>
+          <a:solidFill>
+            <a:schemeClr val="accent5"/>
+          </a:solidFill>
+          <a:ln>
+            <a:solidFill>
+              <a:srgbClr val="005E6A"/>
+            </a:solidFill>
+          </a:ln>
+        </p:spPr>
+        <p:style>
+          <a:lnRef idx="2">
+            <a:schemeClr val="accent1">
+              <a:shade val="15000"/>
+            </a:schemeClr>
+          </a:lnRef>
+          <a:fillRef idx="1">
+            <a:schemeClr val="accent1"/>
+          </a:fillRef>
+          <a:effectRef idx="0">
+            <a:schemeClr val="accent1"/>
+          </a:effectRef>
+          <a:fontRef idx="minor"/>
+        </p:style>
+        <p:txBody>
+          <a:bodyPr lIns="90000" tIns="45000" rIns="90000" bIns="45000" anchor="ctr">
+            <a:noAutofit/>
+          </a:bodyPr>
+          <a:lstStyle/>
+          <a:p>
+            <a:pPr>
+              <a:lnSpc>
+                <a:spcPct val="100000"/>
+              </a:lnSpc>
+              <a:buNone/>
+            </a:pPr>
+            <a:r>
+              <a:rPr lang="fr-FR" spc="-1" dirty="0">
+                <a:solidFill>
+                  <a:srgbClr val="005E6A"/>
+                </a:solidFill>
+                <a:latin typeface="Calibri"/>
+              </a:rPr>
+              <a:t>Programmation de l’avance à l’allumage</a:t>
+            </a:r>
+          </a:p>
+        </p:txBody>
+      </p:sp>
+      <p:cxnSp>
+        <p:nvCxnSpPr>
+          <p:cNvPr id="19" name="Connecteur droit avec flèche 18">
+            <a:extLst>
+              <a:ext uri="{FF2B5EF4-FFF2-40B4-BE49-F238E27FC236}">
+                <a16:creationId xmlns:a16="http://schemas.microsoft.com/office/drawing/2014/main" id="{2B09D456-A2F6-E3CB-35B6-77881111908A}"/>
+              </a:ext>
+            </a:extLst>
+          </p:cNvPr>
+          <p:cNvCxnSpPr>
+            <a:cxnSpLocks/>
+            <a:stCxn id="7" idx="3"/>
+            <a:endCxn id="6" idx="1"/>
+          </p:cNvCxnSpPr>
+          <p:nvPr/>
+        </p:nvCxnSpPr>
+        <p:spPr>
+          <a:xfrm>
+            <a:off x="1929686" y="2209650"/>
+            <a:ext cx="1457679" cy="2"/>
+          </a:xfrm>
+          <a:prstGeom prst="straightConnector1">
+            <a:avLst/>
+          </a:prstGeom>
+          <a:ln w="28575">
+            <a:solidFill>
+              <a:schemeClr val="accent2"/>
+            </a:solidFill>
+            <a:tailEnd type="triangle"/>
+          </a:ln>
+        </p:spPr>
+        <p:style>
+          <a:lnRef idx="1">
+            <a:schemeClr val="accent1"/>
+          </a:lnRef>
+          <a:fillRef idx="0">
+            <a:schemeClr val="accent1"/>
+          </a:fillRef>
+          <a:effectRef idx="0">
+            <a:schemeClr val="accent1"/>
+          </a:effectRef>
+          <a:fontRef idx="minor">
+            <a:schemeClr val="tx1"/>
+          </a:fontRef>
+        </p:style>
+      </p:cxnSp>
+      <p:cxnSp>
+        <p:nvCxnSpPr>
+          <p:cNvPr id="20" name="Connecteur droit avec flèche 19">
+            <a:extLst>
+              <a:ext uri="{FF2B5EF4-FFF2-40B4-BE49-F238E27FC236}">
+                <a16:creationId xmlns:a16="http://schemas.microsoft.com/office/drawing/2014/main" id="{49577135-A707-93C1-1CA8-28D913D91D79}"/>
+              </a:ext>
+            </a:extLst>
+          </p:cNvPr>
+          <p:cNvCxnSpPr>
+            <a:cxnSpLocks/>
+            <a:stCxn id="6" idx="3"/>
+            <a:endCxn id="2" idx="1"/>
+          </p:cNvCxnSpPr>
+          <p:nvPr/>
+        </p:nvCxnSpPr>
+        <p:spPr>
+          <a:xfrm>
+            <a:off x="5213828" y="2209652"/>
+            <a:ext cx="429290" cy="499"/>
+          </a:xfrm>
+          <a:prstGeom prst="straightConnector1">
+            <a:avLst/>
+          </a:prstGeom>
+          <a:ln w="28575">
+            <a:solidFill>
+              <a:schemeClr val="accent2"/>
+            </a:solidFill>
+            <a:tailEnd type="triangle"/>
+          </a:ln>
+        </p:spPr>
+        <p:style>
+          <a:lnRef idx="1">
+            <a:schemeClr val="accent1"/>
+          </a:lnRef>
+          <a:fillRef idx="0">
+            <a:schemeClr val="accent1"/>
+          </a:fillRef>
+          <a:effectRef idx="0">
+            <a:schemeClr val="accent1"/>
+          </a:effectRef>
+          <a:fontRef idx="minor">
+            <a:schemeClr val="tx1"/>
+          </a:fontRef>
+        </p:style>
+      </p:cxnSp>
+      <p:cxnSp>
+        <p:nvCxnSpPr>
+          <p:cNvPr id="23" name="Connecteur droit avec flèche 22">
+            <a:extLst>
+              <a:ext uri="{FF2B5EF4-FFF2-40B4-BE49-F238E27FC236}">
+                <a16:creationId xmlns:a16="http://schemas.microsoft.com/office/drawing/2014/main" id="{CD09C32B-445F-8BBE-9308-E41DA5072195}"/>
+              </a:ext>
+            </a:extLst>
+          </p:cNvPr>
+          <p:cNvCxnSpPr>
+            <a:cxnSpLocks/>
+            <a:stCxn id="2" idx="3"/>
+            <a:endCxn id="8" idx="1"/>
+          </p:cNvCxnSpPr>
+          <p:nvPr/>
+        </p:nvCxnSpPr>
+        <p:spPr>
+          <a:xfrm flipV="1">
+            <a:off x="6975007" y="2209652"/>
+            <a:ext cx="399685" cy="499"/>
+          </a:xfrm>
+          <a:prstGeom prst="straightConnector1">
+            <a:avLst/>
+          </a:prstGeom>
+          <a:ln w="28575">
+            <a:solidFill>
+              <a:schemeClr val="accent2"/>
+            </a:solidFill>
+            <a:tailEnd type="triangle"/>
+          </a:ln>
+        </p:spPr>
+        <p:style>
+          <a:lnRef idx="1">
+            <a:schemeClr val="accent1"/>
+          </a:lnRef>
+          <a:fillRef idx="0">
+            <a:schemeClr val="accent1"/>
+          </a:fillRef>
+          <a:effectRef idx="0">
+            <a:schemeClr val="accent1"/>
+          </a:effectRef>
+          <a:fontRef idx="minor">
+            <a:schemeClr val="tx1"/>
+          </a:fontRef>
+        </p:style>
+      </p:cxnSp>
+      <p:cxnSp>
+        <p:nvCxnSpPr>
+          <p:cNvPr id="27" name="Connecteur droit avec flèche 26">
+            <a:extLst>
+              <a:ext uri="{FF2B5EF4-FFF2-40B4-BE49-F238E27FC236}">
+                <a16:creationId xmlns:a16="http://schemas.microsoft.com/office/drawing/2014/main" id="{DDF209EC-3A14-FFB7-A5A2-BEE76FB85087}"/>
+              </a:ext>
+            </a:extLst>
+          </p:cNvPr>
+          <p:cNvCxnSpPr>
+            <a:cxnSpLocks/>
+            <a:stCxn id="8" idx="3"/>
+            <a:endCxn id="3" idx="1"/>
+          </p:cNvCxnSpPr>
+          <p:nvPr/>
+        </p:nvCxnSpPr>
+        <p:spPr>
+          <a:xfrm flipV="1">
+            <a:off x="8706581" y="2209651"/>
+            <a:ext cx="411415" cy="1"/>
+          </a:xfrm>
+          <a:prstGeom prst="straightConnector1">
+            <a:avLst/>
+          </a:prstGeom>
+          <a:ln w="28575">
+            <a:solidFill>
+              <a:schemeClr val="accent2"/>
+            </a:solidFill>
+            <a:tailEnd type="triangle"/>
+          </a:ln>
+        </p:spPr>
+        <p:style>
+          <a:lnRef idx="1">
+            <a:schemeClr val="accent1"/>
+          </a:lnRef>
+          <a:fillRef idx="0">
+            <a:schemeClr val="accent1"/>
+          </a:fillRef>
+          <a:effectRef idx="0">
+            <a:schemeClr val="accent1"/>
+          </a:effectRef>
+          <a:fontRef idx="minor">
+            <a:schemeClr val="tx1"/>
+          </a:fontRef>
+        </p:style>
+      </p:cxnSp>
+      <p:cxnSp>
+        <p:nvCxnSpPr>
+          <p:cNvPr id="35" name="Connecteur : en angle 34">
+            <a:extLst>
+              <a:ext uri="{FF2B5EF4-FFF2-40B4-BE49-F238E27FC236}">
+                <a16:creationId xmlns:a16="http://schemas.microsoft.com/office/drawing/2014/main" id="{7B4425E0-B665-B69A-5ED8-8A725FC5CBFD}"/>
+              </a:ext>
+            </a:extLst>
+          </p:cNvPr>
+          <p:cNvCxnSpPr>
+            <a:stCxn id="3" idx="3"/>
+            <a:endCxn id="5" idx="1"/>
+          </p:cNvCxnSpPr>
+          <p:nvPr/>
+        </p:nvCxnSpPr>
+        <p:spPr>
+          <a:xfrm flipH="1">
+            <a:off x="3537772" y="2209651"/>
+            <a:ext cx="7535154" cy="1671669"/>
+          </a:xfrm>
+          <a:prstGeom prst="bentConnector5">
+            <a:avLst>
+              <a:gd name="adj1" fmla="val -3034"/>
+              <a:gd name="adj2" fmla="val 49008"/>
+              <a:gd name="adj3" fmla="val 103034"/>
+            </a:avLst>
+          </a:prstGeom>
+          <a:ln w="28575">
+            <a:solidFill>
+              <a:schemeClr val="accent2"/>
+            </a:solidFill>
+            <a:tailEnd type="triangle"/>
+          </a:ln>
+        </p:spPr>
+        <p:style>
+          <a:lnRef idx="1">
+            <a:schemeClr val="accent1"/>
+          </a:lnRef>
+          <a:fillRef idx="0">
+            <a:schemeClr val="accent1"/>
+          </a:fillRef>
+          <a:effectRef idx="0">
+            <a:schemeClr val="accent1"/>
+          </a:effectRef>
+          <a:fontRef idx="minor">
+            <a:schemeClr val="tx1"/>
+          </a:fontRef>
+        </p:style>
+      </p:cxnSp>
+      <p:cxnSp>
+        <p:nvCxnSpPr>
+          <p:cNvPr id="36" name="Connecteur droit avec flèche 35">
+            <a:extLst>
+              <a:ext uri="{FF2B5EF4-FFF2-40B4-BE49-F238E27FC236}">
+                <a16:creationId xmlns:a16="http://schemas.microsoft.com/office/drawing/2014/main" id="{E596A248-FFDA-359E-086D-1A23E0372D7F}"/>
+              </a:ext>
+            </a:extLst>
+          </p:cNvPr>
+          <p:cNvCxnSpPr>
+            <a:cxnSpLocks/>
+            <a:stCxn id="5" idx="3"/>
+            <a:endCxn id="10" idx="1"/>
+          </p:cNvCxnSpPr>
+          <p:nvPr/>
+        </p:nvCxnSpPr>
+        <p:spPr>
+          <a:xfrm flipV="1">
+            <a:off x="5492702" y="3881319"/>
+            <a:ext cx="554274" cy="1"/>
+          </a:xfrm>
+          <a:prstGeom prst="straightConnector1">
+            <a:avLst/>
+          </a:prstGeom>
+          <a:ln w="28575">
+            <a:solidFill>
+              <a:schemeClr val="accent2"/>
+            </a:solidFill>
+            <a:tailEnd type="triangle"/>
+          </a:ln>
+        </p:spPr>
+        <p:style>
+          <a:lnRef idx="1">
+            <a:schemeClr val="accent1"/>
+          </a:lnRef>
+          <a:fillRef idx="0">
+            <a:schemeClr val="accent1"/>
+          </a:fillRef>
+          <a:effectRef idx="0">
+            <a:schemeClr val="accent1"/>
+          </a:effectRef>
+          <a:fontRef idx="minor">
+            <a:schemeClr val="tx1"/>
+          </a:fontRef>
+        </p:style>
+      </p:cxnSp>
+      <p:cxnSp>
+        <p:nvCxnSpPr>
+          <p:cNvPr id="41" name="Connecteur droit avec flèche 40">
+            <a:extLst>
+              <a:ext uri="{FF2B5EF4-FFF2-40B4-BE49-F238E27FC236}">
+                <a16:creationId xmlns:a16="http://schemas.microsoft.com/office/drawing/2014/main" id="{A50961E4-FDE7-39E5-FA67-BC8F6AAD069F}"/>
+              </a:ext>
+            </a:extLst>
+          </p:cNvPr>
+          <p:cNvCxnSpPr>
+            <a:cxnSpLocks/>
+            <a:stCxn id="10" idx="3"/>
+            <a:endCxn id="12" idx="1"/>
+          </p:cNvCxnSpPr>
+          <p:nvPr/>
+        </p:nvCxnSpPr>
+        <p:spPr>
+          <a:xfrm>
+            <a:off x="8302721" y="3881319"/>
+            <a:ext cx="664867" cy="0"/>
+          </a:xfrm>
+          <a:prstGeom prst="straightConnector1">
+            <a:avLst/>
+          </a:prstGeom>
+          <a:ln w="28575">
+            <a:solidFill>
+              <a:schemeClr val="accent2"/>
+            </a:solidFill>
+            <a:tailEnd type="triangle"/>
+          </a:ln>
+        </p:spPr>
+        <p:style>
+          <a:lnRef idx="1">
+            <a:schemeClr val="accent1"/>
+          </a:lnRef>
+          <a:fillRef idx="0">
+            <a:schemeClr val="accent1"/>
+          </a:fillRef>
+          <a:effectRef idx="0">
+            <a:schemeClr val="accent1"/>
+          </a:effectRef>
+          <a:fontRef idx="minor">
+            <a:schemeClr val="tx1"/>
+          </a:fontRef>
+        </p:style>
+      </p:cxnSp>
+      <p:cxnSp>
+        <p:nvCxnSpPr>
+          <p:cNvPr id="47" name="Connecteur : en angle 46">
+            <a:extLst>
+              <a:ext uri="{FF2B5EF4-FFF2-40B4-BE49-F238E27FC236}">
+                <a16:creationId xmlns:a16="http://schemas.microsoft.com/office/drawing/2014/main" id="{B7D6B047-B057-91BC-A194-3A1BF5CED266}"/>
+              </a:ext>
+            </a:extLst>
+          </p:cNvPr>
+          <p:cNvCxnSpPr>
+            <a:cxnSpLocks/>
+            <a:stCxn id="12" idx="3"/>
+            <a:endCxn id="6" idx="1"/>
+          </p:cNvCxnSpPr>
+          <p:nvPr/>
+        </p:nvCxnSpPr>
+        <p:spPr>
+          <a:xfrm flipH="1" flipV="1">
+            <a:off x="3387365" y="2209652"/>
+            <a:ext cx="7835968" cy="1671667"/>
+          </a:xfrm>
+          <a:prstGeom prst="bentConnector5">
+            <a:avLst>
+              <a:gd name="adj1" fmla="val -2917"/>
+              <a:gd name="adj2" fmla="val -51665"/>
+              <a:gd name="adj3" fmla="val 108137"/>
+            </a:avLst>
+          </a:prstGeom>
+          <a:ln w="28575">
+            <a:solidFill>
+              <a:schemeClr val="accent2"/>
+            </a:solidFill>
+            <a:tailEnd type="triangle"/>
+          </a:ln>
+        </p:spPr>
+        <p:style>
+          <a:lnRef idx="1">
+            <a:schemeClr val="accent1"/>
+          </a:lnRef>
+          <a:fillRef idx="0">
+            <a:schemeClr val="accent1"/>
+          </a:fillRef>
+          <a:effectRef idx="0">
+            <a:schemeClr val="accent1"/>
+          </a:effectRef>
+          <a:fontRef idx="minor">
+            <a:schemeClr val="tx1"/>
+          </a:fontRef>
+        </p:style>
+      </p:cxnSp>
     </p:spTree>
     <p:extLst>
       <p:ext uri="{BB962C8B-B14F-4D97-AF65-F5344CB8AC3E}">
@@ -25093,7 +25736,7 @@
         <p:spPr>
           <a:xfrm>
             <a:off x="1197360" y="1138320"/>
-            <a:ext cx="8980200" cy="5273280"/>
+            <a:ext cx="8980200" cy="4091974"/>
           </a:xfrm>
           <a:prstGeom prst="rect">
             <a:avLst/>
@@ -25221,7 +25864,7 @@
                 </a:solidFill>
                 <a:latin typeface="Söhne"/>
               </a:rPr>
-              <a:t>Développer et Tester le Programme de Gestion Moteur :</a:t>
+              <a:t>Développer et Tester un programme de Gestion Moteur :</a:t>
             </a:r>
             <a:endParaRPr lang="fr-FR" sz="2000" b="0" strike="noStrike" spc="-1" dirty="0">
               <a:latin typeface="Arial"/>
@@ -25276,6 +25919,41 @@
             </a:endParaRPr>
           </a:p>
           <a:p>
+            <a:pPr marL="457200">
+              <a:lnSpc>
+                <a:spcPct val="100000"/>
+              </a:lnSpc>
+              <a:buNone/>
+            </a:pPr>
+            <a:endParaRPr lang="fr-FR" sz="2000" b="0" strike="noStrike" spc="-1" dirty="0">
+              <a:latin typeface="Arial"/>
+            </a:endParaRPr>
+          </a:p>
+          <a:p>
+            <a:pPr marL="285840" indent="-285840">
+              <a:lnSpc>
+                <a:spcPct val="100000"/>
+              </a:lnSpc>
+              <a:buClr>
+                <a:srgbClr val="005E6A"/>
+              </a:buClr>
+              <a:buFont typeface="Wingdings" charset="2"/>
+              <a:buChar char=""/>
+            </a:pPr>
+            <a:r>
+              <a:rPr lang="fr-FR" sz="2000" b="1" strike="noStrike" spc="-1" dirty="0">
+                <a:solidFill>
+                  <a:srgbClr val="005E6A"/>
+                </a:solidFill>
+                <a:latin typeface="Söhne"/>
+              </a:rPr>
+              <a:t>Développer et Tester un outil de monitoring PC:</a:t>
+            </a:r>
+            <a:endParaRPr lang="fr-FR" sz="2000" b="0" strike="noStrike" spc="-1" dirty="0">
+              <a:latin typeface="Arial"/>
+            </a:endParaRPr>
+          </a:p>
+          <a:p>
             <a:pPr marL="743040" lvl="1" indent="-285840">
               <a:lnSpc>
                 <a:spcPct val="100000"/>
@@ -25294,65 +25972,6 @@
                 <a:latin typeface="Calibri"/>
               </a:rPr>
               <a:t>Développer un logiciel PC permettant le suivi en temps réel et la modification des données du calculateur.</a:t>
-            </a:r>
-            <a:endParaRPr lang="fr-FR" sz="2000" b="0" strike="noStrike" spc="-1" dirty="0">
-              <a:latin typeface="Arial"/>
-            </a:endParaRPr>
-          </a:p>
-          <a:p>
-            <a:pPr marL="457200">
-              <a:lnSpc>
-                <a:spcPct val="100000"/>
-              </a:lnSpc>
-              <a:buNone/>
-            </a:pPr>
-            <a:endParaRPr lang="fr-FR" sz="2000" b="0" strike="noStrike" spc="-1" dirty="0">
-              <a:latin typeface="Arial"/>
-            </a:endParaRPr>
-          </a:p>
-          <a:p>
-            <a:pPr marL="285840" indent="-285840">
-              <a:lnSpc>
-                <a:spcPct val="100000"/>
-              </a:lnSpc>
-              <a:buClr>
-                <a:srgbClr val="005E6A"/>
-              </a:buClr>
-              <a:buFont typeface="Wingdings" charset="2"/>
-              <a:buChar char=""/>
-            </a:pPr>
-            <a:r>
-              <a:rPr lang="fr-FR" sz="2000" b="1" strike="noStrike" spc="-1" dirty="0">
-                <a:solidFill>
-                  <a:srgbClr val="005E6A"/>
-                </a:solidFill>
-                <a:latin typeface="Söhne"/>
-              </a:rPr>
-              <a:t>Intégration et Suivi avec GitHub :</a:t>
-            </a:r>
-            <a:endParaRPr lang="fr-FR" sz="2000" b="0" strike="noStrike" spc="-1" dirty="0">
-              <a:latin typeface="Arial"/>
-            </a:endParaRPr>
-          </a:p>
-          <a:p>
-            <a:pPr marL="743040" lvl="1" indent="-285840">
-              <a:lnSpc>
-                <a:spcPct val="100000"/>
-              </a:lnSpc>
-              <a:buClr>
-                <a:srgbClr val="005E6A"/>
-              </a:buClr>
-              <a:buFont typeface="Arial"/>
-              <a:buChar char="•"/>
-            </a:pPr>
-            <a:r>
-              <a:rPr lang="fr-FR" sz="2000" b="0" strike="noStrike" spc="-1" dirty="0">
-                <a:solidFill>
-                  <a:srgbClr val="005E6A"/>
-                </a:solidFill>
-                <a:latin typeface="Söhne"/>
-              </a:rPr>
-              <a:t>Utiliser GitHub comme plateforme de gestion de projet pour favoriser la collaboration, la traçabilité et la gestion des versions.</a:t>
             </a:r>
             <a:endParaRPr lang="fr-FR" sz="2000" b="0" strike="noStrike" spc="-1" dirty="0">
               <a:latin typeface="Arial"/>

--- a/docs/presentations/final/Présentation_projet_ECU.pptx
+++ b/docs/presentations/final/Présentation_projet_ECU.pptx
@@ -22,9 +22,9 @@
     <p:sldId id="269" r:id="rId13"/>
     <p:sldId id="270" r:id="rId14"/>
     <p:sldId id="271" r:id="rId15"/>
-    <p:sldId id="266" r:id="rId16"/>
-    <p:sldId id="274" r:id="rId17"/>
-    <p:sldId id="267" r:id="rId18"/>
+    <p:sldId id="274" r:id="rId16"/>
+    <p:sldId id="275" r:id="rId17"/>
+    <p:sldId id="276" r:id="rId18"/>
     <p:sldId id="268" r:id="rId19"/>
   </p:sldIdLst>
   <p:sldSz cx="12192000" cy="6858000"/>
@@ -19682,6 +19682,42 @@
           </a:p>
         </p:txBody>
       </p:sp>
+      <p:pic>
+        <p:nvPicPr>
+          <p:cNvPr id="3" name="Image 2" descr="Une image contenant symbole, Police, texte, logo&#10;&#10;Description générée automatiquement">
+            <a:extLst>
+              <a:ext uri="{FF2B5EF4-FFF2-40B4-BE49-F238E27FC236}">
+                <a16:creationId xmlns:a16="http://schemas.microsoft.com/office/drawing/2014/main" id="{0C5E8D8A-C4AC-669C-A3D1-F7CE54D3B4BD}"/>
+              </a:ext>
+            </a:extLst>
+          </p:cNvPr>
+          <p:cNvPicPr>
+            <a:picLocks noChangeAspect="1"/>
+          </p:cNvPicPr>
+          <p:nvPr/>
+        </p:nvPicPr>
+        <p:blipFill>
+          <a:blip r:embed="rId5">
+            <a:extLst>
+              <a:ext uri="{28A0092B-C50C-407E-A947-70E740481C1C}">
+                <a14:useLocalDpi xmlns:a14="http://schemas.microsoft.com/office/drawing/2010/main" val="0"/>
+              </a:ext>
+            </a:extLst>
+          </a:blip>
+          <a:stretch>
+            <a:fillRect/>
+          </a:stretch>
+        </p:blipFill>
+        <p:spPr>
+          <a:xfrm>
+            <a:off x="5048500" y="3332022"/>
+            <a:ext cx="1300163" cy="1543051"/>
+          </a:xfrm>
+          <a:prstGeom prst="rect">
+            <a:avLst/>
+          </a:prstGeom>
+        </p:spPr>
+      </p:pic>
     </p:spTree>
   </p:cSld>
   <p:clrMapOvr>
@@ -22150,8 +22186,8 @@
         </p:nvSpPr>
         <p:spPr>
           <a:xfrm>
-            <a:off x="313199" y="1405260"/>
-            <a:ext cx="11610095" cy="4249582"/>
+            <a:off x="4271211" y="1405260"/>
+            <a:ext cx="7652083" cy="4249582"/>
           </a:xfrm>
           <a:prstGeom prst="rect">
             <a:avLst/>
@@ -22408,7 +22444,7 @@
         </p:nvSpPr>
         <p:spPr>
           <a:xfrm>
-            <a:off x="3387365" y="1854720"/>
+            <a:off x="4675868" y="2970443"/>
             <a:ext cx="1826463" cy="709863"/>
           </a:xfrm>
           <a:prstGeom prst="rect">
@@ -22475,7 +22511,7 @@
         </p:nvSpPr>
         <p:spPr>
           <a:xfrm>
-            <a:off x="521726" y="1985756"/>
+            <a:off x="5589099" y="1649099"/>
             <a:ext cx="1407960" cy="447787"/>
           </a:xfrm>
           <a:prstGeom prst="rect">
@@ -22542,8 +22578,8 @@
         </p:nvSpPr>
         <p:spPr>
           <a:xfrm>
-            <a:off x="7374692" y="1836771"/>
-            <a:ext cx="1331889" cy="745762"/>
+            <a:off x="8326307" y="2962669"/>
+            <a:ext cx="1276917" cy="745762"/>
           </a:xfrm>
           <a:prstGeom prst="rect">
             <a:avLst/>
@@ -22609,7 +22645,7 @@
         </p:nvSpPr>
         <p:spPr>
           <a:xfrm>
-            <a:off x="5643118" y="1733592"/>
+            <a:off x="6692159" y="2856134"/>
             <a:ext cx="1331889" cy="953118"/>
           </a:xfrm>
           <a:prstGeom prst="rect">
@@ -22676,8 +22712,8 @@
         </p:nvSpPr>
         <p:spPr>
           <a:xfrm>
-            <a:off x="9117996" y="1766265"/>
-            <a:ext cx="1954930" cy="886771"/>
+            <a:off x="9817869" y="2892164"/>
+            <a:ext cx="1738579" cy="886771"/>
           </a:xfrm>
           <a:prstGeom prst="rect">
             <a:avLst/>
@@ -22743,8 +22779,8 @@
         </p:nvSpPr>
         <p:spPr>
           <a:xfrm>
-            <a:off x="3537772" y="3404761"/>
-            <a:ext cx="1954930" cy="953118"/>
+            <a:off x="9837533" y="4317181"/>
+            <a:ext cx="1728479" cy="953118"/>
           </a:xfrm>
           <a:prstGeom prst="rect">
             <a:avLst/>
@@ -22810,8 +22846,8 @@
         </p:nvSpPr>
         <p:spPr>
           <a:xfrm>
-            <a:off x="6046976" y="3508438"/>
-            <a:ext cx="2255745" cy="745762"/>
+            <a:off x="5142409" y="4370061"/>
+            <a:ext cx="1728479" cy="848940"/>
           </a:xfrm>
           <a:prstGeom prst="rect">
             <a:avLst/>
@@ -22877,8 +22913,8 @@
         </p:nvSpPr>
         <p:spPr>
           <a:xfrm>
-            <a:off x="8967588" y="3508438"/>
-            <a:ext cx="2255745" cy="745762"/>
+            <a:off x="7462067" y="4370060"/>
+            <a:ext cx="1728479" cy="848941"/>
           </a:xfrm>
           <a:prstGeom prst="rect">
             <a:avLst/>
@@ -22932,52 +22968,6 @@
       </p:sp>
       <p:cxnSp>
         <p:nvCxnSpPr>
-          <p:cNvPr id="19" name="Connecteur droit avec flèche 18">
-            <a:extLst>
-              <a:ext uri="{FF2B5EF4-FFF2-40B4-BE49-F238E27FC236}">
-                <a16:creationId xmlns:a16="http://schemas.microsoft.com/office/drawing/2014/main" id="{2B09D456-A2F6-E3CB-35B6-77881111908A}"/>
-              </a:ext>
-            </a:extLst>
-          </p:cNvPr>
-          <p:cNvCxnSpPr>
-            <a:cxnSpLocks/>
-            <a:stCxn id="7" idx="3"/>
-            <a:endCxn id="6" idx="1"/>
-          </p:cNvCxnSpPr>
-          <p:nvPr/>
-        </p:nvCxnSpPr>
-        <p:spPr>
-          <a:xfrm>
-            <a:off x="1929686" y="2209650"/>
-            <a:ext cx="1457679" cy="2"/>
-          </a:xfrm>
-          <a:prstGeom prst="straightConnector1">
-            <a:avLst/>
-          </a:prstGeom>
-          <a:ln w="28575">
-            <a:solidFill>
-              <a:schemeClr val="accent2"/>
-            </a:solidFill>
-            <a:tailEnd type="triangle"/>
-          </a:ln>
-        </p:spPr>
-        <p:style>
-          <a:lnRef idx="1">
-            <a:schemeClr val="accent1"/>
-          </a:lnRef>
-          <a:fillRef idx="0">
-            <a:schemeClr val="accent1"/>
-          </a:fillRef>
-          <a:effectRef idx="0">
-            <a:schemeClr val="accent1"/>
-          </a:effectRef>
-          <a:fontRef idx="minor">
-            <a:schemeClr val="tx1"/>
-          </a:fontRef>
-        </p:style>
-      </p:cxnSp>
-      <p:cxnSp>
-        <p:nvCxnSpPr>
           <p:cNvPr id="20" name="Connecteur droit avec flèche 19">
             <a:extLst>
               <a:ext uri="{FF2B5EF4-FFF2-40B4-BE49-F238E27FC236}">
@@ -22994,8 +22984,8 @@
         </p:nvCxnSpPr>
         <p:spPr>
           <a:xfrm>
-            <a:off x="5213828" y="2209652"/>
-            <a:ext cx="429290" cy="499"/>
+            <a:off x="6502331" y="3325375"/>
+            <a:ext cx="189828" cy="7318"/>
           </a:xfrm>
           <a:prstGeom prst="straightConnector1">
             <a:avLst/>
@@ -23039,9 +23029,9 @@
           <p:nvPr/>
         </p:nvCxnSpPr>
         <p:spPr>
-          <a:xfrm flipV="1">
-            <a:off x="6975007" y="2209652"/>
-            <a:ext cx="399685" cy="499"/>
+          <a:xfrm>
+            <a:off x="8024048" y="3332693"/>
+            <a:ext cx="302259" cy="2857"/>
           </a:xfrm>
           <a:prstGeom prst="straightConnector1">
             <a:avLst/>
@@ -23085,9 +23075,9 @@
           <p:nvPr/>
         </p:nvCxnSpPr>
         <p:spPr>
-          <a:xfrm flipV="1">
-            <a:off x="8706581" y="2209651"/>
-            <a:ext cx="411415" cy="1"/>
+          <a:xfrm>
+            <a:off x="9603224" y="3335550"/>
+            <a:ext cx="214645" cy="0"/>
           </a:xfrm>
           <a:prstGeom prst="straightConnector1">
             <a:avLst/>
@@ -23124,114 +23114,21 @@
             </a:extLst>
           </p:cNvPr>
           <p:cNvCxnSpPr>
+            <a:cxnSpLocks/>
             <a:stCxn id="3" idx="3"/>
-            <a:endCxn id="5" idx="1"/>
-          </p:cNvCxnSpPr>
-          <p:nvPr/>
-        </p:nvCxnSpPr>
-        <p:spPr>
-          <a:xfrm flipH="1">
-            <a:off x="3537772" y="2209651"/>
-            <a:ext cx="7535154" cy="1671669"/>
-          </a:xfrm>
-          <a:prstGeom prst="bentConnector5">
-            <a:avLst>
-              <a:gd name="adj1" fmla="val -3034"/>
-              <a:gd name="adj2" fmla="val 49008"/>
-              <a:gd name="adj3" fmla="val 103034"/>
-            </a:avLst>
-          </a:prstGeom>
-          <a:ln w="28575">
-            <a:solidFill>
-              <a:schemeClr val="accent2"/>
-            </a:solidFill>
-            <a:tailEnd type="triangle"/>
-          </a:ln>
-        </p:spPr>
-        <p:style>
-          <a:lnRef idx="1">
-            <a:schemeClr val="accent1"/>
-          </a:lnRef>
-          <a:fillRef idx="0">
-            <a:schemeClr val="accent1"/>
-          </a:fillRef>
-          <a:effectRef idx="0">
-            <a:schemeClr val="accent1"/>
-          </a:effectRef>
-          <a:fontRef idx="minor">
-            <a:schemeClr val="tx1"/>
-          </a:fontRef>
-        </p:style>
-      </p:cxnSp>
-      <p:cxnSp>
-        <p:nvCxnSpPr>
-          <p:cNvPr id="36" name="Connecteur droit avec flèche 35">
-            <a:extLst>
-              <a:ext uri="{FF2B5EF4-FFF2-40B4-BE49-F238E27FC236}">
-                <a16:creationId xmlns:a16="http://schemas.microsoft.com/office/drawing/2014/main" id="{E596A248-FFDA-359E-086D-1A23E0372D7F}"/>
-              </a:ext>
-            </a:extLst>
-          </p:cNvPr>
-          <p:cNvCxnSpPr>
-            <a:cxnSpLocks/>
-            <a:stCxn id="5" idx="3"/>
-            <a:endCxn id="10" idx="1"/>
-          </p:cNvCxnSpPr>
-          <p:nvPr/>
-        </p:nvCxnSpPr>
-        <p:spPr>
-          <a:xfrm flipV="1">
-            <a:off x="5492702" y="3881319"/>
-            <a:ext cx="554274" cy="1"/>
-          </a:xfrm>
-          <a:prstGeom prst="straightConnector1">
-            <a:avLst/>
-          </a:prstGeom>
-          <a:ln w="28575">
-            <a:solidFill>
-              <a:schemeClr val="accent2"/>
-            </a:solidFill>
-            <a:tailEnd type="triangle"/>
-          </a:ln>
-        </p:spPr>
-        <p:style>
-          <a:lnRef idx="1">
-            <a:schemeClr val="accent1"/>
-          </a:lnRef>
-          <a:fillRef idx="0">
-            <a:schemeClr val="accent1"/>
-          </a:fillRef>
-          <a:effectRef idx="0">
-            <a:schemeClr val="accent1"/>
-          </a:effectRef>
-          <a:fontRef idx="minor">
-            <a:schemeClr val="tx1"/>
-          </a:fontRef>
-        </p:style>
-      </p:cxnSp>
-      <p:cxnSp>
-        <p:nvCxnSpPr>
-          <p:cNvPr id="41" name="Connecteur droit avec flèche 40">
-            <a:extLst>
-              <a:ext uri="{FF2B5EF4-FFF2-40B4-BE49-F238E27FC236}">
-                <a16:creationId xmlns:a16="http://schemas.microsoft.com/office/drawing/2014/main" id="{A50961E4-FDE7-39E5-FA67-BC8F6AAD069F}"/>
-              </a:ext>
-            </a:extLst>
-          </p:cNvPr>
-          <p:cNvCxnSpPr>
-            <a:cxnSpLocks/>
-            <a:stCxn id="10" idx="3"/>
-            <a:endCxn id="12" idx="1"/>
+            <a:endCxn id="5" idx="3"/>
           </p:cNvCxnSpPr>
           <p:nvPr/>
         </p:nvCxnSpPr>
         <p:spPr>
           <a:xfrm>
-            <a:off x="8302721" y="3881319"/>
-            <a:ext cx="664867" cy="0"/>
+            <a:off x="11556448" y="3335550"/>
+            <a:ext cx="9564" cy="1458190"/>
           </a:xfrm>
-          <a:prstGeom prst="straightConnector1">
-            <a:avLst/>
+          <a:prstGeom prst="bentConnector3">
+            <a:avLst>
+              <a:gd name="adj1" fmla="val 2490213"/>
+            </a:avLst>
           </a:prstGeom>
           <a:ln w="28575">
             <a:solidFill>
@@ -23266,22 +23163,198 @@
           </p:cNvPr>
           <p:cNvCxnSpPr>
             <a:cxnSpLocks/>
-            <a:stCxn id="12" idx="3"/>
+            <a:stCxn id="10" idx="1"/>
             <a:endCxn id="6" idx="1"/>
           </p:cNvCxnSpPr>
           <p:nvPr/>
         </p:nvCxnSpPr>
         <p:spPr>
-          <a:xfrm flipH="1" flipV="1">
-            <a:off x="3387365" y="2209652"/>
-            <a:ext cx="7835968" cy="1671667"/>
+          <a:xfrm rot="10800000">
+            <a:off x="4675869" y="3325375"/>
+            <a:ext cx="466541" cy="1469156"/>
+          </a:xfrm>
+          <a:prstGeom prst="bentConnector3">
+            <a:avLst>
+              <a:gd name="adj1" fmla="val 130947"/>
+            </a:avLst>
+          </a:prstGeom>
+          <a:ln w="28575">
+            <a:solidFill>
+              <a:schemeClr val="accent2"/>
+            </a:solidFill>
+            <a:tailEnd type="triangle"/>
+          </a:ln>
+        </p:spPr>
+        <p:style>
+          <a:lnRef idx="1">
+            <a:schemeClr val="accent1"/>
+          </a:lnRef>
+          <a:fillRef idx="0">
+            <a:schemeClr val="accent1"/>
+          </a:fillRef>
+          <a:effectRef idx="0">
+            <a:schemeClr val="accent1"/>
+          </a:effectRef>
+          <a:fontRef idx="minor">
+            <a:schemeClr val="tx1"/>
+          </a:fontRef>
+        </p:style>
+      </p:cxnSp>
+      <p:pic>
+        <p:nvPicPr>
+          <p:cNvPr id="11" name="Image 10" descr="Une image contenant texte, capture d’écran, Police, nombre&#10;&#10;Description générée automatiquement">
+            <a:extLst>
+              <a:ext uri="{FF2B5EF4-FFF2-40B4-BE49-F238E27FC236}">
+                <a16:creationId xmlns:a16="http://schemas.microsoft.com/office/drawing/2014/main" id="{CF81E35C-B049-9272-7C20-2CF64C7088EA}"/>
+              </a:ext>
+            </a:extLst>
+          </p:cNvPr>
+          <p:cNvPicPr>
+            <a:picLocks noChangeAspect="1"/>
+          </p:cNvPicPr>
+          <p:nvPr/>
+        </p:nvPicPr>
+        <p:blipFill>
+          <a:blip r:embed="rId2">
+            <a:extLst>
+              <a:ext uri="{28A0092B-C50C-407E-A947-70E740481C1C}">
+                <a14:useLocalDpi xmlns:a14="http://schemas.microsoft.com/office/drawing/2010/main" val="0"/>
+              </a:ext>
+            </a:extLst>
+          </a:blip>
+          <a:stretch>
+            <a:fillRect/>
+          </a:stretch>
+        </p:blipFill>
+        <p:spPr>
+          <a:xfrm>
+            <a:off x="80391" y="1405260"/>
+            <a:ext cx="4143086" cy="4656221"/>
+          </a:xfrm>
+          <a:prstGeom prst="rect">
+            <a:avLst/>
+          </a:prstGeom>
+        </p:spPr>
+      </p:pic>
+      <p:cxnSp>
+        <p:nvCxnSpPr>
+          <p:cNvPr id="258" name="Connecteur : en angle 257">
+            <a:extLst>
+              <a:ext uri="{FF2B5EF4-FFF2-40B4-BE49-F238E27FC236}">
+                <a16:creationId xmlns:a16="http://schemas.microsoft.com/office/drawing/2014/main" id="{526C30DF-6740-4077-B4AA-33A457221C2E}"/>
+              </a:ext>
+            </a:extLst>
+          </p:cNvPr>
+          <p:cNvCxnSpPr>
+            <a:cxnSpLocks/>
+            <a:stCxn id="7" idx="3"/>
+            <a:endCxn id="6" idx="1"/>
+          </p:cNvCxnSpPr>
+          <p:nvPr/>
+        </p:nvCxnSpPr>
+        <p:spPr>
+          <a:xfrm flipH="1">
+            <a:off x="4675868" y="1872993"/>
+            <a:ext cx="2321191" cy="1452382"/>
           </a:xfrm>
           <a:prstGeom prst="bentConnector5">
             <a:avLst>
-              <a:gd name="adj1" fmla="val -2917"/>
-              <a:gd name="adj2" fmla="val -51665"/>
-              <a:gd name="adj3" fmla="val 108137"/>
+              <a:gd name="adj1" fmla="val -9848"/>
+              <a:gd name="adj2" fmla="val 45489"/>
+              <a:gd name="adj3" fmla="val 111403"/>
             </a:avLst>
+          </a:prstGeom>
+          <a:ln w="28575">
+            <a:solidFill>
+              <a:schemeClr val="accent2"/>
+            </a:solidFill>
+            <a:tailEnd type="triangle"/>
+          </a:ln>
+        </p:spPr>
+        <p:style>
+          <a:lnRef idx="1">
+            <a:schemeClr val="accent1"/>
+          </a:lnRef>
+          <a:fillRef idx="0">
+            <a:schemeClr val="accent1"/>
+          </a:fillRef>
+          <a:effectRef idx="0">
+            <a:schemeClr val="accent1"/>
+          </a:effectRef>
+          <a:fontRef idx="minor">
+            <a:schemeClr val="tx1"/>
+          </a:fontRef>
+        </p:style>
+      </p:cxnSp>
+      <p:cxnSp>
+        <p:nvCxnSpPr>
+          <p:cNvPr id="270" name="Connecteur droit avec flèche 269">
+            <a:extLst>
+              <a:ext uri="{FF2B5EF4-FFF2-40B4-BE49-F238E27FC236}">
+                <a16:creationId xmlns:a16="http://schemas.microsoft.com/office/drawing/2014/main" id="{A1E82523-BA3A-71CB-C64D-E62C812B11C3}"/>
+              </a:ext>
+            </a:extLst>
+          </p:cNvPr>
+          <p:cNvCxnSpPr>
+            <a:cxnSpLocks/>
+            <a:stCxn id="5" idx="1"/>
+            <a:endCxn id="12" idx="3"/>
+          </p:cNvCxnSpPr>
+          <p:nvPr/>
+        </p:nvCxnSpPr>
+        <p:spPr>
+          <a:xfrm flipH="1">
+            <a:off x="9190546" y="4793740"/>
+            <a:ext cx="646987" cy="791"/>
+          </a:xfrm>
+          <a:prstGeom prst="straightConnector1">
+            <a:avLst/>
+          </a:prstGeom>
+          <a:ln w="28575">
+            <a:solidFill>
+              <a:schemeClr val="accent2"/>
+            </a:solidFill>
+            <a:tailEnd type="triangle"/>
+          </a:ln>
+        </p:spPr>
+        <p:style>
+          <a:lnRef idx="1">
+            <a:schemeClr val="accent1"/>
+          </a:lnRef>
+          <a:fillRef idx="0">
+            <a:schemeClr val="accent1"/>
+          </a:fillRef>
+          <a:effectRef idx="0">
+            <a:schemeClr val="accent1"/>
+          </a:effectRef>
+          <a:fontRef idx="minor">
+            <a:schemeClr val="tx1"/>
+          </a:fontRef>
+        </p:style>
+      </p:cxnSp>
+      <p:cxnSp>
+        <p:nvCxnSpPr>
+          <p:cNvPr id="276" name="Connecteur droit avec flèche 275">
+            <a:extLst>
+              <a:ext uri="{FF2B5EF4-FFF2-40B4-BE49-F238E27FC236}">
+                <a16:creationId xmlns:a16="http://schemas.microsoft.com/office/drawing/2014/main" id="{9A442EFD-52C2-1A80-88F3-432792A2B472}"/>
+              </a:ext>
+            </a:extLst>
+          </p:cNvPr>
+          <p:cNvCxnSpPr>
+            <a:cxnSpLocks/>
+            <a:stCxn id="12" idx="1"/>
+            <a:endCxn id="10" idx="3"/>
+          </p:cNvCxnSpPr>
+          <p:nvPr/>
+        </p:nvCxnSpPr>
+        <p:spPr>
+          <a:xfrm flipH="1">
+            <a:off x="6870888" y="4794531"/>
+            <a:ext cx="591179" cy="0"/>
+          </a:xfrm>
+          <a:prstGeom prst="straightConnector1">
+            <a:avLst/>
           </a:prstGeom>
           <a:ln w="28575">
             <a:solidFill>
@@ -23319,613 +23392,6 @@
 </file>
 
 <file path=ppt/slides/slide14.xml><?xml version="1.0" encoding="utf-8"?>
-<p:sld xmlns:a="http://schemas.openxmlformats.org/drawingml/2006/main" xmlns:r="http://schemas.openxmlformats.org/officeDocument/2006/relationships" xmlns:p="http://schemas.openxmlformats.org/presentationml/2006/main">
-  <p:cSld>
-    <p:spTree>
-      <p:nvGrpSpPr>
-        <p:cNvPr id="1" name=""/>
-        <p:cNvGrpSpPr/>
-        <p:nvPr/>
-      </p:nvGrpSpPr>
-      <p:grpSpPr>
-        <a:xfrm>
-          <a:off x="0" y="0"/>
-          <a:ext cx="0" cy="0"/>
-          <a:chOff x="0" y="0"/>
-          <a:chExt cx="0" cy="0"/>
-        </a:xfrm>
-      </p:grpSpPr>
-      <p:sp>
-        <p:nvSpPr>
-          <p:cNvPr id="305" name="PlaceHolder 1"/>
-          <p:cNvSpPr>
-            <a:spLocks noGrp="1"/>
-          </p:cNvSpPr>
-          <p:nvPr>
-            <p:ph type="title"/>
-          </p:nvPr>
-        </p:nvSpPr>
-        <p:spPr>
-          <a:xfrm>
-            <a:off x="241200" y="225360"/>
-            <a:ext cx="11707560" cy="637920"/>
-          </a:xfrm>
-          <a:prstGeom prst="rect">
-            <a:avLst/>
-          </a:prstGeom>
-          <a:noFill/>
-          <a:ln w="9360">
-            <a:noFill/>
-          </a:ln>
-        </p:spPr>
-        <p:txBody>
-          <a:bodyPr numCol="1" spcCol="0" anchor="t">
-            <a:noAutofit/>
-          </a:bodyPr>
-          <a:lstStyle/>
-          <a:p>
-            <a:pPr>
-              <a:lnSpc>
-                <a:spcPct val="90000"/>
-              </a:lnSpc>
-              <a:buNone/>
-            </a:pPr>
-            <a:r>
-              <a:rPr lang="fr-FR" sz="3200" b="1" strike="noStrike" spc="-1">
-                <a:solidFill>
-                  <a:srgbClr val="005E6A"/>
-                </a:solidFill>
-                <a:latin typeface="Calibri"/>
-                <a:ea typeface="Calibri"/>
-              </a:rPr>
-              <a:t>3 – Orientations à mener pour la finalisation du projet</a:t>
-            </a:r>
-            <a:endParaRPr lang="fr-FR" sz="3200" b="0" strike="noStrike" spc="-1">
-              <a:solidFill>
-                <a:srgbClr val="2B3238"/>
-              </a:solidFill>
-              <a:latin typeface="Calibri"/>
-            </a:endParaRPr>
-          </a:p>
-        </p:txBody>
-      </p:sp>
-      <p:sp>
-        <p:nvSpPr>
-          <p:cNvPr id="306" name="Espace réservé du numéro de diapositive 4"/>
-          <p:cNvSpPr/>
-          <p:nvPr/>
-        </p:nvSpPr>
-        <p:spPr>
-          <a:xfrm>
-            <a:off x="220680" y="6334200"/>
-            <a:ext cx="374400" cy="374400"/>
-          </a:xfrm>
-          <a:prstGeom prst="ellipse">
-            <a:avLst/>
-          </a:prstGeom>
-          <a:noFill/>
-          <a:ln w="0">
-            <a:solidFill>
-              <a:srgbClr val="005E6A"/>
-            </a:solidFill>
-          </a:ln>
-        </p:spPr>
-        <p:style>
-          <a:lnRef idx="0">
-            <a:scrgbClr r="0" g="0" b="0"/>
-          </a:lnRef>
-          <a:fillRef idx="0">
-            <a:scrgbClr r="0" g="0" b="0"/>
-          </a:fillRef>
-          <a:effectRef idx="0">
-            <a:scrgbClr r="0" g="0" b="0"/>
-          </a:effectRef>
-          <a:fontRef idx="minor"/>
-        </p:style>
-        <p:txBody>
-          <a:bodyPr numCol="1" spcCol="0" anchor="t">
-            <a:noAutofit/>
-          </a:bodyPr>
-          <a:lstStyle/>
-          <a:p>
-            <a:pPr algn="ctr">
-              <a:lnSpc>
-                <a:spcPct val="100000"/>
-              </a:lnSpc>
-              <a:buNone/>
-            </a:pPr>
-            <a:fld id="{84C4C227-C5A9-42A2-A5AD-AD432B0D3890}" type="slidenum">
-              <a:rPr lang="fr-FR" sz="900" b="0" strike="noStrike" spc="-1">
-                <a:solidFill>
-                  <a:srgbClr val="005E6A"/>
-                </a:solidFill>
-                <a:latin typeface="Segoe UI"/>
-              </a:rPr>
-              <a:t>14</a:t>
-            </a:fld>
-            <a:endParaRPr lang="fr-FR" sz="900" b="0" strike="noStrike" spc="-1">
-              <a:latin typeface="Arial"/>
-            </a:endParaRPr>
-          </a:p>
-        </p:txBody>
-      </p:sp>
-      <p:sp>
-        <p:nvSpPr>
-          <p:cNvPr id="307" name="PlaceHolder 2"/>
-          <p:cNvSpPr>
-            <a:spLocks noGrp="1"/>
-          </p:cNvSpPr>
-          <p:nvPr>
-            <p:ph type="dt" idx="23"/>
-          </p:nvPr>
-        </p:nvSpPr>
-        <p:spPr>
-          <a:xfrm>
-            <a:off x="939960" y="6334200"/>
-            <a:ext cx="952200" cy="364680"/>
-          </a:xfrm>
-          <a:prstGeom prst="rect">
-            <a:avLst/>
-          </a:prstGeom>
-          <a:noFill/>
-          <a:ln w="0">
-            <a:noFill/>
-          </a:ln>
-        </p:spPr>
-        <p:txBody>
-          <a:bodyPr anchor="ctr">
-            <a:noAutofit/>
-          </a:bodyPr>
-          <a:lstStyle>
-            <a:lvl1pPr>
-              <a:lnSpc>
-                <a:spcPct val="100000"/>
-              </a:lnSpc>
-              <a:buNone/>
-              <a:defRPr lang="fr-FR" sz="1200" b="0" strike="noStrike" spc="-1">
-                <a:solidFill>
-                  <a:srgbClr val="F4F4F4"/>
-                </a:solidFill>
-                <a:latin typeface="Calibri"/>
-              </a:defRPr>
-            </a:lvl1pPr>
-          </a:lstStyle>
-          <a:p>
-            <a:pPr>
-              <a:lnSpc>
-                <a:spcPct val="100000"/>
-              </a:lnSpc>
-              <a:buNone/>
-            </a:pPr>
-            <a:r>
-              <a:rPr lang="fr-FR" sz="1200" b="0" strike="noStrike" spc="-1">
-                <a:solidFill>
-                  <a:srgbClr val="F4F4F4"/>
-                </a:solidFill>
-                <a:latin typeface="Calibri"/>
-              </a:rPr>
-              <a:t>14/12/2023</a:t>
-            </a:r>
-            <a:endParaRPr lang="fr-FR" sz="1200" b="0" strike="noStrike" spc="-1">
-              <a:latin typeface="Times New Roman"/>
-            </a:endParaRPr>
-          </a:p>
-        </p:txBody>
-      </p:sp>
-      <p:sp>
-        <p:nvSpPr>
-          <p:cNvPr id="308" name="Titre 1"/>
-          <p:cNvSpPr/>
-          <p:nvPr/>
-        </p:nvSpPr>
-        <p:spPr>
-          <a:xfrm>
-            <a:off x="484200" y="673560"/>
-            <a:ext cx="6215760" cy="607320"/>
-          </a:xfrm>
-          <a:prstGeom prst="rect">
-            <a:avLst/>
-          </a:prstGeom>
-          <a:noFill/>
-          <a:ln w="9525">
-            <a:noFill/>
-          </a:ln>
-        </p:spPr>
-        <p:style>
-          <a:lnRef idx="0">
-            <a:scrgbClr r="0" g="0" b="0"/>
-          </a:lnRef>
-          <a:fillRef idx="0">
-            <a:scrgbClr r="0" g="0" b="0"/>
-          </a:fillRef>
-          <a:effectRef idx="0">
-            <a:scrgbClr r="0" g="0" b="0"/>
-          </a:effectRef>
-          <a:fontRef idx="minor"/>
-        </p:style>
-        <p:txBody>
-          <a:bodyPr numCol="1" spcCol="0" anchor="t">
-            <a:noAutofit/>
-          </a:bodyPr>
-          <a:lstStyle/>
-          <a:p>
-            <a:pPr marL="343080" indent="-343080">
-              <a:lnSpc>
-                <a:spcPct val="107000"/>
-              </a:lnSpc>
-              <a:buClr>
-                <a:srgbClr val="005E6A"/>
-              </a:buClr>
-              <a:buFont typeface="Wingdings" charset="2"/>
-              <a:buChar char=""/>
-            </a:pPr>
-            <a:r>
-              <a:rPr lang="fr-FR" sz="2000" b="1" strike="noStrike" spc="-1">
-                <a:solidFill>
-                  <a:srgbClr val="005E6A"/>
-                </a:solidFill>
-                <a:latin typeface="Calibri"/>
-                <a:ea typeface="Calibri"/>
-              </a:rPr>
-              <a:t>Etude de l’architecture ARM du STM32</a:t>
-            </a:r>
-            <a:endParaRPr lang="fr-FR" sz="2000" b="0" strike="noStrike" spc="-1">
-              <a:latin typeface="Arial"/>
-            </a:endParaRPr>
-          </a:p>
-        </p:txBody>
-      </p:sp>
-      <p:pic>
-        <p:nvPicPr>
-          <p:cNvPr id="309" name="Image 8"/>
-          <p:cNvPicPr/>
-          <p:nvPr/>
-        </p:nvPicPr>
-        <p:blipFill>
-          <a:blip r:embed="rId2"/>
-          <a:stretch/>
-        </p:blipFill>
-        <p:spPr>
-          <a:xfrm>
-            <a:off x="1270080" y="1037880"/>
-            <a:ext cx="4141440" cy="5100480"/>
-          </a:xfrm>
-          <a:prstGeom prst="rect">
-            <a:avLst/>
-          </a:prstGeom>
-          <a:ln w="0">
-            <a:noFill/>
-          </a:ln>
-        </p:spPr>
-      </p:pic>
-      <p:sp>
-        <p:nvSpPr>
-          <p:cNvPr id="310" name="ZoneTexte 10"/>
-          <p:cNvSpPr/>
-          <p:nvPr/>
-        </p:nvSpPr>
-        <p:spPr>
-          <a:xfrm>
-            <a:off x="6383880" y="1037880"/>
-            <a:ext cx="5727240" cy="6124680"/>
-          </a:xfrm>
-          <a:prstGeom prst="rect">
-            <a:avLst/>
-          </a:prstGeom>
-          <a:noFill/>
-          <a:ln w="0">
-            <a:noFill/>
-          </a:ln>
-        </p:spPr>
-        <p:style>
-          <a:lnRef idx="0">
-            <a:scrgbClr r="0" g="0" b="0"/>
-          </a:lnRef>
-          <a:fillRef idx="0">
-            <a:scrgbClr r="0" g="0" b="0"/>
-          </a:fillRef>
-          <a:effectRef idx="0">
-            <a:scrgbClr r="0" g="0" b="0"/>
-          </a:effectRef>
-          <a:fontRef idx="minor"/>
-        </p:style>
-        <p:txBody>
-          <a:bodyPr lIns="90000" tIns="45000" rIns="90000" bIns="45000" anchor="t">
-            <a:spAutoFit/>
-          </a:bodyPr>
-          <a:lstStyle/>
-          <a:p>
-            <a:pPr marL="216000" indent="-216000">
-              <a:lnSpc>
-                <a:spcPct val="100000"/>
-              </a:lnSpc>
-              <a:buClr>
-                <a:srgbClr val="005E6A"/>
-              </a:buClr>
-              <a:buFont typeface="Segoe UI"/>
-              <a:buAutoNum type="arabicPeriod"/>
-            </a:pPr>
-            <a:r>
-              <a:rPr lang="fr-FR" sz="1800" b="1" strike="noStrike" spc="-1">
-                <a:solidFill>
-                  <a:srgbClr val="005E6A"/>
-                </a:solidFill>
-                <a:latin typeface="Söhne"/>
-              </a:rPr>
-              <a:t>Microcontrôleur STM32F407VET6:</a:t>
-            </a:r>
-            <a:endParaRPr lang="fr-FR" sz="1800" b="0" strike="noStrike" spc="-1">
-              <a:latin typeface="Arial"/>
-            </a:endParaRPr>
-          </a:p>
-          <a:p>
-            <a:pPr marL="743040" lvl="1" indent="-285840">
-              <a:lnSpc>
-                <a:spcPct val="100000"/>
-              </a:lnSpc>
-              <a:buClr>
-                <a:srgbClr val="005E6A"/>
-              </a:buClr>
-              <a:buFont typeface="Arial"/>
-              <a:buChar char="•"/>
-            </a:pPr>
-            <a:r>
-              <a:rPr lang="fr-FR" sz="1800" b="0" strike="noStrike" spc="-1">
-                <a:solidFill>
-                  <a:srgbClr val="005E6A"/>
-                </a:solidFill>
-                <a:latin typeface="Söhne"/>
-              </a:rPr>
-              <a:t>Basé sur le noyau Arm Cortex-M4 avec une fréquence de travail de 168 MHz.</a:t>
-            </a:r>
-            <a:endParaRPr lang="fr-FR" sz="1800" b="0" strike="noStrike" spc="-1">
-              <a:latin typeface="Arial"/>
-            </a:endParaRPr>
-          </a:p>
-          <a:p>
-            <a:pPr marL="743040" lvl="1" indent="-285840">
-              <a:lnSpc>
-                <a:spcPct val="100000"/>
-              </a:lnSpc>
-              <a:buClr>
-                <a:srgbClr val="005E6A"/>
-              </a:buClr>
-              <a:buFont typeface="Arial"/>
-              <a:buChar char="•"/>
-            </a:pPr>
-            <a:r>
-              <a:rPr lang="fr-FR" sz="1800" b="0" strike="noStrike" spc="-1">
-                <a:solidFill>
-                  <a:srgbClr val="005E6A"/>
-                </a:solidFill>
-                <a:latin typeface="Söhne"/>
-              </a:rPr>
-              <a:t>Unité de calcul en virgule flottante (FPU) et instructions de traitement du signal numérique (DSP).</a:t>
-            </a:r>
-            <a:endParaRPr lang="fr-FR" sz="1800" b="0" strike="noStrike" spc="-1">
-              <a:latin typeface="Arial"/>
-            </a:endParaRPr>
-          </a:p>
-          <a:p>
-            <a:pPr marL="216000" indent="-216000">
-              <a:lnSpc>
-                <a:spcPct val="100000"/>
-              </a:lnSpc>
-              <a:buClr>
-                <a:srgbClr val="005E6A"/>
-              </a:buClr>
-              <a:buFont typeface="Segoe UI"/>
-              <a:buAutoNum type="arabicPeriod"/>
-            </a:pPr>
-            <a:r>
-              <a:rPr lang="fr-FR" sz="1800" b="1" strike="noStrike" spc="-1">
-                <a:solidFill>
-                  <a:srgbClr val="005E6A"/>
-                </a:solidFill>
-                <a:latin typeface="Söhne"/>
-              </a:rPr>
-              <a:t>Mémoire:</a:t>
-            </a:r>
-            <a:endParaRPr lang="fr-FR" sz="1800" b="0" strike="noStrike" spc="-1">
-              <a:latin typeface="Arial"/>
-            </a:endParaRPr>
-          </a:p>
-          <a:p>
-            <a:pPr marL="743040" lvl="1" indent="-285840">
-              <a:lnSpc>
-                <a:spcPct val="100000"/>
-              </a:lnSpc>
-              <a:buClr>
-                <a:srgbClr val="005E6A"/>
-              </a:buClr>
-              <a:buFont typeface="Arial"/>
-              <a:buChar char="•"/>
-            </a:pPr>
-            <a:r>
-              <a:rPr lang="fr-FR" sz="1800" b="0" strike="noStrike" spc="-1">
-                <a:solidFill>
-                  <a:srgbClr val="005E6A"/>
-                </a:solidFill>
-                <a:latin typeface="Söhne"/>
-              </a:rPr>
-              <a:t>512 Ko de mémoire Flash pour le stockage du programme.</a:t>
-            </a:r>
-            <a:endParaRPr lang="fr-FR" sz="1800" b="0" strike="noStrike" spc="-1">
-              <a:latin typeface="Arial"/>
-            </a:endParaRPr>
-          </a:p>
-          <a:p>
-            <a:pPr marL="743040" lvl="1" indent="-285840">
-              <a:lnSpc>
-                <a:spcPct val="100000"/>
-              </a:lnSpc>
-              <a:buClr>
-                <a:srgbClr val="005E6A"/>
-              </a:buClr>
-              <a:buFont typeface="Arial"/>
-              <a:buChar char="•"/>
-            </a:pPr>
-            <a:r>
-              <a:rPr lang="fr-FR" sz="1800" b="0" strike="noStrike" spc="-1">
-                <a:solidFill>
-                  <a:srgbClr val="005E6A"/>
-                </a:solidFill>
-                <a:latin typeface="Söhne"/>
-              </a:rPr>
-              <a:t>192 + 4 Ko de SRAM pour le stockage temporaire des données.</a:t>
-            </a:r>
-            <a:endParaRPr lang="fr-FR" sz="1800" b="0" strike="noStrike" spc="-1">
-              <a:latin typeface="Arial"/>
-            </a:endParaRPr>
-          </a:p>
-          <a:p>
-            <a:pPr>
-              <a:lnSpc>
-                <a:spcPct val="100000"/>
-              </a:lnSpc>
-              <a:buNone/>
-            </a:pPr>
-            <a:endParaRPr lang="fr-FR" sz="1800" b="0" strike="noStrike" spc="-1">
-              <a:latin typeface="Arial"/>
-            </a:endParaRPr>
-          </a:p>
-          <a:p>
-            <a:pPr marL="216000" indent="-216000">
-              <a:lnSpc>
-                <a:spcPct val="100000"/>
-              </a:lnSpc>
-              <a:buClr>
-                <a:srgbClr val="005E6A"/>
-              </a:buClr>
-              <a:buFont typeface="Segoe UI"/>
-              <a:buAutoNum type="arabicPeriod"/>
-            </a:pPr>
-            <a:r>
-              <a:rPr lang="fr-FR" sz="1800" b="1" strike="noStrike" spc="-1">
-                <a:solidFill>
-                  <a:srgbClr val="005E6A"/>
-                </a:solidFill>
-                <a:latin typeface="Söhne"/>
-              </a:rPr>
-              <a:t>Interfaces et Connectivité:</a:t>
-            </a:r>
-            <a:endParaRPr lang="fr-FR" sz="1800" b="0" strike="noStrike" spc="-1">
-              <a:latin typeface="Arial"/>
-            </a:endParaRPr>
-          </a:p>
-          <a:p>
-            <a:pPr marL="743040" lvl="1" indent="-285840">
-              <a:lnSpc>
-                <a:spcPct val="100000"/>
-              </a:lnSpc>
-              <a:buClr>
-                <a:srgbClr val="005E6A"/>
-              </a:buClr>
-              <a:buFont typeface="Arial"/>
-              <a:buChar char="•"/>
-            </a:pPr>
-            <a:r>
-              <a:rPr lang="fr-FR" sz="1800" b="0" strike="noStrike" spc="-1">
-                <a:solidFill>
-                  <a:srgbClr val="005E6A"/>
-                </a:solidFill>
-                <a:latin typeface="Söhne"/>
-              </a:rPr>
-              <a:t>USB, UART, I2C, SPI, CAN, Ethernet, Sorties PWM, Entrées analogiques (ADC), Comparateurs analogiques, GPIO, Connecteurs LCD, Broches capteurs</a:t>
-            </a:r>
-            <a:endParaRPr lang="fr-FR" sz="1800" b="0" strike="noStrike" spc="-1">
-              <a:latin typeface="Arial"/>
-            </a:endParaRPr>
-          </a:p>
-          <a:p>
-            <a:pPr>
-              <a:lnSpc>
-                <a:spcPct val="100000"/>
-              </a:lnSpc>
-              <a:buNone/>
-            </a:pPr>
-            <a:endParaRPr lang="fr-FR" sz="1800" b="0" strike="noStrike" spc="-1">
-              <a:latin typeface="Arial"/>
-            </a:endParaRPr>
-          </a:p>
-          <a:p>
-            <a:pPr>
-              <a:lnSpc>
-                <a:spcPct val="100000"/>
-              </a:lnSpc>
-              <a:buNone/>
-            </a:pPr>
-            <a:endParaRPr lang="fr-FR" sz="1800" b="0" strike="noStrike" spc="-1">
-              <a:latin typeface="Arial"/>
-            </a:endParaRPr>
-          </a:p>
-          <a:p>
-            <a:pPr>
-              <a:lnSpc>
-                <a:spcPct val="100000"/>
-              </a:lnSpc>
-              <a:buNone/>
-            </a:pPr>
-            <a:endParaRPr lang="fr-FR" sz="1800" b="0" strike="noStrike" spc="-1">
-              <a:latin typeface="Arial"/>
-            </a:endParaRPr>
-          </a:p>
-          <a:p>
-            <a:pPr>
-              <a:lnSpc>
-                <a:spcPct val="100000"/>
-              </a:lnSpc>
-              <a:buNone/>
-            </a:pPr>
-            <a:endParaRPr lang="fr-FR" sz="1800" b="0" strike="noStrike" spc="-1">
-              <a:latin typeface="Arial"/>
-            </a:endParaRPr>
-          </a:p>
-          <a:p>
-            <a:pPr>
-              <a:lnSpc>
-                <a:spcPct val="100000"/>
-              </a:lnSpc>
-              <a:buNone/>
-            </a:pPr>
-            <a:endParaRPr lang="fr-FR" sz="1800" b="0" strike="noStrike" spc="-1">
-              <a:latin typeface="Arial"/>
-            </a:endParaRPr>
-          </a:p>
-        </p:txBody>
-      </p:sp>
-      <p:pic>
-        <p:nvPicPr>
-          <p:cNvPr id="311" name="Picture 3" descr="STM32F407VET6 Stmicroelectronics, MCU ARM, Ethernet MAC, Interface Caméra |  Farnell FR"/>
-          <p:cNvPicPr/>
-          <p:nvPr/>
-        </p:nvPicPr>
-        <p:blipFill>
-          <a:blip r:embed="rId3"/>
-          <a:stretch/>
-        </p:blipFill>
-        <p:spPr>
-          <a:xfrm>
-            <a:off x="10527120" y="145800"/>
-            <a:ext cx="1329840" cy="1055160"/>
-          </a:xfrm>
-          <a:prstGeom prst="rect">
-            <a:avLst/>
-          </a:prstGeom>
-          <a:ln w="0">
-            <a:noFill/>
-          </a:ln>
-        </p:spPr>
-      </p:pic>
-    </p:spTree>
-  </p:cSld>
-  <p:clrMapOvr>
-    <a:masterClrMapping/>
-  </p:clrMapOvr>
-</p:sld>
-</file>
-
-<file path=ppt/slides/slide15.xml><?xml version="1.0" encoding="utf-8"?>
 <p:sld xmlns:a="http://schemas.openxmlformats.org/drawingml/2006/main" xmlns:r="http://schemas.openxmlformats.org/officeDocument/2006/relationships" xmlns:p="http://schemas.openxmlformats.org/presentationml/2006/main">
   <p:cSld>
     <p:spTree>
@@ -23990,16 +23456,16 @@
               <a:buNone/>
             </a:pPr>
             <a:r>
-              <a:rPr lang="fr-FR" sz="3200" b="1" strike="noStrike" spc="-1">
+              <a:rPr lang="fr-FR" sz="3200" b="1" strike="noStrike" spc="-1" dirty="0">
                 <a:solidFill>
                   <a:srgbClr val="005E6A"/>
                 </a:solidFill>
                 <a:latin typeface="Calibri"/>
                 <a:ea typeface="Calibri"/>
               </a:rPr>
-              <a:t>3 – Orientations à mener pour la finalisation du projet</a:t>
+              <a:t>3 – Suite du projet</a:t>
             </a:r>
-            <a:endParaRPr lang="fr-FR" sz="3200" b="0" strike="noStrike" spc="-1">
+            <a:endParaRPr lang="fr-FR" sz="3200" b="0" strike="noStrike" spc="-1" dirty="0">
               <a:solidFill>
                 <a:srgbClr val="2B3238"/>
               </a:solidFill>
@@ -24066,7 +23532,7 @@
                 </a:solidFill>
                 <a:latin typeface="Segoe UI"/>
               </a:rPr>
-              <a:t>15</a:t>
+              <a:t>14</a:t>
             </a:fld>
             <a:endParaRPr lang="fr-FR" sz="900" b="0" strike="noStrike" spc="-1">
               <a:latin typeface="Arial"/>
@@ -24197,16 +23663,16 @@
               <a:buChar char=""/>
             </a:pPr>
             <a:r>
-              <a:rPr lang="fr-FR" sz="2000" b="1" strike="noStrike" spc="-1">
+              <a:rPr lang="fr-FR" sz="2000" b="1" strike="noStrike" spc="-1" dirty="0">
                 <a:solidFill>
                   <a:srgbClr val="005E6A"/>
                 </a:solidFill>
                 <a:latin typeface="Calibri"/>
                 <a:ea typeface="Calibri"/>
               </a:rPr>
-              <a:t>Etude de l’architecture ARM du STM32</a:t>
+              <a:t>Programmation(s)</a:t>
             </a:r>
-            <a:endParaRPr lang="fr-FR" sz="2000" b="0" strike="noStrike" spc="-1">
+            <a:endParaRPr lang="fr-FR" sz="2000" b="0" strike="noStrike" spc="-1" dirty="0">
               <a:latin typeface="Arial"/>
             </a:endParaRPr>
           </a:p>
@@ -24214,10 +23680,10 @@
       </p:sp>
       <p:sp>
         <p:nvSpPr>
-          <p:cNvPr id="310" name="ZoneTexte 10">
+          <p:cNvPr id="3" name="ZoneTexte 22">
             <a:extLst>
               <a:ext uri="{FF2B5EF4-FFF2-40B4-BE49-F238E27FC236}">
-                <a16:creationId xmlns:a16="http://schemas.microsoft.com/office/drawing/2014/main" id="{F6E87C7D-5001-BC0F-57C2-27BD8A114293}"/>
+                <a16:creationId xmlns:a16="http://schemas.microsoft.com/office/drawing/2014/main" id="{B81DC8B7-473D-A5DF-E112-AA020748881E}"/>
               </a:ext>
             </a:extLst>
           </p:cNvPr>
@@ -24226,8 +23692,176 @@
         </p:nvSpPr>
         <p:spPr>
           <a:xfrm>
-            <a:off x="2196508" y="2242566"/>
-            <a:ext cx="5727240" cy="2154329"/>
+            <a:off x="1762143" y="1763143"/>
+            <a:ext cx="1257783" cy="367878"/>
+          </a:xfrm>
+          <a:prstGeom prst="rect">
+            <a:avLst/>
+          </a:prstGeom>
+          <a:noFill/>
+          <a:ln w="0">
+            <a:noFill/>
+          </a:ln>
+        </p:spPr>
+        <p:style>
+          <a:lnRef idx="0">
+            <a:scrgbClr r="0" g="0" b="0"/>
+          </a:lnRef>
+          <a:fillRef idx="0">
+            <a:scrgbClr r="0" g="0" b="0"/>
+          </a:fillRef>
+          <a:effectRef idx="0">
+            <a:scrgbClr r="0" g="0" b="0"/>
+          </a:effectRef>
+          <a:fontRef idx="minor"/>
+        </p:style>
+        <p:txBody>
+          <a:bodyPr wrap="square" lIns="90000" tIns="45000" rIns="90000" bIns="45000" anchor="t">
+            <a:spAutoFit/>
+          </a:bodyPr>
+          <a:lstStyle/>
+          <a:p>
+            <a:pPr>
+              <a:lnSpc>
+                <a:spcPct val="100000"/>
+              </a:lnSpc>
+              <a:buClr>
+                <a:srgbClr val="005E6A"/>
+              </a:buClr>
+            </a:pPr>
+            <a:r>
+              <a:rPr lang="fr-FR" b="1" spc="-1" dirty="0">
+                <a:solidFill>
+                  <a:srgbClr val="005E6A"/>
+                </a:solidFill>
+                <a:latin typeface="Calibri"/>
+              </a:rPr>
+              <a:t>Monitoring</a:t>
+            </a:r>
+            <a:endParaRPr lang="fr-FR" sz="1800" b="0" strike="noStrike" spc="-1" dirty="0">
+              <a:latin typeface="Arial"/>
+            </a:endParaRPr>
+          </a:p>
+        </p:txBody>
+      </p:sp>
+      <p:sp>
+        <p:nvSpPr>
+          <p:cNvPr id="4" name="ZoneTexte 22">
+            <a:extLst>
+              <a:ext uri="{FF2B5EF4-FFF2-40B4-BE49-F238E27FC236}">
+                <a16:creationId xmlns:a16="http://schemas.microsoft.com/office/drawing/2014/main" id="{91FA275D-9D43-921D-EAE3-8567168AE30F}"/>
+              </a:ext>
+            </a:extLst>
+          </p:cNvPr>
+          <p:cNvSpPr/>
+          <p:nvPr/>
+        </p:nvSpPr>
+        <p:spPr>
+          <a:xfrm>
+            <a:off x="7822049" y="1640793"/>
+            <a:ext cx="1714983" cy="367878"/>
+          </a:xfrm>
+          <a:prstGeom prst="rect">
+            <a:avLst/>
+          </a:prstGeom>
+          <a:noFill/>
+          <a:ln w="0">
+            <a:noFill/>
+          </a:ln>
+        </p:spPr>
+        <p:style>
+          <a:lnRef idx="0">
+            <a:scrgbClr r="0" g="0" b="0"/>
+          </a:lnRef>
+          <a:fillRef idx="0">
+            <a:scrgbClr r="0" g="0" b="0"/>
+          </a:fillRef>
+          <a:effectRef idx="0">
+            <a:scrgbClr r="0" g="0" b="0"/>
+          </a:effectRef>
+          <a:fontRef idx="minor"/>
+        </p:style>
+        <p:txBody>
+          <a:bodyPr wrap="square" lIns="90000" tIns="45000" rIns="90000" bIns="45000" anchor="t">
+            <a:spAutoFit/>
+          </a:bodyPr>
+          <a:lstStyle/>
+          <a:p>
+            <a:pPr>
+              <a:lnSpc>
+                <a:spcPct val="100000"/>
+              </a:lnSpc>
+              <a:buClr>
+                <a:srgbClr val="005E6A"/>
+              </a:buClr>
+            </a:pPr>
+            <a:r>
+              <a:rPr lang="fr-FR" b="1" spc="-1" dirty="0">
+                <a:solidFill>
+                  <a:srgbClr val="005E6A"/>
+                </a:solidFill>
+                <a:latin typeface="Calibri"/>
+              </a:rPr>
+              <a:t>Gestion moteur</a:t>
+            </a:r>
+            <a:endParaRPr lang="fr-FR" sz="1800" b="0" strike="noStrike" spc="-1" dirty="0">
+              <a:latin typeface="Arial"/>
+            </a:endParaRPr>
+          </a:p>
+        </p:txBody>
+      </p:sp>
+      <p:pic>
+        <p:nvPicPr>
+          <p:cNvPr id="7" name="Image 6" descr="Une image contenant texte, capture d’écran, Police, Instrument de mesure&#10;&#10;Description générée automatiquement">
+            <a:extLst>
+              <a:ext uri="{FF2B5EF4-FFF2-40B4-BE49-F238E27FC236}">
+                <a16:creationId xmlns:a16="http://schemas.microsoft.com/office/drawing/2014/main" id="{A3857BA0-2706-4D1B-E653-5407E984A76E}"/>
+              </a:ext>
+            </a:extLst>
+          </p:cNvPr>
+          <p:cNvPicPr>
+            <a:picLocks noChangeAspect="1"/>
+          </p:cNvPicPr>
+          <p:nvPr/>
+        </p:nvPicPr>
+        <p:blipFill>
+          <a:blip r:embed="rId2">
+            <a:extLst>
+              <a:ext uri="{28A0092B-C50C-407E-A947-70E740481C1C}">
+                <a14:useLocalDpi xmlns:a14="http://schemas.microsoft.com/office/drawing/2010/main" val="0"/>
+              </a:ext>
+            </a:extLst>
+          </a:blip>
+          <a:stretch>
+            <a:fillRect/>
+          </a:stretch>
+        </p:blipFill>
+        <p:spPr>
+          <a:xfrm>
+            <a:off x="241200" y="2239804"/>
+            <a:ext cx="4817170" cy="2532899"/>
+          </a:xfrm>
+          <a:prstGeom prst="rect">
+            <a:avLst/>
+          </a:prstGeom>
+        </p:spPr>
+      </p:pic>
+      <p:sp>
+        <p:nvSpPr>
+          <p:cNvPr id="9" name="ZoneTexte 22">
+            <a:extLst>
+              <a:ext uri="{FF2B5EF4-FFF2-40B4-BE49-F238E27FC236}">
+                <a16:creationId xmlns:a16="http://schemas.microsoft.com/office/drawing/2014/main" id="{AA90EB41-F7DF-F522-1AE2-546CDEBA0E8C}"/>
+              </a:ext>
+            </a:extLst>
+          </p:cNvPr>
+          <p:cNvSpPr/>
+          <p:nvPr/>
+        </p:nvSpPr>
+        <p:spPr>
+          <a:xfrm>
+            <a:off x="6592211" y="2325246"/>
+            <a:ext cx="5167080" cy="1475873"/>
           </a:xfrm>
           <a:prstGeom prst="rect">
             <a:avLst/>
@@ -24255,155 +23889,108 @@
           </a:bodyPr>
           <a:lstStyle/>
           <a:p>
-            <a:pPr>
+            <a:pPr marL="285840" indent="-285840">
               <a:lnSpc>
-                <a:spcPct val="107000"/>
+                <a:spcPct val="100000"/>
               </a:lnSpc>
-              <a:spcAft>
-                <a:spcPts val="799"/>
-              </a:spcAft>
-              <a:buNone/>
+              <a:buClr>
+                <a:srgbClr val="005E6A"/>
+              </a:buClr>
+              <a:buFont typeface="Arial"/>
+              <a:buChar char="•"/>
             </a:pPr>
             <a:r>
-              <a:rPr lang="fr-FR" sz="2400" b="1" strike="noStrike" spc="-1" dirty="0">
+              <a:rPr lang="fr-FR" sz="1800" b="1" strike="noStrike" spc="-1" dirty="0">
                 <a:solidFill>
                   <a:srgbClr val="005E6A"/>
                 </a:solidFill>
                 <a:latin typeface="Calibri"/>
-                <a:ea typeface="Calibri"/>
               </a:rPr>
-              <a:t>3 – Orientations à mener pour la finalisation du projet</a:t>
+              <a:t>Continuer l’analyse de </a:t>
             </a:r>
-            <a:endParaRPr lang="fr-FR" sz="2400" b="0" strike="noStrike" spc="-1" dirty="0">
-              <a:latin typeface="Arial"/>
+            <a:r>
+              <a:rPr lang="fr-FR" sz="1800" b="1" strike="noStrike" spc="-1" dirty="0" err="1">
+                <a:solidFill>
+                  <a:srgbClr val="005E6A"/>
+                </a:solidFill>
+                <a:latin typeface="Calibri"/>
+              </a:rPr>
+              <a:t>Speeduino</a:t>
+            </a:r>
+            <a:endParaRPr lang="fr-FR" sz="1800" b="1" strike="noStrike" spc="-1" dirty="0">
+              <a:solidFill>
+                <a:srgbClr val="005E6A"/>
+              </a:solidFill>
+              <a:latin typeface="Calibri"/>
             </a:endParaRPr>
           </a:p>
           <a:p>
-            <a:pPr marL="343080" indent="-343080">
+            <a:pPr>
               <a:lnSpc>
-                <a:spcPct val="107000"/>
+                <a:spcPct val="100000"/>
               </a:lnSpc>
               <a:buClr>
                 <a:srgbClr val="005E6A"/>
               </a:buClr>
-              <a:buFont typeface="Symbol"/>
-              <a:buChar char=""/>
+            </a:pPr>
+            <a:endParaRPr lang="fr-FR" sz="1800" b="0" strike="noStrike" spc="-1" dirty="0">
+              <a:latin typeface="Arial"/>
+            </a:endParaRPr>
+          </a:p>
+          <a:p>
+            <a:pPr>
+              <a:lnSpc>
+                <a:spcPct val="100000"/>
+              </a:lnSpc>
+              <a:buClr>
+                <a:srgbClr val="005E6A"/>
+              </a:buClr>
+            </a:pPr>
+            <a:endParaRPr lang="fr-FR" spc="-1" dirty="0">
+              <a:latin typeface="Arial"/>
+            </a:endParaRPr>
+          </a:p>
+          <a:p>
+            <a:pPr>
+              <a:lnSpc>
+                <a:spcPct val="100000"/>
+              </a:lnSpc>
+              <a:buClr>
+                <a:srgbClr val="005E6A"/>
+              </a:buClr>
+            </a:pPr>
+            <a:endParaRPr lang="fr-FR" sz="1800" b="0" strike="noStrike" spc="-1" dirty="0">
+              <a:latin typeface="Arial"/>
+            </a:endParaRPr>
+          </a:p>
+          <a:p>
+            <a:pPr marL="285840" indent="-285840">
+              <a:lnSpc>
+                <a:spcPct val="100000"/>
+              </a:lnSpc>
+              <a:buClr>
+                <a:srgbClr val="005E6A"/>
+              </a:buClr>
+              <a:buFont typeface="Arial"/>
+              <a:buChar char="•"/>
             </a:pPr>
             <a:r>
-              <a:rPr lang="fr-FR" sz="1800" b="0" strike="noStrike" spc="-1" dirty="0">
+              <a:rPr lang="fr-FR" sz="1800" b="1" strike="noStrike" spc="-1" dirty="0">
                 <a:solidFill>
                   <a:srgbClr val="005E6A"/>
                 </a:solidFill>
                 <a:latin typeface="Calibri"/>
-                <a:ea typeface="Calibri"/>
               </a:rPr>
-              <a:t>Programmation(s)</a:t>
+              <a:t>Avancer le développeme</a:t>
             </a:r>
-          </a:p>
-          <a:p>
-            <a:pPr marL="343080" indent="-343080">
-              <a:lnSpc>
-                <a:spcPct val="107000"/>
-              </a:lnSpc>
-              <a:buClr>
-                <a:srgbClr val="005E6A"/>
-              </a:buClr>
-              <a:buFont typeface="Symbol"/>
-              <a:buChar char=""/>
-            </a:pPr>
             <a:r>
-              <a:rPr lang="fr-FR" sz="1800" spc="-1" dirty="0">
+              <a:rPr lang="fr-FR" b="1" spc="-1" dirty="0">
                 <a:solidFill>
                   <a:srgbClr val="005E6A"/>
                 </a:solidFill>
                 <a:latin typeface="Calibri"/>
-                <a:ea typeface="Calibri"/>
               </a:rPr>
-              <a:t>Essais sur maquette</a:t>
-            </a:r>
-          </a:p>
-          <a:p>
-            <a:pPr marL="343080" indent="-343080">
-              <a:lnSpc>
-                <a:spcPct val="107000"/>
-              </a:lnSpc>
-              <a:buClr>
-                <a:srgbClr val="005E6A"/>
-              </a:buClr>
-              <a:buFont typeface="Symbol"/>
-              <a:buChar char=""/>
-            </a:pPr>
-            <a:r>
-              <a:rPr lang="fr-FR" sz="1800" b="0" strike="noStrike" spc="-1" dirty="0">
-                <a:solidFill>
-                  <a:srgbClr val="005E6A"/>
-                </a:solidFill>
-                <a:latin typeface="Calibri"/>
-                <a:ea typeface="Calibri"/>
-              </a:rPr>
-              <a:t>Essais réels (parler données réel </a:t>
-            </a:r>
-            <a:r>
-              <a:rPr lang="fr-FR" sz="1800" b="0" strike="noStrike" spc="-1" dirty="0" err="1">
-                <a:solidFill>
-                  <a:srgbClr val="005E6A"/>
-                </a:solidFill>
-                <a:latin typeface="Calibri"/>
-                <a:ea typeface="Calibri"/>
-              </a:rPr>
-              <a:t>recup</a:t>
-            </a:r>
-            <a:r>
-              <a:rPr lang="fr-FR" sz="1800" b="0" strike="noStrike" spc="-1" dirty="0">
-                <a:solidFill>
-                  <a:srgbClr val="005E6A"/>
-                </a:solidFill>
-                <a:latin typeface="Calibri"/>
-                <a:ea typeface="Calibri"/>
-              </a:rPr>
-              <a:t> sur </a:t>
-            </a:r>
-            <a:r>
-              <a:rPr lang="fr-FR" sz="1800" b="0" strike="noStrike" spc="-1" dirty="0" err="1">
-                <a:solidFill>
-                  <a:srgbClr val="005E6A"/>
-                </a:solidFill>
-                <a:latin typeface="Calibri"/>
-                <a:ea typeface="Calibri"/>
-              </a:rPr>
-              <a:t>vehicule</a:t>
-            </a:r>
-            <a:r>
-              <a:rPr lang="fr-FR" sz="1800" b="0" strike="noStrike" spc="-1" dirty="0">
-                <a:solidFill>
-                  <a:srgbClr val="005E6A"/>
-                </a:solidFill>
-                <a:latin typeface="Calibri"/>
-                <a:ea typeface="Calibri"/>
-              </a:rPr>
-              <a:t>)</a:t>
-            </a:r>
-          </a:p>
-          <a:p>
-            <a:pPr marL="343080" indent="-343080">
-              <a:lnSpc>
-                <a:spcPct val="107000"/>
-              </a:lnSpc>
-              <a:buClr>
-                <a:srgbClr val="005E6A"/>
-              </a:buClr>
-              <a:buFont typeface="Symbol"/>
-              <a:buChar char=""/>
-            </a:pPr>
-            <a:r>
-              <a:rPr lang="fr-FR" sz="1800" spc="-1" dirty="0">
-                <a:solidFill>
-                  <a:srgbClr val="005E6A"/>
-                </a:solidFill>
-                <a:latin typeface="Calibri"/>
-                <a:ea typeface="Calibri"/>
-              </a:rPr>
-              <a:t>Optimisation(s)</a:t>
+              <a:t>nt du code</a:t>
             </a:r>
             <a:endParaRPr lang="fr-FR" sz="1800" b="0" strike="noStrike" spc="-1" dirty="0">
               <a:latin typeface="Arial"/>
@@ -24411,6 +23998,78 @@
           </a:p>
         </p:txBody>
       </p:sp>
+      <p:pic>
+        <p:nvPicPr>
+          <p:cNvPr id="10" name="Image 9" descr="Une image contenant symbole, Police, texte, logo&#10;&#10;Description générée automatiquement">
+            <a:extLst>
+              <a:ext uri="{FF2B5EF4-FFF2-40B4-BE49-F238E27FC236}">
+                <a16:creationId xmlns:a16="http://schemas.microsoft.com/office/drawing/2014/main" id="{2B35696E-1298-00AA-8DDF-63108B33E7BD}"/>
+              </a:ext>
+            </a:extLst>
+          </p:cNvPr>
+          <p:cNvPicPr>
+            <a:picLocks noChangeAspect="1"/>
+          </p:cNvPicPr>
+          <p:nvPr/>
+        </p:nvPicPr>
+        <p:blipFill>
+          <a:blip r:embed="rId3" cstate="print">
+            <a:extLst>
+              <a:ext uri="{28A0092B-C50C-407E-A947-70E740481C1C}">
+                <a14:useLocalDpi xmlns:a14="http://schemas.microsoft.com/office/drawing/2010/main" val="0"/>
+              </a:ext>
+            </a:extLst>
+          </a:blip>
+          <a:stretch>
+            <a:fillRect/>
+          </a:stretch>
+        </p:blipFill>
+        <p:spPr>
+          <a:xfrm>
+            <a:off x="10619121" y="3248787"/>
+            <a:ext cx="714626" cy="848128"/>
+          </a:xfrm>
+          <a:prstGeom prst="rect">
+            <a:avLst/>
+          </a:prstGeom>
+        </p:spPr>
+      </p:pic>
+      <p:pic>
+        <p:nvPicPr>
+          <p:cNvPr id="11" name="Image 10" descr="Une image contenant Police, logo, Graphique, symbole&#10;&#10;Description générée automatiquement">
+            <a:extLst>
+              <a:ext uri="{FF2B5EF4-FFF2-40B4-BE49-F238E27FC236}">
+                <a16:creationId xmlns:a16="http://schemas.microsoft.com/office/drawing/2014/main" id="{2901E9F7-958D-F273-3C22-FF121A4D97E5}"/>
+              </a:ext>
+            </a:extLst>
+          </p:cNvPr>
+          <p:cNvPicPr>
+            <a:picLocks noChangeAspect="1"/>
+          </p:cNvPicPr>
+          <p:nvPr/>
+        </p:nvPicPr>
+        <p:blipFill>
+          <a:blip r:embed="rId4">
+            <a:extLst>
+              <a:ext uri="{28A0092B-C50C-407E-A947-70E740481C1C}">
+                <a14:useLocalDpi xmlns:a14="http://schemas.microsoft.com/office/drawing/2010/main" val="0"/>
+              </a:ext>
+            </a:extLst>
+          </a:blip>
+          <a:stretch>
+            <a:fillRect/>
+          </a:stretch>
+        </p:blipFill>
+        <p:spPr>
+          <a:xfrm>
+            <a:off x="10339427" y="2239804"/>
+            <a:ext cx="1714983" cy="592612"/>
+          </a:xfrm>
+          <a:prstGeom prst="rect">
+            <a:avLst/>
+          </a:prstGeom>
+        </p:spPr>
+      </p:pic>
     </p:spTree>
     <p:extLst>
       <p:ext uri="{BB962C8B-B14F-4D97-AF65-F5344CB8AC3E}">
@@ -24424,12 +24083,18 @@
 </p:sld>
 </file>
 
-<file path=ppt/slides/slide16.xml><?xml version="1.0" encoding="utf-8"?>
+<file path=ppt/slides/slide15.xml><?xml version="1.0" encoding="utf-8"?>
 <p:sld xmlns:a="http://schemas.openxmlformats.org/drawingml/2006/main" xmlns:r="http://schemas.openxmlformats.org/officeDocument/2006/relationships" xmlns:p="http://schemas.openxmlformats.org/presentationml/2006/main">
   <p:cSld>
     <p:spTree>
       <p:nvGrpSpPr>
-        <p:cNvPr id="1" name=""/>
+        <p:cNvPr id="1" name="">
+          <a:extLst>
+            <a:ext uri="{FF2B5EF4-FFF2-40B4-BE49-F238E27FC236}">
+              <a16:creationId xmlns:a16="http://schemas.microsoft.com/office/drawing/2014/main" id="{E6500306-2DF0-E563-60DD-BE0C3E6DD369}"/>
+            </a:ext>
+          </a:extLst>
+        </p:cNvPr>
         <p:cNvGrpSpPr/>
         <p:nvPr/>
       </p:nvGrpSpPr>
@@ -24443,7 +24108,13 @@
       </p:grpSpPr>
       <p:sp>
         <p:nvSpPr>
-          <p:cNvPr id="312" name="PlaceHolder 1"/>
+          <p:cNvPr id="305" name="PlaceHolder 1">
+            <a:extLst>
+              <a:ext uri="{FF2B5EF4-FFF2-40B4-BE49-F238E27FC236}">
+                <a16:creationId xmlns:a16="http://schemas.microsoft.com/office/drawing/2014/main" id="{81710625-4300-62C8-377E-92A3F248831C}"/>
+              </a:ext>
+            </a:extLst>
+          </p:cNvPr>
           <p:cNvSpPr>
             <a:spLocks noGrp="1"/>
           </p:cNvSpPr>
@@ -24477,16 +24148,16 @@
               <a:buNone/>
             </a:pPr>
             <a:r>
-              <a:rPr lang="fr-FR" sz="3200" b="1" strike="noStrike" spc="-1">
+              <a:rPr lang="fr-FR" sz="3200" b="1" strike="noStrike" spc="-1" dirty="0">
                 <a:solidFill>
                   <a:srgbClr val="005E6A"/>
                 </a:solidFill>
                 <a:latin typeface="Calibri"/>
                 <a:ea typeface="Calibri"/>
               </a:rPr>
-              <a:t>3 – Orientations à mener pour la finalisation du projet</a:t>
+              <a:t>3 – Suite du projet</a:t>
             </a:r>
-            <a:endParaRPr lang="fr-FR" sz="3200" b="0" strike="noStrike" spc="-1">
+            <a:endParaRPr lang="fr-FR" sz="3200" b="0" strike="noStrike" spc="-1" dirty="0">
               <a:solidFill>
                 <a:srgbClr val="2B3238"/>
               </a:solidFill>
@@ -24497,7 +24168,13 @@
       </p:sp>
       <p:sp>
         <p:nvSpPr>
-          <p:cNvPr id="313" name="Espace réservé du numéro de diapositive 4"/>
+          <p:cNvPr id="306" name="Espace réservé du numéro de diapositive 4">
+            <a:extLst>
+              <a:ext uri="{FF2B5EF4-FFF2-40B4-BE49-F238E27FC236}">
+                <a16:creationId xmlns:a16="http://schemas.microsoft.com/office/drawing/2014/main" id="{C309786A-7741-BEC7-8668-1919EB73CF1E}"/>
+              </a:ext>
+            </a:extLst>
+          </p:cNvPr>
           <p:cNvSpPr/>
           <p:nvPr/>
         </p:nvSpPr>
@@ -24540,14 +24217,14 @@
               </a:lnSpc>
               <a:buNone/>
             </a:pPr>
-            <a:fld id="{FDF822FC-5BBC-4E36-91C3-978DE1E1702D}" type="slidenum">
+            <a:fld id="{84C4C227-C5A9-42A2-A5AD-AD432B0D3890}" type="slidenum">
               <a:rPr lang="fr-FR" sz="900" b="0" strike="noStrike" spc="-1">
                 <a:solidFill>
                   <a:srgbClr val="005E6A"/>
                 </a:solidFill>
                 <a:latin typeface="Segoe UI"/>
               </a:rPr>
-              <a:t>16</a:t>
+              <a:t>15</a:t>
             </a:fld>
             <a:endParaRPr lang="fr-FR" sz="900" b="0" strike="noStrike" spc="-1">
               <a:latin typeface="Arial"/>
@@ -24557,12 +24234,18 @@
       </p:sp>
       <p:sp>
         <p:nvSpPr>
-          <p:cNvPr id="314" name="PlaceHolder 2"/>
+          <p:cNvPr id="307" name="PlaceHolder 2">
+            <a:extLst>
+              <a:ext uri="{FF2B5EF4-FFF2-40B4-BE49-F238E27FC236}">
+                <a16:creationId xmlns:a16="http://schemas.microsoft.com/office/drawing/2014/main" id="{FDE7D7D4-ECBE-C0C5-F3F3-6FC65A581BF8}"/>
+              </a:ext>
+            </a:extLst>
+          </p:cNvPr>
           <p:cNvSpPr>
             <a:spLocks noGrp="1"/>
           </p:cNvSpPr>
           <p:nvPr>
-            <p:ph type="dt" idx="24"/>
+            <p:ph type="dt" idx="23"/>
           </p:nvPr>
         </p:nvSpPr>
         <p:spPr>
@@ -24618,30 +24301,941 @@
           </a:p>
         </p:txBody>
       </p:sp>
+      <p:sp>
+        <p:nvSpPr>
+          <p:cNvPr id="308" name="Titre 1">
+            <a:extLst>
+              <a:ext uri="{FF2B5EF4-FFF2-40B4-BE49-F238E27FC236}">
+                <a16:creationId xmlns:a16="http://schemas.microsoft.com/office/drawing/2014/main" id="{E58B0057-0CEA-3974-3161-34F4005847D3}"/>
+              </a:ext>
+            </a:extLst>
+          </p:cNvPr>
+          <p:cNvSpPr/>
+          <p:nvPr/>
+        </p:nvSpPr>
+        <p:spPr>
+          <a:xfrm>
+            <a:off x="484200" y="673560"/>
+            <a:ext cx="6215760" cy="607320"/>
+          </a:xfrm>
+          <a:prstGeom prst="rect">
+            <a:avLst/>
+          </a:prstGeom>
+          <a:noFill/>
+          <a:ln w="9525">
+            <a:noFill/>
+          </a:ln>
+        </p:spPr>
+        <p:style>
+          <a:lnRef idx="0">
+            <a:scrgbClr r="0" g="0" b="0"/>
+          </a:lnRef>
+          <a:fillRef idx="0">
+            <a:scrgbClr r="0" g="0" b="0"/>
+          </a:fillRef>
+          <a:effectRef idx="0">
+            <a:scrgbClr r="0" g="0" b="0"/>
+          </a:effectRef>
+          <a:fontRef idx="minor"/>
+        </p:style>
+        <p:txBody>
+          <a:bodyPr numCol="1" spcCol="0" anchor="t">
+            <a:noAutofit/>
+          </a:bodyPr>
+          <a:lstStyle/>
+          <a:p>
+            <a:pPr marL="343080" indent="-343080">
+              <a:lnSpc>
+                <a:spcPct val="107000"/>
+              </a:lnSpc>
+              <a:buClr>
+                <a:srgbClr val="005E6A"/>
+              </a:buClr>
+              <a:buFont typeface="Wingdings" charset="2"/>
+              <a:buChar char=""/>
+            </a:pPr>
+            <a:r>
+              <a:rPr lang="fr-FR" sz="2000" b="1" strike="noStrike" spc="-1" dirty="0">
+                <a:solidFill>
+                  <a:srgbClr val="005E6A"/>
+                </a:solidFill>
+                <a:latin typeface="Calibri"/>
+                <a:ea typeface="Calibri"/>
+              </a:rPr>
+              <a:t>Essais avec maquette</a:t>
+            </a:r>
+          </a:p>
+        </p:txBody>
+      </p:sp>
+      <p:sp>
+        <p:nvSpPr>
+          <p:cNvPr id="2" name="ZoneTexte 22">
+            <a:extLst>
+              <a:ext uri="{FF2B5EF4-FFF2-40B4-BE49-F238E27FC236}">
+                <a16:creationId xmlns:a16="http://schemas.microsoft.com/office/drawing/2014/main" id="{7C8FE8C0-56CC-C18F-7D34-01BB7E045C57}"/>
+              </a:ext>
+            </a:extLst>
+          </p:cNvPr>
+          <p:cNvSpPr/>
+          <p:nvPr/>
+        </p:nvSpPr>
+        <p:spPr>
+          <a:xfrm>
+            <a:off x="1259205" y="2222374"/>
+            <a:ext cx="1257783" cy="921876"/>
+          </a:xfrm>
+          <a:prstGeom prst="rect">
+            <a:avLst/>
+          </a:prstGeom>
+          <a:noFill/>
+          <a:ln w="0">
+            <a:noFill/>
+          </a:ln>
+        </p:spPr>
+        <p:style>
+          <a:lnRef idx="0">
+            <a:scrgbClr r="0" g="0" b="0"/>
+          </a:lnRef>
+          <a:fillRef idx="0">
+            <a:scrgbClr r="0" g="0" b="0"/>
+          </a:fillRef>
+          <a:effectRef idx="0">
+            <a:scrgbClr r="0" g="0" b="0"/>
+          </a:effectRef>
+          <a:fontRef idx="minor"/>
+        </p:style>
+        <p:txBody>
+          <a:bodyPr wrap="square" lIns="90000" tIns="45000" rIns="90000" bIns="45000" anchor="t">
+            <a:spAutoFit/>
+          </a:bodyPr>
+          <a:lstStyle/>
+          <a:p>
+            <a:pPr>
+              <a:lnSpc>
+                <a:spcPct val="100000"/>
+              </a:lnSpc>
+              <a:buClr>
+                <a:srgbClr val="005E6A"/>
+              </a:buClr>
+            </a:pPr>
+            <a:r>
+              <a:rPr lang="fr-FR" b="1" spc="-1" dirty="0">
+                <a:solidFill>
+                  <a:srgbClr val="005E6A"/>
+                </a:solidFill>
+                <a:latin typeface="Calibri"/>
+              </a:rPr>
+              <a:t>Photos maquette avec roue</a:t>
+            </a:r>
+            <a:endParaRPr lang="fr-FR" sz="1800" b="0" strike="noStrike" spc="-1" dirty="0">
+              <a:latin typeface="Arial"/>
+            </a:endParaRPr>
+          </a:p>
+        </p:txBody>
+      </p:sp>
+      <p:sp>
+        <p:nvSpPr>
+          <p:cNvPr id="3" name="ZoneTexte 22">
+            <a:extLst>
+              <a:ext uri="{FF2B5EF4-FFF2-40B4-BE49-F238E27FC236}">
+                <a16:creationId xmlns:a16="http://schemas.microsoft.com/office/drawing/2014/main" id="{8852A62E-D4DC-1666-1519-892BBF9BB6F6}"/>
+              </a:ext>
+            </a:extLst>
+          </p:cNvPr>
+          <p:cNvSpPr/>
+          <p:nvPr/>
+        </p:nvSpPr>
+        <p:spPr>
+          <a:xfrm>
+            <a:off x="6150313" y="1070531"/>
+            <a:ext cx="4653069" cy="644877"/>
+          </a:xfrm>
+          <a:prstGeom prst="rect">
+            <a:avLst/>
+          </a:prstGeom>
+          <a:noFill/>
+          <a:ln w="0">
+            <a:noFill/>
+          </a:ln>
+        </p:spPr>
+        <p:style>
+          <a:lnRef idx="0">
+            <a:scrgbClr r="0" g="0" b="0"/>
+          </a:lnRef>
+          <a:fillRef idx="0">
+            <a:scrgbClr r="0" g="0" b="0"/>
+          </a:fillRef>
+          <a:effectRef idx="0">
+            <a:scrgbClr r="0" g="0" b="0"/>
+          </a:effectRef>
+          <a:fontRef idx="minor"/>
+        </p:style>
+        <p:txBody>
+          <a:bodyPr wrap="square" lIns="90000" tIns="45000" rIns="90000" bIns="45000" anchor="t">
+            <a:spAutoFit/>
+          </a:bodyPr>
+          <a:lstStyle/>
+          <a:p>
+            <a:pPr>
+              <a:lnSpc>
+                <a:spcPct val="100000"/>
+              </a:lnSpc>
+              <a:buClr>
+                <a:srgbClr val="005E6A"/>
+              </a:buClr>
+            </a:pPr>
+            <a:r>
+              <a:rPr lang="fr-FR" b="1" spc="-1" dirty="0">
+                <a:solidFill>
+                  <a:srgbClr val="005E6A"/>
+                </a:solidFill>
+                <a:latin typeface="Calibri"/>
+              </a:rPr>
+              <a:t>Utilisation de données provenant d’un véhicule réel + </a:t>
+            </a:r>
+            <a:r>
+              <a:rPr lang="fr-FR" b="1" spc="-1" dirty="0" err="1">
+                <a:solidFill>
+                  <a:srgbClr val="005E6A"/>
+                </a:solidFill>
+                <a:latin typeface="Calibri"/>
+              </a:rPr>
+              <a:t>nucleo</a:t>
+            </a:r>
+            <a:r>
+              <a:rPr lang="fr-FR" b="1" spc="-1" dirty="0">
+                <a:solidFill>
+                  <a:srgbClr val="005E6A"/>
+                </a:solidFill>
+                <a:latin typeface="Calibri"/>
+              </a:rPr>
+              <a:t> </a:t>
+            </a:r>
+            <a:r>
+              <a:rPr lang="fr-FR" b="1" spc="-1" dirty="0" err="1">
+                <a:solidFill>
+                  <a:srgbClr val="005E6A"/>
+                </a:solidFill>
+                <a:latin typeface="Calibri"/>
+              </a:rPr>
+              <a:t>board</a:t>
+            </a:r>
+            <a:r>
+              <a:rPr lang="fr-FR" b="1" spc="-1" dirty="0">
+                <a:solidFill>
+                  <a:srgbClr val="005E6A"/>
+                </a:solidFill>
+                <a:latin typeface="Calibri"/>
+              </a:rPr>
+              <a:t> pour simulé vers l’ECU</a:t>
+            </a:r>
+            <a:endParaRPr lang="fr-FR" sz="1800" b="0" strike="noStrike" spc="-1" dirty="0">
+              <a:latin typeface="Arial"/>
+            </a:endParaRPr>
+          </a:p>
+        </p:txBody>
+      </p:sp>
       <p:pic>
         <p:nvPicPr>
-          <p:cNvPr id="315" name="Image 3"/>
-          <p:cNvPicPr/>
+          <p:cNvPr id="6" name="Image 5" descr="Une image contenant voiture, transport, véhicule, Véhicule terrestre&#10;&#10;Description générée automatiquement">
+            <a:extLst>
+              <a:ext uri="{FF2B5EF4-FFF2-40B4-BE49-F238E27FC236}">
+                <a16:creationId xmlns:a16="http://schemas.microsoft.com/office/drawing/2014/main" id="{F0EDD939-2161-B11E-DD24-F21261A41C14}"/>
+              </a:ext>
+            </a:extLst>
+          </p:cNvPr>
+          <p:cNvPicPr>
+            <a:picLocks noChangeAspect="1"/>
+          </p:cNvPicPr>
+          <p:nvPr/>
+        </p:nvPicPr>
+        <p:blipFill>
+          <a:blip r:embed="rId2">
+            <a:extLst>
+              <a:ext uri="{28A0092B-C50C-407E-A947-70E740481C1C}">
+                <a14:useLocalDpi xmlns:a14="http://schemas.microsoft.com/office/drawing/2010/main" val="0"/>
+              </a:ext>
+            </a:extLst>
+          </a:blip>
+          <a:stretch>
+            <a:fillRect/>
+          </a:stretch>
+        </p:blipFill>
+        <p:spPr>
+          <a:xfrm>
+            <a:off x="5197704" y="1922659"/>
+            <a:ext cx="2667628" cy="1443143"/>
+          </a:xfrm>
+          <a:prstGeom prst="rect">
+            <a:avLst/>
+          </a:prstGeom>
+        </p:spPr>
+      </p:pic>
+      <p:pic>
+        <p:nvPicPr>
+          <p:cNvPr id="8" name="Image 7" descr="Une image contenant texte, câble, Appareils électroniques, adaptateur&#10;&#10;Description générée automatiquement">
+            <a:extLst>
+              <a:ext uri="{FF2B5EF4-FFF2-40B4-BE49-F238E27FC236}">
+                <a16:creationId xmlns:a16="http://schemas.microsoft.com/office/drawing/2014/main" id="{22566B1D-758E-AFE8-57DA-3C6E0D8C6333}"/>
+              </a:ext>
+            </a:extLst>
+          </p:cNvPr>
+          <p:cNvPicPr>
+            <a:picLocks noChangeAspect="1"/>
+          </p:cNvPicPr>
+          <p:nvPr/>
+        </p:nvPicPr>
+        <p:blipFill>
+          <a:blip r:embed="rId3" cstate="print">
+            <a:extLst>
+              <a:ext uri="{28A0092B-C50C-407E-A947-70E740481C1C}">
+                <a14:useLocalDpi xmlns:a14="http://schemas.microsoft.com/office/drawing/2010/main" val="0"/>
+              </a:ext>
+            </a:extLst>
+          </a:blip>
+          <a:stretch>
+            <a:fillRect/>
+          </a:stretch>
+        </p:blipFill>
+        <p:spPr>
+          <a:xfrm>
+            <a:off x="8237369" y="1922658"/>
+            <a:ext cx="1160287" cy="1443143"/>
+          </a:xfrm>
+          <a:prstGeom prst="rect">
+            <a:avLst/>
+          </a:prstGeom>
+        </p:spPr>
+      </p:pic>
+      <p:pic>
+        <p:nvPicPr>
+          <p:cNvPr id="10" name="Image 9" descr="Une image contenant Appareils électroniques, ordinateur portable, ordinateur, Netbook&#10;&#10;Description générée automatiquement">
+            <a:extLst>
+              <a:ext uri="{FF2B5EF4-FFF2-40B4-BE49-F238E27FC236}">
+                <a16:creationId xmlns:a16="http://schemas.microsoft.com/office/drawing/2014/main" id="{04DFD875-1358-2335-EA90-F8D942711C75}"/>
+              </a:ext>
+            </a:extLst>
+          </p:cNvPr>
+          <p:cNvPicPr>
+            <a:picLocks noChangeAspect="1"/>
+          </p:cNvPicPr>
+          <p:nvPr/>
+        </p:nvPicPr>
+        <p:blipFill>
+          <a:blip r:embed="rId4">
+            <a:extLst>
+              <a:ext uri="{28A0092B-C50C-407E-A947-70E740481C1C}">
+                <a14:useLocalDpi xmlns:a14="http://schemas.microsoft.com/office/drawing/2010/main" val="0"/>
+              </a:ext>
+            </a:extLst>
+          </a:blip>
+          <a:stretch>
+            <a:fillRect/>
+          </a:stretch>
+        </p:blipFill>
+        <p:spPr>
+          <a:xfrm>
+            <a:off x="9675012" y="1910684"/>
+            <a:ext cx="1930382" cy="1467090"/>
+          </a:xfrm>
+          <a:prstGeom prst="rect">
+            <a:avLst/>
+          </a:prstGeom>
+        </p:spPr>
+      </p:pic>
+      <p:pic>
+        <p:nvPicPr>
+          <p:cNvPr id="13" name="Image 12" descr="Une image contenant Ingénierie électronique, Composant électronique, Appareils électroniques, Composant de circuit&#10;&#10;Description générée automatiquement">
+            <a:extLst>
+              <a:ext uri="{FF2B5EF4-FFF2-40B4-BE49-F238E27FC236}">
+                <a16:creationId xmlns:a16="http://schemas.microsoft.com/office/drawing/2014/main" id="{A9EDE2E9-DE15-D0B6-F8D5-F7C1FC700AB9}"/>
+              </a:ext>
+            </a:extLst>
+          </p:cNvPr>
+          <p:cNvPicPr>
+            <a:picLocks noChangeAspect="1"/>
+          </p:cNvPicPr>
+          <p:nvPr/>
+        </p:nvPicPr>
+        <p:blipFill>
+          <a:blip r:embed="rId5" cstate="print">
+            <a:extLst>
+              <a:ext uri="{28A0092B-C50C-407E-A947-70E740481C1C}">
+                <a14:useLocalDpi xmlns:a14="http://schemas.microsoft.com/office/drawing/2010/main" val="0"/>
+              </a:ext>
+            </a:extLst>
+          </a:blip>
+          <a:stretch>
+            <a:fillRect/>
+          </a:stretch>
+        </p:blipFill>
+        <p:spPr>
+          <a:xfrm>
+            <a:off x="7426902" y="3862774"/>
+            <a:ext cx="2566260" cy="1924695"/>
+          </a:xfrm>
+          <a:prstGeom prst="rect">
+            <a:avLst/>
+          </a:prstGeom>
+        </p:spPr>
+      </p:pic>
+      <p:cxnSp>
+        <p:nvCxnSpPr>
+          <p:cNvPr id="14" name="Connecteur : en angle 13">
+            <a:extLst>
+              <a:ext uri="{FF2B5EF4-FFF2-40B4-BE49-F238E27FC236}">
+                <a16:creationId xmlns:a16="http://schemas.microsoft.com/office/drawing/2014/main" id="{84B15818-37D4-4F38-44FC-BAE91E04557B}"/>
+              </a:ext>
+            </a:extLst>
+          </p:cNvPr>
+          <p:cNvCxnSpPr>
+            <a:cxnSpLocks/>
+            <a:stCxn id="10" idx="3"/>
+            <a:endCxn id="13" idx="3"/>
+          </p:cNvCxnSpPr>
+          <p:nvPr/>
+        </p:nvCxnSpPr>
+        <p:spPr>
+          <a:xfrm flipH="1">
+            <a:off x="9993162" y="2644229"/>
+            <a:ext cx="1612232" cy="2180893"/>
+          </a:xfrm>
+          <a:prstGeom prst="bentConnector3">
+            <a:avLst>
+              <a:gd name="adj1" fmla="val -14179"/>
+            </a:avLst>
+          </a:prstGeom>
+          <a:ln w="28575">
+            <a:solidFill>
+              <a:schemeClr val="accent2"/>
+            </a:solidFill>
+            <a:tailEnd type="triangle"/>
+          </a:ln>
+        </p:spPr>
+        <p:style>
+          <a:lnRef idx="1">
+            <a:schemeClr val="accent1"/>
+          </a:lnRef>
+          <a:fillRef idx="0">
+            <a:schemeClr val="accent1"/>
+          </a:fillRef>
+          <a:effectRef idx="0">
+            <a:schemeClr val="accent1"/>
+          </a:effectRef>
+          <a:fontRef idx="minor">
+            <a:schemeClr val="tx1"/>
+          </a:fontRef>
+        </p:style>
+      </p:cxnSp>
+      <p:cxnSp>
+        <p:nvCxnSpPr>
+          <p:cNvPr id="17" name="Connecteur droit avec flèche 16">
+            <a:extLst>
+              <a:ext uri="{FF2B5EF4-FFF2-40B4-BE49-F238E27FC236}">
+                <a16:creationId xmlns:a16="http://schemas.microsoft.com/office/drawing/2014/main" id="{C7F9C3A4-BF54-74E5-D0A3-32446BDB22C6}"/>
+              </a:ext>
+            </a:extLst>
+          </p:cNvPr>
+          <p:cNvCxnSpPr>
+            <a:cxnSpLocks/>
+            <a:stCxn id="8" idx="3"/>
+            <a:endCxn id="10" idx="1"/>
+          </p:cNvCxnSpPr>
+          <p:nvPr/>
+        </p:nvCxnSpPr>
+        <p:spPr>
+          <a:xfrm flipV="1">
+            <a:off x="9397656" y="2644229"/>
+            <a:ext cx="277356" cy="1"/>
+          </a:xfrm>
+          <a:prstGeom prst="straightConnector1">
+            <a:avLst/>
+          </a:prstGeom>
+          <a:ln w="28575">
+            <a:solidFill>
+              <a:schemeClr val="accent2"/>
+            </a:solidFill>
+            <a:tailEnd type="triangle"/>
+          </a:ln>
+        </p:spPr>
+        <p:style>
+          <a:lnRef idx="1">
+            <a:schemeClr val="accent1"/>
+          </a:lnRef>
+          <a:fillRef idx="0">
+            <a:schemeClr val="accent1"/>
+          </a:fillRef>
+          <a:effectRef idx="0">
+            <a:schemeClr val="accent1"/>
+          </a:effectRef>
+          <a:fontRef idx="minor">
+            <a:schemeClr val="tx1"/>
+          </a:fontRef>
+        </p:style>
+      </p:cxnSp>
+      <p:cxnSp>
+        <p:nvCxnSpPr>
+          <p:cNvPr id="20" name="Connecteur droit avec flèche 19">
+            <a:extLst>
+              <a:ext uri="{FF2B5EF4-FFF2-40B4-BE49-F238E27FC236}">
+                <a16:creationId xmlns:a16="http://schemas.microsoft.com/office/drawing/2014/main" id="{39D558E7-C0BD-E9A4-7882-17518AB6F7F9}"/>
+              </a:ext>
+            </a:extLst>
+          </p:cNvPr>
+          <p:cNvCxnSpPr>
+            <a:cxnSpLocks/>
+            <a:stCxn id="6" idx="3"/>
+            <a:endCxn id="8" idx="1"/>
+          </p:cNvCxnSpPr>
+          <p:nvPr/>
+        </p:nvCxnSpPr>
+        <p:spPr>
+          <a:xfrm flipV="1">
+            <a:off x="7865332" y="2644230"/>
+            <a:ext cx="372037" cy="1"/>
+          </a:xfrm>
+          <a:prstGeom prst="straightConnector1">
+            <a:avLst/>
+          </a:prstGeom>
+          <a:ln w="28575">
+            <a:solidFill>
+              <a:schemeClr val="accent2"/>
+            </a:solidFill>
+            <a:tailEnd type="triangle"/>
+          </a:ln>
+        </p:spPr>
+        <p:style>
+          <a:lnRef idx="1">
+            <a:schemeClr val="accent1"/>
+          </a:lnRef>
+          <a:fillRef idx="0">
+            <a:schemeClr val="accent1"/>
+          </a:fillRef>
+          <a:effectRef idx="0">
+            <a:schemeClr val="accent1"/>
+          </a:effectRef>
+          <a:fontRef idx="minor">
+            <a:schemeClr val="tx1"/>
+          </a:fontRef>
+        </p:style>
+      </p:cxnSp>
+      <p:pic>
+        <p:nvPicPr>
+          <p:cNvPr id="25" name="Image 24" descr="Une image contenant Appareils électroniques, ordinateur portable, ordinateur, Netbook&#10;&#10;Description générée automatiquement">
+            <a:extLst>
+              <a:ext uri="{FF2B5EF4-FFF2-40B4-BE49-F238E27FC236}">
+                <a16:creationId xmlns:a16="http://schemas.microsoft.com/office/drawing/2014/main" id="{D1F06009-6598-B9E3-2A01-4ECB5BEDE340}"/>
+              </a:ext>
+            </a:extLst>
+          </p:cNvPr>
+          <p:cNvPicPr>
+            <a:picLocks noChangeAspect="1"/>
+          </p:cNvPicPr>
+          <p:nvPr/>
+        </p:nvPicPr>
+        <p:blipFill>
+          <a:blip r:embed="rId4">
+            <a:extLst>
+              <a:ext uri="{28A0092B-C50C-407E-A947-70E740481C1C}">
+                <a14:useLocalDpi xmlns:a14="http://schemas.microsoft.com/office/drawing/2010/main" val="0"/>
+              </a:ext>
+            </a:extLst>
+          </a:blip>
+          <a:stretch>
+            <a:fillRect/>
+          </a:stretch>
+        </p:blipFill>
+        <p:spPr>
+          <a:xfrm>
+            <a:off x="5178581" y="4091576"/>
+            <a:ext cx="1930382" cy="1467090"/>
+          </a:xfrm>
+          <a:prstGeom prst="rect">
+            <a:avLst/>
+          </a:prstGeom>
+        </p:spPr>
+      </p:pic>
+      <p:cxnSp>
+        <p:nvCxnSpPr>
+          <p:cNvPr id="26" name="Connecteur droit avec flèche 25">
+            <a:extLst>
+              <a:ext uri="{FF2B5EF4-FFF2-40B4-BE49-F238E27FC236}">
+                <a16:creationId xmlns:a16="http://schemas.microsoft.com/office/drawing/2014/main" id="{B2033AB4-44AF-CA7A-DC3F-1C79E721B5D7}"/>
+              </a:ext>
+            </a:extLst>
+          </p:cNvPr>
+          <p:cNvCxnSpPr>
+            <a:cxnSpLocks/>
+            <a:stCxn id="13" idx="1"/>
+            <a:endCxn id="25" idx="3"/>
+          </p:cNvCxnSpPr>
+          <p:nvPr/>
+        </p:nvCxnSpPr>
+        <p:spPr>
+          <a:xfrm flipH="1" flipV="1">
+            <a:off x="7108963" y="4825121"/>
+            <a:ext cx="317939" cy="1"/>
+          </a:xfrm>
+          <a:prstGeom prst="straightConnector1">
+            <a:avLst/>
+          </a:prstGeom>
+          <a:ln w="28575">
+            <a:solidFill>
+              <a:schemeClr val="accent2"/>
+            </a:solidFill>
+            <a:tailEnd type="triangle"/>
+          </a:ln>
+        </p:spPr>
+        <p:style>
+          <a:lnRef idx="1">
+            <a:schemeClr val="accent1"/>
+          </a:lnRef>
+          <a:fillRef idx="0">
+            <a:schemeClr val="accent1"/>
+          </a:fillRef>
+          <a:effectRef idx="0">
+            <a:schemeClr val="accent1"/>
+          </a:effectRef>
+          <a:fontRef idx="minor">
+            <a:schemeClr val="tx1"/>
+          </a:fontRef>
+        </p:style>
+      </p:cxnSp>
+    </p:spTree>
+    <p:extLst>
+      <p:ext uri="{BB962C8B-B14F-4D97-AF65-F5344CB8AC3E}">
+        <p14:creationId xmlns:p14="http://schemas.microsoft.com/office/powerpoint/2010/main" val="788264215"/>
+      </p:ext>
+    </p:extLst>
+  </p:cSld>
+  <p:clrMapOvr>
+    <a:masterClrMapping/>
+  </p:clrMapOvr>
+</p:sld>
+</file>
+
+<file path=ppt/slides/slide16.xml><?xml version="1.0" encoding="utf-8"?>
+<p:sld xmlns:a="http://schemas.openxmlformats.org/drawingml/2006/main" xmlns:r="http://schemas.openxmlformats.org/officeDocument/2006/relationships" xmlns:p="http://schemas.openxmlformats.org/presentationml/2006/main">
+  <p:cSld>
+    <p:spTree>
+      <p:nvGrpSpPr>
+        <p:cNvPr id="1" name="">
+          <a:extLst>
+            <a:ext uri="{FF2B5EF4-FFF2-40B4-BE49-F238E27FC236}">
+              <a16:creationId xmlns:a16="http://schemas.microsoft.com/office/drawing/2014/main" id="{3B028E4A-9A77-497A-73DA-4E632F03A479}"/>
+            </a:ext>
+          </a:extLst>
+        </p:cNvPr>
+        <p:cNvGrpSpPr/>
+        <p:nvPr/>
+      </p:nvGrpSpPr>
+      <p:grpSpPr>
+        <a:xfrm>
+          <a:off x="0" y="0"/>
+          <a:ext cx="0" cy="0"/>
+          <a:chOff x="0" y="0"/>
+          <a:chExt cx="0" cy="0"/>
+        </a:xfrm>
+      </p:grpSpPr>
+      <p:sp>
+        <p:nvSpPr>
+          <p:cNvPr id="305" name="PlaceHolder 1">
+            <a:extLst>
+              <a:ext uri="{FF2B5EF4-FFF2-40B4-BE49-F238E27FC236}">
+                <a16:creationId xmlns:a16="http://schemas.microsoft.com/office/drawing/2014/main" id="{A39D4706-1790-9CC4-9892-83AD19ED58E2}"/>
+              </a:ext>
+            </a:extLst>
+          </p:cNvPr>
+          <p:cNvSpPr>
+            <a:spLocks noGrp="1"/>
+          </p:cNvSpPr>
+          <p:nvPr>
+            <p:ph type="title"/>
+          </p:nvPr>
+        </p:nvSpPr>
+        <p:spPr>
+          <a:xfrm>
+            <a:off x="241200" y="225360"/>
+            <a:ext cx="11707560" cy="637920"/>
+          </a:xfrm>
+          <a:prstGeom prst="rect">
+            <a:avLst/>
+          </a:prstGeom>
+          <a:noFill/>
+          <a:ln w="9360">
+            <a:noFill/>
+          </a:ln>
+        </p:spPr>
+        <p:txBody>
+          <a:bodyPr numCol="1" spcCol="0" anchor="t">
+            <a:noAutofit/>
+          </a:bodyPr>
+          <a:lstStyle/>
+          <a:p>
+            <a:pPr>
+              <a:lnSpc>
+                <a:spcPct val="90000"/>
+              </a:lnSpc>
+              <a:buNone/>
+            </a:pPr>
+            <a:r>
+              <a:rPr lang="fr-FR" sz="3200" b="1" strike="noStrike" spc="-1" dirty="0">
+                <a:solidFill>
+                  <a:srgbClr val="005E6A"/>
+                </a:solidFill>
+                <a:latin typeface="Calibri"/>
+                <a:ea typeface="Calibri"/>
+              </a:rPr>
+              <a:t>3 – Suite du projet</a:t>
+            </a:r>
+            <a:endParaRPr lang="fr-FR" sz="3200" b="0" strike="noStrike" spc="-1" dirty="0">
+              <a:solidFill>
+                <a:srgbClr val="2B3238"/>
+              </a:solidFill>
+              <a:latin typeface="Calibri"/>
+            </a:endParaRPr>
+          </a:p>
+        </p:txBody>
+      </p:sp>
+      <p:sp>
+        <p:nvSpPr>
+          <p:cNvPr id="306" name="Espace réservé du numéro de diapositive 4">
+            <a:extLst>
+              <a:ext uri="{FF2B5EF4-FFF2-40B4-BE49-F238E27FC236}">
+                <a16:creationId xmlns:a16="http://schemas.microsoft.com/office/drawing/2014/main" id="{B3287981-39F4-A0B1-7302-E48A975233CF}"/>
+              </a:ext>
+            </a:extLst>
+          </p:cNvPr>
+          <p:cNvSpPr/>
+          <p:nvPr/>
+        </p:nvSpPr>
+        <p:spPr>
+          <a:xfrm>
+            <a:off x="220680" y="6334200"/>
+            <a:ext cx="374400" cy="374400"/>
+          </a:xfrm>
+          <a:prstGeom prst="ellipse">
+            <a:avLst/>
+          </a:prstGeom>
+          <a:noFill/>
+          <a:ln w="0">
+            <a:solidFill>
+              <a:srgbClr val="005E6A"/>
+            </a:solidFill>
+          </a:ln>
+        </p:spPr>
+        <p:style>
+          <a:lnRef idx="0">
+            <a:scrgbClr r="0" g="0" b="0"/>
+          </a:lnRef>
+          <a:fillRef idx="0">
+            <a:scrgbClr r="0" g="0" b="0"/>
+          </a:fillRef>
+          <a:effectRef idx="0">
+            <a:scrgbClr r="0" g="0" b="0"/>
+          </a:effectRef>
+          <a:fontRef idx="minor"/>
+        </p:style>
+        <p:txBody>
+          <a:bodyPr numCol="1" spcCol="0" anchor="t">
+            <a:noAutofit/>
+          </a:bodyPr>
+          <a:lstStyle/>
+          <a:p>
+            <a:pPr algn="ctr">
+              <a:lnSpc>
+                <a:spcPct val="100000"/>
+              </a:lnSpc>
+              <a:buNone/>
+            </a:pPr>
+            <a:fld id="{84C4C227-C5A9-42A2-A5AD-AD432B0D3890}" type="slidenum">
+              <a:rPr lang="fr-FR" sz="900" b="0" strike="noStrike" spc="-1">
+                <a:solidFill>
+                  <a:srgbClr val="005E6A"/>
+                </a:solidFill>
+                <a:latin typeface="Segoe UI"/>
+              </a:rPr>
+              <a:t>16</a:t>
+            </a:fld>
+            <a:endParaRPr lang="fr-FR" sz="900" b="0" strike="noStrike" spc="-1">
+              <a:latin typeface="Arial"/>
+            </a:endParaRPr>
+          </a:p>
+        </p:txBody>
+      </p:sp>
+      <p:sp>
+        <p:nvSpPr>
+          <p:cNvPr id="307" name="PlaceHolder 2">
+            <a:extLst>
+              <a:ext uri="{FF2B5EF4-FFF2-40B4-BE49-F238E27FC236}">
+                <a16:creationId xmlns:a16="http://schemas.microsoft.com/office/drawing/2014/main" id="{986F099D-BA9B-DE3C-9BCD-469EA23AFD05}"/>
+              </a:ext>
+            </a:extLst>
+          </p:cNvPr>
+          <p:cNvSpPr>
+            <a:spLocks noGrp="1"/>
+          </p:cNvSpPr>
+          <p:nvPr>
+            <p:ph type="dt" idx="23"/>
+          </p:nvPr>
+        </p:nvSpPr>
+        <p:spPr>
+          <a:xfrm>
+            <a:off x="939960" y="6334200"/>
+            <a:ext cx="952200" cy="364680"/>
+          </a:xfrm>
+          <a:prstGeom prst="rect">
+            <a:avLst/>
+          </a:prstGeom>
+          <a:noFill/>
+          <a:ln w="0">
+            <a:noFill/>
+          </a:ln>
+        </p:spPr>
+        <p:txBody>
+          <a:bodyPr anchor="ctr">
+            <a:noAutofit/>
+          </a:bodyPr>
+          <a:lstStyle>
+            <a:lvl1pPr>
+              <a:lnSpc>
+                <a:spcPct val="100000"/>
+              </a:lnSpc>
+              <a:buNone/>
+              <a:defRPr lang="fr-FR" sz="1200" b="0" strike="noStrike" spc="-1">
+                <a:solidFill>
+                  <a:srgbClr val="F4F4F4"/>
+                </a:solidFill>
+                <a:latin typeface="Calibri"/>
+              </a:defRPr>
+            </a:lvl1pPr>
+          </a:lstStyle>
+          <a:p>
+            <a:pPr>
+              <a:lnSpc>
+                <a:spcPct val="100000"/>
+              </a:lnSpc>
+              <a:buNone/>
+            </a:pPr>
+            <a:r>
+              <a:rPr lang="fr-FR" sz="1200" b="0" strike="noStrike" spc="-1">
+                <a:solidFill>
+                  <a:srgbClr val="F4F4F4"/>
+                </a:solidFill>
+                <a:latin typeface="Calibri"/>
+              </a:rPr>
+              <a:t>14/12/2023</a:t>
+            </a:r>
+            <a:endParaRPr lang="fr-FR" sz="1200" b="0" strike="noStrike" spc="-1">
+              <a:latin typeface="Times New Roman"/>
+            </a:endParaRPr>
+          </a:p>
+        </p:txBody>
+      </p:sp>
+      <p:sp>
+        <p:nvSpPr>
+          <p:cNvPr id="308" name="Titre 1">
+            <a:extLst>
+              <a:ext uri="{FF2B5EF4-FFF2-40B4-BE49-F238E27FC236}">
+                <a16:creationId xmlns:a16="http://schemas.microsoft.com/office/drawing/2014/main" id="{22A2A59D-3376-6746-F27A-D9C0172F6A39}"/>
+              </a:ext>
+            </a:extLst>
+          </p:cNvPr>
+          <p:cNvSpPr/>
+          <p:nvPr/>
+        </p:nvSpPr>
+        <p:spPr>
+          <a:xfrm>
+            <a:off x="484200" y="673560"/>
+            <a:ext cx="6215760" cy="607320"/>
+          </a:xfrm>
+          <a:prstGeom prst="rect">
+            <a:avLst/>
+          </a:prstGeom>
+          <a:noFill/>
+          <a:ln w="9525">
+            <a:noFill/>
+          </a:ln>
+        </p:spPr>
+        <p:style>
+          <a:lnRef idx="0">
+            <a:scrgbClr r="0" g="0" b="0"/>
+          </a:lnRef>
+          <a:fillRef idx="0">
+            <a:scrgbClr r="0" g="0" b="0"/>
+          </a:fillRef>
+          <a:effectRef idx="0">
+            <a:scrgbClr r="0" g="0" b="0"/>
+          </a:effectRef>
+          <a:fontRef idx="minor"/>
+        </p:style>
+        <p:txBody>
+          <a:bodyPr numCol="1" spcCol="0" anchor="t">
+            <a:noAutofit/>
+          </a:bodyPr>
+          <a:lstStyle/>
+          <a:p>
+            <a:pPr marL="343080" indent="-343080">
+              <a:lnSpc>
+                <a:spcPct val="107000"/>
+              </a:lnSpc>
+              <a:buClr>
+                <a:srgbClr val="005E6A"/>
+              </a:buClr>
+              <a:buFont typeface="Wingdings" charset="2"/>
+              <a:buChar char=""/>
+            </a:pPr>
+            <a:r>
+              <a:rPr lang="fr-FR" sz="2000" b="1" strike="noStrike" spc="-1" dirty="0">
+                <a:solidFill>
+                  <a:srgbClr val="005E6A"/>
+                </a:solidFill>
+                <a:latin typeface="Calibri"/>
+              </a:rPr>
+              <a:t>Planning</a:t>
+            </a:r>
+            <a:endParaRPr lang="fr-FR" sz="2000" b="0" strike="noStrike" spc="-1" dirty="0">
+              <a:latin typeface="Arial"/>
+            </a:endParaRPr>
+          </a:p>
+        </p:txBody>
+      </p:sp>
+      <p:pic>
+        <p:nvPicPr>
+          <p:cNvPr id="2" name="Image 1">
+            <a:extLst>
+              <a:ext uri="{FF2B5EF4-FFF2-40B4-BE49-F238E27FC236}">
+                <a16:creationId xmlns:a16="http://schemas.microsoft.com/office/drawing/2014/main" id="{43A39279-E6E7-3FB8-5777-8D17D680D9DC}"/>
+              </a:ext>
+            </a:extLst>
+          </p:cNvPr>
+          <p:cNvPicPr>
+            <a:picLocks noChangeAspect="1"/>
+          </p:cNvPicPr>
           <p:nvPr/>
         </p:nvPicPr>
         <p:blipFill>
           <a:blip r:embed="rId2"/>
-          <a:stretch/>
+          <a:stretch>
+            <a:fillRect/>
+          </a:stretch>
         </p:blipFill>
         <p:spPr>
           <a:xfrm>
-            <a:off x="2575800" y="863640"/>
-            <a:ext cx="7038720" cy="5287320"/>
+            <a:off x="2575716" y="863600"/>
+            <a:ext cx="7038979" cy="5287654"/>
           </a:xfrm>
           <a:prstGeom prst="rect">
             <a:avLst/>
           </a:prstGeom>
-          <a:ln w="0">
-            <a:noFill/>
-          </a:ln>
         </p:spPr>
       </p:pic>
     </p:spTree>
+    <p:extLst>
+      <p:ext uri="{BB962C8B-B14F-4D97-AF65-F5344CB8AC3E}">
+        <p14:creationId xmlns:p14="http://schemas.microsoft.com/office/powerpoint/2010/main" val="3150582927"/>
+      </p:ext>
+    </p:extLst>
   </p:cSld>
   <p:clrMapOvr>
     <a:masterClrMapping/>
@@ -24989,7 +25583,7 @@
         <p:spPr>
           <a:xfrm>
             <a:off x="1892520" y="758160"/>
-            <a:ext cx="9029520" cy="4836858"/>
+            <a:ext cx="9029520" cy="4579223"/>
           </a:xfrm>
           <a:prstGeom prst="rect">
             <a:avLst/>
@@ -25297,7 +25891,7 @@
                 <a:latin typeface="Calibri"/>
                 <a:ea typeface="Calibri"/>
               </a:rPr>
-              <a:t>3 – Orientations à mener pour la finalisation du projet</a:t>
+              <a:t>3 – Suite du projet</a:t>
             </a:r>
             <a:endParaRPr lang="fr-FR" sz="2000" b="0" strike="noStrike" spc="-1" dirty="0">
               <a:latin typeface="Arial"/>
@@ -25344,29 +25938,7 @@
                 <a:latin typeface="Calibri"/>
                 <a:ea typeface="Calibri"/>
               </a:rPr>
-              <a:t>Essais sur maquette</a:t>
-            </a:r>
-          </a:p>
-          <a:p>
-            <a:pPr marL="343080" indent="-343080">
-              <a:lnSpc>
-                <a:spcPct val="107000"/>
-              </a:lnSpc>
-              <a:buClr>
-                <a:srgbClr val="005E6A"/>
-              </a:buClr>
-              <a:buFont typeface="Symbol"/>
-              <a:buChar char=""/>
-            </a:pPr>
-            <a:r>
-              <a:rPr lang="fr-FR" sz="1600" b="0" strike="noStrike" spc="-1" dirty="0">
-                <a:solidFill>
-                  <a:srgbClr val="005E6A"/>
-                </a:solidFill>
-                <a:latin typeface="Calibri"/>
-                <a:ea typeface="Calibri"/>
-              </a:rPr>
-              <a:t>Essais réels</a:t>
+              <a:t>Essais avec maquette</a:t>
             </a:r>
           </a:p>
           <a:p>
@@ -25386,9 +25958,8 @@
                   <a:srgbClr val="005E6A"/>
                 </a:solidFill>
                 <a:latin typeface="Calibri"/>
-                <a:ea typeface="Calibri"/>
               </a:rPr>
-              <a:t>Optimisation(s)</a:t>
+              <a:t>Planning</a:t>
             </a:r>
             <a:endParaRPr lang="fr-FR" sz="1600" b="0" strike="noStrike" spc="-1" dirty="0">
               <a:latin typeface="Arial"/>
